--- a/Sencha-Workshop-March2011/SenchaBYOL-PayPal.pptx
+++ b/Sencha-Workshop-March2011/SenchaBYOL-PayPal.pptx
@@ -6,23 +6,26 @@
     <p:sldMasterId id="2147483692" r:id="rId5"/>
   </p:sldMasterIdLst>
   <p:notesMasterIdLst>
-    <p:notesMasterId r:id="rId17"/>
+    <p:notesMasterId r:id="rId20"/>
   </p:notesMasterIdLst>
   <p:handoutMasterIdLst>
-    <p:handoutMasterId r:id="rId18"/>
+    <p:handoutMasterId r:id="rId21"/>
   </p:handoutMasterIdLst>
   <p:sldIdLst>
     <p:sldId id="259" r:id="rId6"/>
     <p:sldId id="309" r:id="rId7"/>
     <p:sldId id="260" r:id="rId8"/>
-    <p:sldId id="312" r:id="rId9"/>
-    <p:sldId id="311" r:id="rId10"/>
-    <p:sldId id="320" r:id="rId11"/>
-    <p:sldId id="316" r:id="rId12"/>
-    <p:sldId id="317" r:id="rId13"/>
-    <p:sldId id="314" r:id="rId14"/>
-    <p:sldId id="315" r:id="rId15"/>
-    <p:sldId id="319" r:id="rId16"/>
+    <p:sldId id="321" r:id="rId9"/>
+    <p:sldId id="314" r:id="rId10"/>
+    <p:sldId id="315" r:id="rId11"/>
+    <p:sldId id="311" r:id="rId12"/>
+    <p:sldId id="320" r:id="rId13"/>
+    <p:sldId id="312" r:id="rId14"/>
+    <p:sldId id="316" r:id="rId15"/>
+    <p:sldId id="322" r:id="rId16"/>
+    <p:sldId id="317" r:id="rId17"/>
+    <p:sldId id="319" r:id="rId18"/>
+    <p:sldId id="323" r:id="rId19"/>
   </p:sldIdLst>
   <p:sldSz cx="9144000" cy="6858000" type="screen4x3"/>
   <p:notesSz cx="6858000" cy="9144000"/>
@@ -207,7 +210,7 @@
             <a:fld id="{5E1FBA7D-75A5-4592-8473-08CF6101391B}" type="datetimeFigureOut">
               <a:rPr lang="en-US" smtClean="0"/>
               <a:pPr/>
-              <a:t>3/30/11</a:t>
+              <a:t>3/31/11</a:t>
             </a:fld>
             <a:endParaRPr lang="en-US"/>
           </a:p>
@@ -375,7 +378,7 @@
             <a:fld id="{5E19C373-82C2-4B16-9370-85941515046B}" type="datetimeFigureOut">
               <a:rPr lang="en-US" smtClean="0"/>
               <a:pPr/>
-              <a:t>3/30/11</a:t>
+              <a:t>3/31/11</a:t>
             </a:fld>
             <a:endParaRPr lang="en-US"/>
           </a:p>
@@ -1344,7 +1347,7 @@
           <a:p>
             <a:fld id="{589B4F7D-DA8E-1B4F-A7F1-F2639CB35B14}" type="datetime1">
               <a:rPr lang="en-US" smtClean="0"/>
-              <a:t>3/30/11</a:t>
+              <a:t>3/31/11</a:t>
             </a:fld>
             <a:endParaRPr lang="en-US"/>
           </a:p>
@@ -1865,7 +1868,7 @@
           <a:p>
             <a:fld id="{D26FA8F3-AF36-7F46-BBBE-FC6B39457AA2}" type="datetime1">
               <a:rPr lang="en-US" smtClean="0"/>
-              <a:t>3/30/11</a:t>
+              <a:t>3/31/11</a:t>
             </a:fld>
             <a:endParaRPr lang="en-US"/>
           </a:p>
@@ -2288,7 +2291,7 @@
           <a:p>
             <a:fld id="{3CAC35D6-AB54-1344-BD6E-694D808EB620}" type="datetime1">
               <a:rPr lang="en-US" smtClean="0"/>
-              <a:t>3/30/11</a:t>
+              <a:t>3/31/11</a:t>
             </a:fld>
             <a:endParaRPr lang="en-US"/>
           </a:p>
@@ -2711,7 +2714,7 @@
           <a:p>
             <a:fld id="{FEBE4F37-642F-7B4E-8A55-96B708E7B84F}" type="datetime1">
               <a:rPr lang="en-US" smtClean="0"/>
-              <a:t>3/30/11</a:t>
+              <a:t>3/31/11</a:t>
             </a:fld>
             <a:endParaRPr lang="en-US"/>
           </a:p>
@@ -3424,7 +3427,7 @@
           <a:p>
             <a:fld id="{4C37AD41-173A-234D-9C6B-A6E340C37DA0}" type="datetime1">
               <a:rPr lang="en-US" smtClean="0"/>
-              <a:t>3/30/11</a:t>
+              <a:t>3/31/11</a:t>
             </a:fld>
             <a:endParaRPr lang="en-US"/>
           </a:p>
@@ -3705,7 +3708,7 @@
           <a:p>
             <a:fld id="{9DD225AF-7903-1142-A1E7-25D3D9A616B9}" type="datetime1">
               <a:rPr lang="en-US" smtClean="0"/>
-              <a:t>3/30/11</a:t>
+              <a:t>3/31/11</a:t>
             </a:fld>
             <a:endParaRPr lang="en-US"/>
           </a:p>
@@ -4069,7 +4072,7 @@
           <a:p>
             <a:fld id="{6F92C9D6-196F-684D-B6A2-AEA17B691081}" type="datetime1">
               <a:rPr lang="en-US" smtClean="0"/>
-              <a:t>3/30/11</a:t>
+              <a:t>3/31/11</a:t>
             </a:fld>
             <a:endParaRPr lang="en-US"/>
           </a:p>
@@ -4466,7 +4469,7 @@
           <a:p>
             <a:fld id="{5042A2C6-B1D5-4C41-B174-869164D78102}" type="datetime1">
               <a:rPr lang="en-US" smtClean="0"/>
-              <a:t>3/30/11</a:t>
+              <a:t>3/31/11</a:t>
             </a:fld>
             <a:endParaRPr lang="en-US"/>
           </a:p>
@@ -5325,7 +5328,7 @@
           <a:p>
             <a:fld id="{05361164-965D-F24C-B059-F855B5B5C382}" type="datetime1">
               <a:rPr lang="en-US" smtClean="0"/>
-              <a:t>3/30/11</a:t>
+              <a:t>3/31/11</a:t>
             </a:fld>
             <a:endParaRPr lang="en-US"/>
           </a:p>
@@ -6627,7 +6630,7 @@
           <a:p>
             <a:fld id="{1707971E-F163-D841-88C7-1C139F7CE2AF}" type="datetime1">
               <a:rPr lang="en-US" smtClean="0"/>
-              <a:t>3/30/11</a:t>
+              <a:t>3/31/11</a:t>
             </a:fld>
             <a:endParaRPr lang="en-US"/>
           </a:p>
@@ -7929,7 +7932,7 @@
           <a:p>
             <a:fld id="{037CDD65-FFC3-7549-AB7F-54F248016DCA}" type="datetime1">
               <a:rPr lang="en-US" smtClean="0"/>
-              <a:t>3/30/11</a:t>
+              <a:t>3/31/11</a:t>
             </a:fld>
             <a:endParaRPr lang="en-US" dirty="0"/>
           </a:p>
@@ -8368,7 +8371,7 @@
           <a:p>
             <a:fld id="{8B485981-4388-394B-AF62-B69B13D0CEBC}" type="datetime1">
               <a:rPr lang="en-US" smtClean="0"/>
-              <a:t>3/30/11</a:t>
+              <a:t>3/31/11</a:t>
             </a:fld>
             <a:endParaRPr lang="en-US"/>
           </a:p>
@@ -9467,7 +9470,7 @@
           <a:p>
             <a:fld id="{70315F6E-7E32-1941-9BB5-4EB1BAFB4E82}" type="datetime1">
               <a:rPr lang="en-US" smtClean="0"/>
-              <a:t>3/30/11</a:t>
+              <a:t>3/31/11</a:t>
             </a:fld>
             <a:endParaRPr lang="en-US"/>
           </a:p>
@@ -10622,7 +10625,7 @@
           <a:p>
             <a:fld id="{69452123-5197-1245-AEFE-940DA54267AE}" type="datetime1">
               <a:rPr lang="en-US" smtClean="0"/>
-              <a:t>3/30/11</a:t>
+              <a:t>3/31/11</a:t>
             </a:fld>
             <a:endParaRPr lang="en-US"/>
           </a:p>
@@ -11457,7 +11460,7 @@
           <a:p>
             <a:fld id="{3731BDFD-5DA1-C14E-A6B8-446B5CA5F665}" type="datetime1">
               <a:rPr lang="en-US" smtClean="0"/>
-              <a:t>3/30/11</a:t>
+              <a:t>3/31/11</a:t>
             </a:fld>
             <a:endParaRPr lang="en-US"/>
           </a:p>
@@ -12123,7 +12126,7 @@
           <a:p>
             <a:fld id="{FA8BCD5A-BDA0-734C-90AA-0C34FE20128F}" type="datetime1">
               <a:rPr lang="en-US" smtClean="0"/>
-              <a:t>3/30/11</a:t>
+              <a:t>3/31/11</a:t>
             </a:fld>
             <a:endParaRPr lang="en-US"/>
           </a:p>
@@ -12899,7 +12902,7 @@
           <a:p>
             <a:fld id="{18F2CA6C-D16A-7B4C-92E5-7839D0691577}" type="datetime1">
               <a:rPr lang="en-US" smtClean="0"/>
-              <a:t>3/30/11</a:t>
+              <a:t>3/31/11</a:t>
             </a:fld>
             <a:endParaRPr lang="en-US"/>
           </a:p>
@@ -14593,7 +14596,7 @@
           <a:p>
             <a:fld id="{12DBE1C8-8255-4E46-83EE-0B32582A7318}" type="datetime1">
               <a:rPr lang="en-US" smtClean="0"/>
-              <a:t>3/30/11</a:t>
+              <a:t>3/31/11</a:t>
             </a:fld>
             <a:endParaRPr lang="en-US"/>
           </a:p>
@@ -14829,7 +14832,7 @@
           <a:p>
             <a:fld id="{5E9F1E10-0191-9441-A599-BBE90483EBEE}" type="datetime1">
               <a:rPr lang="en-US" smtClean="0"/>
-              <a:t>3/30/11</a:t>
+              <a:t>3/31/11</a:t>
             </a:fld>
             <a:endParaRPr lang="en-US"/>
           </a:p>
@@ -15128,7 +15131,7 @@
           <a:p>
             <a:fld id="{7440D927-7B24-CB4D-85C3-73FE51547CF8}" type="datetime1">
               <a:rPr lang="en-US" smtClean="0"/>
-              <a:t>3/30/11</a:t>
+              <a:t>3/31/11</a:t>
             </a:fld>
             <a:endParaRPr lang="en-US"/>
           </a:p>
@@ -15422,7 +15425,7 @@
           <a:p>
             <a:fld id="{26E5A30C-C766-8140-BDD8-9C43CE837D02}" type="datetime1">
               <a:rPr lang="en-US" smtClean="0"/>
-              <a:t>3/30/11</a:t>
+              <a:t>3/31/11</a:t>
             </a:fld>
             <a:endParaRPr lang="en-US"/>
           </a:p>
@@ -15668,7 +15671,7 @@
           <a:p>
             <a:fld id="{D08ECB1F-C777-8B4A-ACC4-CADED378E14C}" type="datetime1">
               <a:rPr lang="en-US" smtClean="0"/>
-              <a:t>3/30/11</a:t>
+              <a:t>3/31/11</a:t>
             </a:fld>
             <a:endParaRPr lang="en-US"/>
           </a:p>
@@ -16006,7 +16009,7 @@
           <a:p>
             <a:fld id="{2D326AA5-7BAC-2F41-B936-8468B525E61C}" type="datetime1">
               <a:rPr lang="en-US" smtClean="0"/>
-              <a:t>3/30/11</a:t>
+              <a:t>3/31/11</a:t>
             </a:fld>
             <a:endParaRPr lang="en-US"/>
           </a:p>
@@ -16420,7 +16423,7 @@
           <a:p>
             <a:fld id="{D74E4733-ED15-0B47-87A7-00DB3E05F86E}" type="datetime1">
               <a:rPr lang="en-US" smtClean="0"/>
-              <a:t>3/30/11</a:t>
+              <a:t>3/31/11</a:t>
             </a:fld>
             <a:endParaRPr lang="en-US"/>
           </a:p>
@@ -16573,7 +16576,7 @@
           <a:p>
             <a:fld id="{85E661CF-F7E8-224C-8DE9-43476570F5CF}" type="datetime1">
               <a:rPr lang="en-US" smtClean="0"/>
-              <a:t>3/30/11</a:t>
+              <a:t>3/31/11</a:t>
             </a:fld>
             <a:endParaRPr lang="en-US"/>
           </a:p>
@@ -16944,7 +16947,7 @@
           <a:p>
             <a:fld id="{9879A3C4-FBC8-B847-A554-ED554578BDD4}" type="datetime1">
               <a:rPr lang="en-US" smtClean="0"/>
-              <a:t>3/30/11</a:t>
+              <a:t>3/31/11</a:t>
             </a:fld>
             <a:endParaRPr lang="en-US"/>
           </a:p>
@@ -17315,7 +17318,7 @@
           <a:p>
             <a:fld id="{E2E4CC20-8C92-A643-A81F-1EADE1F8D3BF}" type="datetime1">
               <a:rPr lang="en-US" smtClean="0"/>
-              <a:t>3/30/11</a:t>
+              <a:t>3/31/11</a:t>
             </a:fld>
             <a:endParaRPr lang="en-US"/>
           </a:p>
@@ -17612,7 +17615,7 @@
           <a:p>
             <a:fld id="{81E57A39-5AD4-4240-A669-103BBC22713B}" type="datetime1">
               <a:rPr lang="en-US" smtClean="0"/>
-              <a:t>3/30/11</a:t>
+              <a:t>3/31/11</a:t>
             </a:fld>
             <a:endParaRPr lang="en-US"/>
           </a:p>
@@ -17911,7 +17914,7 @@
           <a:p>
             <a:fld id="{2ADE5F3E-E856-7D45-8CC2-099525AB0D52}" type="datetime1">
               <a:rPr lang="en-US" smtClean="0"/>
-              <a:t>3/30/11</a:t>
+              <a:t>3/31/11</a:t>
             </a:fld>
             <a:endParaRPr lang="en-US"/>
           </a:p>
@@ -18132,7 +18135,7 @@
           <a:p>
             <a:fld id="{253043AD-EB39-C84C-AC55-CE65D2869645}" type="datetime1">
               <a:rPr lang="en-US" smtClean="0"/>
-              <a:t>3/30/11</a:t>
+              <a:t>3/31/11</a:t>
             </a:fld>
             <a:endParaRPr lang="en-US"/>
           </a:p>
@@ -18472,7 +18475,7 @@
           <a:p>
             <a:fld id="{2B0CF3A5-E4BB-7B4A-A59E-16EA952E7319}" type="datetime1">
               <a:rPr lang="en-US" smtClean="0"/>
-              <a:t>3/30/11</a:t>
+              <a:t>3/31/11</a:t>
             </a:fld>
             <a:endParaRPr lang="en-US"/>
           </a:p>
@@ -18625,7 +18628,7 @@
           <a:p>
             <a:fld id="{9293CF6F-1F40-3748-ADE8-D843FF8CE96C}" type="datetime1">
               <a:rPr lang="en-US" smtClean="0"/>
-              <a:t>3/30/11</a:t>
+              <a:t>3/31/11</a:t>
             </a:fld>
             <a:endParaRPr lang="en-US"/>
           </a:p>
@@ -18956,7 +18959,7 @@
           <a:p>
             <a:fld id="{37FC233A-63E7-4746-BA84-E15807412636}" type="datetime1">
               <a:rPr lang="en-US" smtClean="0"/>
-              <a:t>3/30/11</a:t>
+              <a:t>3/31/11</a:t>
             </a:fld>
             <a:endParaRPr lang="en-US"/>
           </a:p>
@@ -19287,7 +19290,7 @@
           <a:p>
             <a:fld id="{70739BF0-3915-7A46-A354-442F9DE0841F}" type="datetime1">
               <a:rPr lang="en-US" smtClean="0"/>
-              <a:t>3/30/11</a:t>
+              <a:t>3/31/11</a:t>
             </a:fld>
             <a:endParaRPr lang="en-US"/>
           </a:p>
@@ -19547,7 +19550,7 @@
           <a:p>
             <a:fld id="{E7D7B262-A9F8-7B4A-8626-AE0A86651A51}" type="datetime1">
               <a:rPr lang="en-US" smtClean="0"/>
-              <a:t>3/30/11</a:t>
+              <a:t>3/31/11</a:t>
             </a:fld>
             <a:endParaRPr lang="en-US"/>
           </a:p>
@@ -20120,7 +20123,7 @@
           <a:p>
             <a:fld id="{E7B96C3C-FD20-E144-BC95-6B5C30FA4823}" type="datetime1">
               <a:rPr lang="en-US" smtClean="0"/>
-              <a:t>3/30/11</a:t>
+              <a:t>3/31/11</a:t>
             </a:fld>
             <a:endParaRPr lang="en-US"/>
           </a:p>
@@ -20525,11 +20528,7 @@
           <a:p>
             <a:r>
               <a:rPr lang="en-US" dirty="0" smtClean="0"/>
-              <a:t>PayPal </a:t>
-            </a:r>
-            <a:r>
-              <a:rPr lang="en-US" dirty="0" smtClean="0"/>
-              <a:t>Mobile Express Checkout </a:t>
+              <a:t>PayPal Mobile Express Checkout </a:t>
             </a:r>
             <a:br>
               <a:rPr lang="en-US" dirty="0" smtClean="0"/>
@@ -20567,11 +20566,7 @@
           <a:p>
             <a:r>
               <a:rPr lang="en-US" dirty="0" smtClean="0"/>
-              <a:t>March, </a:t>
-            </a:r>
-            <a:r>
-              <a:rPr lang="en-US" dirty="0" smtClean="0"/>
-              <a:t>31 2011</a:t>
+              <a:t>March, 31 2011</a:t>
             </a:r>
             <a:endParaRPr lang="en-US" dirty="0"/>
           </a:p>
@@ -20628,432 +20623,18 @@
           <a:lstStyle/>
           <a:p>
             <a:r>
-              <a:rPr lang="en-US" dirty="0" smtClean="0"/>
-              <a:t>Add </a:t>
-            </a:r>
-            <a:r>
               <a:rPr lang="en-US" dirty="0" err="1" smtClean="0"/>
-              <a:t>ajax</a:t>
-            </a:r>
-            <a:r>
-              <a:rPr lang="en-US" dirty="0" smtClean="0"/>
-              <a:t> request in </a:t>
-            </a:r>
-            <a:r>
-              <a:rPr lang="en-US" dirty="0" err="1" smtClean="0"/>
-              <a:t>Sencha</a:t>
+              <a:t>Order.cfm</a:t>
+            </a:r>
+            <a:r>
+              <a:rPr lang="en-US" dirty="0" smtClean="0"/>
+              <a:t> </a:t>
+            </a:r>
+            <a:r>
+              <a:rPr lang="en-US" dirty="0" smtClean="0"/>
+              <a:t>on Server</a:t>
             </a:r>
             <a:endParaRPr lang="en-US" dirty="0"/>
-          </a:p>
-        </p:txBody>
-      </p:sp>
-      <p:sp>
-        <p:nvSpPr>
-          <p:cNvPr id="3" name="Content Placeholder 2"/>
-          <p:cNvSpPr>
-            <a:spLocks noGrp="1"/>
-          </p:cNvSpPr>
-          <p:nvPr>
-            <p:ph idx="1"/>
-          </p:nvPr>
-        </p:nvSpPr>
-        <p:spPr/>
-        <p:txBody>
-          <a:bodyPr>
-            <a:normAutofit/>
-          </a:bodyPr>
-          <a:lstStyle/>
-          <a:p>
-            <a:r>
-              <a:rPr lang="en-US" sz="1800" dirty="0" err="1" smtClean="0">
-                <a:latin typeface="Courier"/>
-                <a:cs typeface="Courier"/>
-              </a:rPr>
-              <a:t>var</a:t>
-            </a:r>
-            <a:r>
-              <a:rPr lang="en-US" sz="1800" dirty="0" smtClean="0">
-                <a:latin typeface="Courier"/>
-                <a:cs typeface="Courier"/>
-              </a:rPr>
-              <a:t> </a:t>
-            </a:r>
-            <a:r>
-              <a:rPr lang="en-US" sz="1800" dirty="0" err="1" smtClean="0">
-                <a:latin typeface="Courier"/>
-                <a:cs typeface="Courier"/>
-              </a:rPr>
-              <a:t>makeAjaxRequest</a:t>
-            </a:r>
-            <a:r>
-              <a:rPr lang="en-US" sz="1800" dirty="0" smtClean="0">
-                <a:latin typeface="Courier"/>
-                <a:cs typeface="Courier"/>
-              </a:rPr>
-              <a:t> </a:t>
-            </a:r>
-            <a:r>
-              <a:rPr lang="en-US" sz="1800" dirty="0">
-                <a:latin typeface="Courier"/>
-                <a:cs typeface="Courier"/>
-              </a:rPr>
-              <a:t>= function() {</a:t>
-            </a:r>
-          </a:p>
-          <a:p>
-            <a:r>
-              <a:rPr lang="en-US" sz="1800" dirty="0">
-                <a:latin typeface="Courier"/>
-                <a:cs typeface="Courier"/>
-              </a:rPr>
-              <a:t>	</a:t>
-            </a:r>
-            <a:r>
-              <a:rPr lang="en-US" sz="1800" dirty="0" err="1" smtClean="0">
-                <a:latin typeface="Courier"/>
-                <a:cs typeface="Courier"/>
-              </a:rPr>
-              <a:t>Ext.getBody</a:t>
-            </a:r>
-            <a:r>
-              <a:rPr lang="en-US" sz="1800" dirty="0">
-                <a:latin typeface="Courier"/>
-                <a:cs typeface="Courier"/>
-              </a:rPr>
-              <a:t>().mask('Loading...', 'x-mask-loading', true);</a:t>
-            </a:r>
-          </a:p>
-          <a:p>
-            <a:r>
-              <a:rPr lang="en-US" sz="1800" dirty="0">
-                <a:latin typeface="Courier"/>
-                <a:cs typeface="Courier"/>
-              </a:rPr>
-              <a:t>	</a:t>
-            </a:r>
-            <a:r>
-              <a:rPr lang="en-US" sz="1800" dirty="0" err="1" smtClean="0">
-                <a:latin typeface="Courier"/>
-                <a:cs typeface="Courier"/>
-              </a:rPr>
-              <a:t>Ext.Ajax.request</a:t>
-            </a:r>
-            <a:r>
-              <a:rPr lang="en-US" sz="1800" dirty="0">
-                <a:latin typeface="Courier"/>
-                <a:cs typeface="Courier"/>
-              </a:rPr>
-              <a:t>({</a:t>
-            </a:r>
-          </a:p>
-          <a:p>
-            <a:r>
-              <a:rPr lang="fr-FR" sz="1800" dirty="0">
-                <a:latin typeface="Courier"/>
-                <a:cs typeface="Courier"/>
-              </a:rPr>
-              <a:t>	</a:t>
-            </a:r>
-            <a:r>
-              <a:rPr lang="fr-FR" sz="1800" dirty="0" smtClean="0">
-                <a:latin typeface="Courier"/>
-                <a:cs typeface="Courier"/>
-              </a:rPr>
-              <a:t>	url</a:t>
-            </a:r>
-            <a:r>
-              <a:rPr lang="fr-FR" sz="1800" dirty="0">
-                <a:latin typeface="Courier"/>
-                <a:cs typeface="Courier"/>
-              </a:rPr>
-              <a:t>: '</a:t>
-            </a:r>
-            <a:r>
-              <a:rPr lang="fr-FR" sz="1800" dirty="0" err="1">
-                <a:latin typeface="Courier"/>
-                <a:cs typeface="Courier"/>
-              </a:rPr>
-              <a:t>Order.cfm</a:t>
-            </a:r>
-            <a:r>
-              <a:rPr lang="fr-FR" sz="1800" dirty="0">
-                <a:latin typeface="Courier"/>
-                <a:cs typeface="Courier"/>
-              </a:rPr>
-              <a:t>',</a:t>
-            </a:r>
-          </a:p>
-          <a:p>
-            <a:r>
-              <a:rPr lang="fr-FR" sz="1800" dirty="0">
-                <a:latin typeface="Courier"/>
-                <a:cs typeface="Courier"/>
-              </a:rPr>
-              <a:t>		</a:t>
-            </a:r>
-            <a:r>
-              <a:rPr lang="fr-FR" sz="1800" dirty="0" err="1" smtClean="0">
-                <a:latin typeface="Courier"/>
-                <a:cs typeface="Courier"/>
-              </a:rPr>
-              <a:t>success</a:t>
-            </a:r>
-            <a:r>
-              <a:rPr lang="fr-FR" sz="1800" dirty="0">
-                <a:latin typeface="Courier"/>
-                <a:cs typeface="Courier"/>
-              </a:rPr>
-              <a:t>: </a:t>
-            </a:r>
-            <a:r>
-              <a:rPr lang="fr-FR" sz="1800" dirty="0" err="1">
-                <a:latin typeface="Courier"/>
-                <a:cs typeface="Courier"/>
-              </a:rPr>
-              <a:t>function</a:t>
-            </a:r>
-            <a:r>
-              <a:rPr lang="fr-FR" sz="1800" dirty="0">
-                <a:latin typeface="Courier"/>
-                <a:cs typeface="Courier"/>
-              </a:rPr>
-              <a:t>(</a:t>
-            </a:r>
-            <a:r>
-              <a:rPr lang="fr-FR" sz="1800" dirty="0" err="1">
-                <a:latin typeface="Courier"/>
-                <a:cs typeface="Courier"/>
-              </a:rPr>
-              <a:t>response</a:t>
-            </a:r>
-            <a:r>
-              <a:rPr lang="fr-FR" sz="1800" dirty="0">
-                <a:latin typeface="Courier"/>
-                <a:cs typeface="Courier"/>
-              </a:rPr>
-              <a:t>, </a:t>
-            </a:r>
-            <a:r>
-              <a:rPr lang="fr-FR" sz="1800" dirty="0" err="1">
-                <a:latin typeface="Courier"/>
-                <a:cs typeface="Courier"/>
-              </a:rPr>
-              <a:t>opts</a:t>
-            </a:r>
-            <a:r>
-              <a:rPr lang="fr-FR" sz="1800" dirty="0">
-                <a:latin typeface="Courier"/>
-                <a:cs typeface="Courier"/>
-              </a:rPr>
-              <a:t>) {</a:t>
-            </a:r>
-          </a:p>
-          <a:p>
-            <a:r>
-              <a:rPr lang="fr-FR" sz="1800" dirty="0" smtClean="0">
-                <a:latin typeface="Courier"/>
-                <a:cs typeface="Courier"/>
-              </a:rPr>
-              <a:t>	</a:t>
-            </a:r>
-            <a:r>
-              <a:rPr lang="fr-FR" sz="1800" dirty="0">
-                <a:latin typeface="Courier"/>
-                <a:cs typeface="Courier"/>
-              </a:rPr>
-              <a:t>		</a:t>
-            </a:r>
-            <a:r>
-              <a:rPr lang="fr-FR" sz="1800" dirty="0" smtClean="0">
-                <a:latin typeface="Courier"/>
-                <a:cs typeface="Courier"/>
-              </a:rPr>
-              <a:t>/</a:t>
-            </a:r>
-            <a:r>
-              <a:rPr lang="fr-FR" sz="1800" dirty="0">
-                <a:latin typeface="Courier"/>
-                <a:cs typeface="Courier"/>
-              </a:rPr>
-              <a:t>/ </a:t>
-            </a:r>
-            <a:r>
-              <a:rPr lang="fr-FR" sz="1800" dirty="0" err="1">
-                <a:latin typeface="Courier"/>
-                <a:cs typeface="Courier"/>
-              </a:rPr>
-              <a:t>redirect</a:t>
-            </a:r>
-            <a:r>
-              <a:rPr lang="fr-FR" sz="1800" dirty="0">
-                <a:latin typeface="Courier"/>
-                <a:cs typeface="Courier"/>
-              </a:rPr>
-              <a:t> to </a:t>
-            </a:r>
-            <a:r>
-              <a:rPr lang="fr-FR" sz="1800" dirty="0" err="1">
-                <a:latin typeface="Courier"/>
-                <a:cs typeface="Courier"/>
-              </a:rPr>
-              <a:t>PayPal</a:t>
-            </a:r>
-            <a:r>
-              <a:rPr lang="fr-FR" sz="1800" dirty="0">
-                <a:latin typeface="Courier"/>
-                <a:cs typeface="Courier"/>
-              </a:rPr>
-              <a:t> </a:t>
-            </a:r>
-            <a:r>
-              <a:rPr lang="fr-FR" sz="1800" dirty="0" err="1">
-                <a:latin typeface="Courier"/>
-                <a:cs typeface="Courier"/>
-              </a:rPr>
-              <a:t>with</a:t>
-            </a:r>
-            <a:r>
-              <a:rPr lang="fr-FR" sz="1800" dirty="0">
-                <a:latin typeface="Courier"/>
-                <a:cs typeface="Courier"/>
-              </a:rPr>
-              <a:t> </a:t>
-            </a:r>
-            <a:r>
-              <a:rPr lang="fr-FR" sz="1800" dirty="0" err="1">
-                <a:latin typeface="Courier"/>
-                <a:cs typeface="Courier"/>
-              </a:rPr>
-              <a:t>Token</a:t>
-            </a:r>
-            <a:endParaRPr lang="fr-FR" sz="1800" dirty="0">
-              <a:latin typeface="Courier"/>
-              <a:cs typeface="Courier"/>
-            </a:endParaRPr>
-          </a:p>
-          <a:p>
-            <a:r>
-              <a:rPr lang="fr-FR" sz="1800" dirty="0" smtClean="0">
-                <a:latin typeface="Courier"/>
-                <a:cs typeface="Courier"/>
-              </a:rPr>
-              <a:t>	</a:t>
-            </a:r>
-            <a:r>
-              <a:rPr lang="fr-FR" sz="1800" dirty="0">
-                <a:latin typeface="Courier"/>
-                <a:cs typeface="Courier"/>
-              </a:rPr>
-              <a:t>		</a:t>
-            </a:r>
-            <a:r>
-              <a:rPr lang="fr-FR" sz="1800" dirty="0" err="1" smtClean="0">
-                <a:latin typeface="Courier"/>
-                <a:cs typeface="Courier"/>
-              </a:rPr>
-              <a:t>window.location.href</a:t>
-            </a:r>
-            <a:r>
-              <a:rPr lang="fr-FR" sz="1800" dirty="0" smtClean="0">
-                <a:latin typeface="Courier"/>
-                <a:cs typeface="Courier"/>
-              </a:rPr>
-              <a:t> </a:t>
-            </a:r>
-            <a:r>
-              <a:rPr lang="fr-FR" sz="1800" dirty="0">
-                <a:latin typeface="Courier"/>
-                <a:cs typeface="Courier"/>
-              </a:rPr>
-              <a:t>= </a:t>
-            </a:r>
-            <a:r>
-              <a:rPr lang="fr-FR" sz="1800" dirty="0" err="1">
-                <a:latin typeface="Courier"/>
-                <a:cs typeface="Courier"/>
-              </a:rPr>
-              <a:t>response.responseText</a:t>
-            </a:r>
-            <a:r>
-              <a:rPr lang="fr-FR" sz="1800" dirty="0">
-                <a:latin typeface="Courier"/>
-                <a:cs typeface="Courier"/>
-              </a:rPr>
-              <a:t>;</a:t>
-            </a:r>
-          </a:p>
-          <a:p>
-            <a:r>
-              <a:rPr lang="fr-FR" sz="1800" dirty="0">
-                <a:latin typeface="Courier"/>
-                <a:cs typeface="Courier"/>
-              </a:rPr>
-              <a:t>		</a:t>
-            </a:r>
-            <a:r>
-              <a:rPr lang="fr-FR" sz="1800" dirty="0" smtClean="0">
-                <a:latin typeface="Courier"/>
-                <a:cs typeface="Courier"/>
-              </a:rPr>
-              <a:t>}</a:t>
-            </a:r>
-            <a:endParaRPr lang="fr-FR" sz="1800" dirty="0">
-              <a:latin typeface="Courier"/>
-              <a:cs typeface="Courier"/>
-            </a:endParaRPr>
-          </a:p>
-          <a:p>
-            <a:r>
-              <a:rPr lang="fr-FR" sz="1800" dirty="0">
-                <a:latin typeface="Courier"/>
-                <a:cs typeface="Courier"/>
-              </a:rPr>
-              <a:t>	</a:t>
-            </a:r>
-            <a:r>
-              <a:rPr lang="fr-FR" sz="1800" dirty="0" smtClean="0">
-                <a:latin typeface="Courier"/>
-                <a:cs typeface="Courier"/>
-              </a:rPr>
-              <a:t>}</a:t>
-            </a:r>
-            <a:r>
-              <a:rPr lang="fr-FR" sz="1800" dirty="0">
-                <a:latin typeface="Courier"/>
-                <a:cs typeface="Courier"/>
-              </a:rPr>
-              <a:t>);</a:t>
-            </a:r>
-          </a:p>
-          <a:p>
-            <a:r>
-              <a:rPr lang="fr-FR" sz="1800" dirty="0" smtClean="0">
-                <a:latin typeface="Courier"/>
-                <a:cs typeface="Courier"/>
-              </a:rPr>
-              <a:t>}</a:t>
-            </a:r>
-            <a:r>
-              <a:rPr lang="fr-FR" sz="1800" dirty="0">
-                <a:latin typeface="Courier"/>
-                <a:cs typeface="Courier"/>
-              </a:rPr>
-              <a:t>;</a:t>
-            </a:r>
-            <a:endParaRPr lang="en-US" sz="1800" dirty="0">
-              <a:latin typeface="Courier"/>
-              <a:cs typeface="Courier"/>
-            </a:endParaRPr>
-          </a:p>
-          <a:p>
-            <a:pPr lvl="1">
-              <a:buFont typeface="Arial" pitchFamily="34" charset="0"/>
-              <a:buChar char="•"/>
-            </a:pPr>
-            <a:endParaRPr lang="en-US" dirty="0" smtClean="0">
-              <a:latin typeface="Courier"/>
-              <a:cs typeface="Courier"/>
-            </a:endParaRPr>
           </a:p>
         </p:txBody>
       </p:sp>
@@ -21072,9 +20653,9 @@
           <a:bodyPr/>
           <a:lstStyle/>
           <a:p>
-            <a:fld id="{3D086FE5-AB69-7143-9DB8-A7A7CCD246B3}" type="datetime1">
+            <a:fld id="{FE0B9DFF-577E-9C45-BBBA-9E92D1A5A024}" type="datetime1">
               <a:rPr lang="en-US" smtClean="0"/>
-              <a:t>3/30/11</a:t>
+              <a:t>3/31/11</a:t>
             </a:fld>
             <a:endParaRPr lang="en-US"/>
           </a:p>
@@ -21127,10 +20708,144 @@
           </a:p>
         </p:txBody>
       </p:sp>
+      <p:sp>
+        <p:nvSpPr>
+          <p:cNvPr id="10" name="Content Placeholder 2"/>
+          <p:cNvSpPr>
+            <a:spLocks noGrp="1"/>
+          </p:cNvSpPr>
+          <p:nvPr>
+            <p:ph idx="1"/>
+          </p:nvPr>
+        </p:nvSpPr>
+        <p:spPr>
+          <a:xfrm>
+            <a:off x="152400" y="1485900"/>
+            <a:ext cx="8877300" cy="4525963"/>
+          </a:xfrm>
+        </p:spPr>
+        <p:txBody>
+          <a:bodyPr/>
+          <a:lstStyle/>
+          <a:p>
+            <a:r>
+              <a:rPr lang="en-US" dirty="0" smtClean="0"/>
+              <a:t>Add API Credentials</a:t>
+            </a:r>
+            <a:endParaRPr lang="en-US" dirty="0"/>
+          </a:p>
+          <a:p>
+            <a:pPr lvl="1">
+              <a:buFont typeface="Arial" pitchFamily="34" charset="0"/>
+              <a:buChar char="•"/>
+            </a:pPr>
+            <a:r>
+              <a:rPr lang="en-US" dirty="0" smtClean="0"/>
+              <a:t>API username</a:t>
+            </a:r>
+          </a:p>
+          <a:p>
+            <a:pPr lvl="1">
+              <a:buFont typeface="Arial" pitchFamily="34" charset="0"/>
+              <a:buChar char="•"/>
+            </a:pPr>
+            <a:r>
+              <a:rPr lang="en-US" dirty="0" smtClean="0"/>
+              <a:t>API password</a:t>
+            </a:r>
+          </a:p>
+          <a:p>
+            <a:pPr lvl="1">
+              <a:buFont typeface="Arial" pitchFamily="34" charset="0"/>
+              <a:buChar char="•"/>
+            </a:pPr>
+            <a:r>
+              <a:rPr lang="en-US" dirty="0" smtClean="0"/>
+              <a:t>Signature</a:t>
+            </a:r>
+            <a:endParaRPr lang="en-US" dirty="0"/>
+          </a:p>
+          <a:p>
+            <a:pPr lvl="1">
+              <a:buFont typeface="Arial" pitchFamily="34" charset="0"/>
+              <a:buChar char="•"/>
+            </a:pPr>
+            <a:endParaRPr lang="en-US" b="1" dirty="0" smtClean="0"/>
+          </a:p>
+          <a:p>
+            <a:pPr marL="3175" lvl="1" indent="0">
+              <a:buNone/>
+            </a:pPr>
+            <a:r>
+              <a:rPr lang="en-US" b="1" dirty="0" smtClean="0"/>
+              <a:t>Set Method, </a:t>
+            </a:r>
+            <a:r>
+              <a:rPr lang="en-US" b="1" dirty="0" err="1" smtClean="0"/>
+              <a:t>PaymentAction</a:t>
+            </a:r>
+            <a:r>
+              <a:rPr lang="en-US" b="1" dirty="0" smtClean="0"/>
+              <a:t>, &amp; Version</a:t>
+            </a:r>
+          </a:p>
+          <a:p>
+            <a:pPr marL="3175" lvl="1" indent="0">
+              <a:buNone/>
+            </a:pPr>
+            <a:endParaRPr lang="en-US" b="1" dirty="0"/>
+          </a:p>
+          <a:p>
+            <a:pPr marL="3175" lvl="1" indent="0">
+              <a:buNone/>
+            </a:pPr>
+            <a:r>
+              <a:rPr lang="en-US" b="1" dirty="0" smtClean="0"/>
+              <a:t>Change the redirect to just return the URL</a:t>
+            </a:r>
+          </a:p>
+          <a:p>
+            <a:pPr marL="3175" lvl="1" indent="0">
+              <a:buNone/>
+            </a:pPr>
+            <a:endParaRPr lang="en-US" b="1" dirty="0"/>
+          </a:p>
+          <a:p>
+            <a:pPr marL="3175" lvl="1" indent="0">
+              <a:buNone/>
+            </a:pPr>
+            <a:r>
+              <a:rPr lang="en-US" b="1" dirty="0" smtClean="0"/>
+              <a:t>Let’s review the code</a:t>
+            </a:r>
+            <a:endParaRPr lang="en-US" b="1" dirty="0"/>
+          </a:p>
+          <a:p>
+            <a:pPr marL="3175" lvl="1" indent="0">
+              <a:buNone/>
+            </a:pPr>
+            <a:endParaRPr lang="en-US" dirty="0"/>
+          </a:p>
+          <a:p>
+            <a:pPr lvl="1">
+              <a:buFont typeface="Arial" pitchFamily="34" charset="0"/>
+              <a:buChar char="•"/>
+            </a:pPr>
+            <a:endParaRPr lang="en-US" dirty="0" smtClean="0"/>
+          </a:p>
+          <a:p>
+            <a:pPr lvl="1">
+              <a:buFont typeface="Arial" pitchFamily="34" charset="0"/>
+              <a:buChar char="•"/>
+            </a:pPr>
+            <a:endParaRPr lang="en-US" dirty="0" smtClean="0"/>
+          </a:p>
+        </p:txBody>
+      </p:sp>
     </p:spTree>
     <p:extLst>
       <p:ext uri="{BB962C8B-B14F-4D97-AF65-F5344CB8AC3E}">
-        <p14:creationId xmlns:p14="http://schemas.microsoft.com/office/powerpoint/2010/main" val="3060600757"/>
+        <p14:creationId xmlns:p14="http://schemas.microsoft.com/office/powerpoint/2010/main" val="3156770728"/>
       </p:ext>
     </p:extLst>
   </p:cSld>
@@ -21169,6 +20884,942 @@
       </p:grpSpPr>
       <p:sp>
         <p:nvSpPr>
+          <p:cNvPr id="2" name="Title 1"/>
+          <p:cNvSpPr>
+            <a:spLocks noGrp="1"/>
+          </p:cNvSpPr>
+          <p:nvPr>
+            <p:ph type="title"/>
+          </p:nvPr>
+        </p:nvSpPr>
+        <p:spPr/>
+        <p:txBody>
+          <a:bodyPr/>
+          <a:lstStyle/>
+          <a:p>
+            <a:r>
+              <a:rPr lang="en-US" dirty="0" smtClean="0"/>
+              <a:t> Client/Server Workflow</a:t>
+            </a:r>
+            <a:endParaRPr lang="en-US" dirty="0"/>
+          </a:p>
+        </p:txBody>
+      </p:sp>
+      <p:sp>
+        <p:nvSpPr>
+          <p:cNvPr id="4" name="Date Placeholder 3"/>
+          <p:cNvSpPr>
+            <a:spLocks noGrp="1"/>
+          </p:cNvSpPr>
+          <p:nvPr>
+            <p:ph type="dt" sz="half" idx="10"/>
+          </p:nvPr>
+        </p:nvSpPr>
+        <p:spPr/>
+        <p:txBody>
+          <a:bodyPr/>
+          <a:lstStyle/>
+          <a:p>
+            <a:fld id="{0EA39F5F-9AD6-954F-88DD-849B40202F71}" type="datetime1">
+              <a:rPr lang="en-US" smtClean="0"/>
+              <a:t>3/31/11</a:t>
+            </a:fld>
+            <a:endParaRPr lang="en-US"/>
+          </a:p>
+        </p:txBody>
+      </p:sp>
+      <p:sp>
+        <p:nvSpPr>
+          <p:cNvPr id="5" name="Footer Placeholder 4"/>
+          <p:cNvSpPr>
+            <a:spLocks noGrp="1"/>
+          </p:cNvSpPr>
+          <p:nvPr>
+            <p:ph type="ftr" sz="quarter" idx="11"/>
+          </p:nvPr>
+        </p:nvSpPr>
+        <p:spPr/>
+        <p:txBody>
+          <a:bodyPr/>
+          <a:lstStyle/>
+          <a:p>
+            <a:r>
+              <a:rPr lang="en-US" dirty="0" err="1" smtClean="0"/>
+              <a:t>Sencha</a:t>
+            </a:r>
+            <a:r>
+              <a:rPr lang="en-US" dirty="0" smtClean="0"/>
+              <a:t> Touch BYOL Workshop</a:t>
+            </a:r>
+            <a:endParaRPr lang="en-US" dirty="0"/>
+          </a:p>
+        </p:txBody>
+      </p:sp>
+      <p:sp>
+        <p:nvSpPr>
+          <p:cNvPr id="6" name="Slide Number Placeholder 5"/>
+          <p:cNvSpPr>
+            <a:spLocks noGrp="1"/>
+          </p:cNvSpPr>
+          <p:nvPr>
+            <p:ph type="sldNum" sz="quarter" idx="12"/>
+          </p:nvPr>
+        </p:nvSpPr>
+        <p:spPr/>
+        <p:txBody>
+          <a:bodyPr/>
+          <a:lstStyle/>
+          <a:p>
+            <a:fld id="{F5C38DA7-C5E7-4EC6-A4E8-D73C0420CA09}" type="slidenum">
+              <a:rPr lang="en-US" smtClean="0"/>
+              <a:pPr/>
+              <a:t>11</a:t>
+            </a:fld>
+            <a:endParaRPr lang="en-US"/>
+          </a:p>
+        </p:txBody>
+      </p:sp>
+      <p:pic>
+        <p:nvPicPr>
+          <p:cNvPr id="7" name="Picture 6" descr="server-icon.png"/>
+          <p:cNvPicPr>
+            <a:picLocks noChangeAspect="1"/>
+          </p:cNvPicPr>
+          <p:nvPr/>
+        </p:nvPicPr>
+        <p:blipFill>
+          <a:blip r:embed="rId2">
+            <a:extLst>
+              <a:ext uri="{28A0092B-C50C-407E-A947-70E740481C1C}">
+                <a14:useLocalDpi xmlns:a14="http://schemas.microsoft.com/office/drawing/2010/main" val="0"/>
+              </a:ext>
+            </a:extLst>
+          </a:blip>
+          <a:stretch>
+            <a:fillRect/>
+          </a:stretch>
+        </p:blipFill>
+        <p:spPr>
+          <a:xfrm>
+            <a:off x="3551707" y="1893674"/>
+            <a:ext cx="798946" cy="798946"/>
+          </a:xfrm>
+          <a:prstGeom prst="rect">
+            <a:avLst/>
+          </a:prstGeom>
+        </p:spPr>
+      </p:pic>
+      <p:sp>
+        <p:nvSpPr>
+          <p:cNvPr id="13" name="TextBox 12"/>
+          <p:cNvSpPr txBox="1"/>
+          <p:nvPr/>
+        </p:nvSpPr>
+        <p:spPr>
+          <a:xfrm>
+            <a:off x="4746481" y="1580753"/>
+            <a:ext cx="2074655" cy="338554"/>
+          </a:xfrm>
+          <a:prstGeom prst="rect">
+            <a:avLst/>
+          </a:prstGeom>
+          <a:noFill/>
+        </p:spPr>
+        <p:txBody>
+          <a:bodyPr wrap="square" rtlCol="0">
+            <a:spAutoFit/>
+          </a:bodyPr>
+          <a:lstStyle/>
+          <a:p>
+            <a:pPr algn="ctr"/>
+            <a:r>
+              <a:rPr lang="en-US" sz="1600" b="1" dirty="0" err="1" smtClean="0"/>
+              <a:t>Checkout</a:t>
+            </a:r>
+            <a:r>
+              <a:rPr lang="en-US" sz="1600" b="1" dirty="0" err="1" smtClean="0"/>
+              <a:t>.cfm</a:t>
+            </a:r>
+            <a:endParaRPr lang="en-US" sz="1600" b="1" dirty="0"/>
+          </a:p>
+        </p:txBody>
+      </p:sp>
+      <p:sp>
+        <p:nvSpPr>
+          <p:cNvPr id="14" name="TextBox 13"/>
+          <p:cNvSpPr txBox="1"/>
+          <p:nvPr/>
+        </p:nvSpPr>
+        <p:spPr>
+          <a:xfrm>
+            <a:off x="394855" y="1110674"/>
+            <a:ext cx="1106054" cy="369332"/>
+          </a:xfrm>
+          <a:prstGeom prst="rect">
+            <a:avLst/>
+          </a:prstGeom>
+          <a:noFill/>
+        </p:spPr>
+        <p:txBody>
+          <a:bodyPr wrap="square" rtlCol="0">
+            <a:spAutoFit/>
+          </a:bodyPr>
+          <a:lstStyle/>
+          <a:p>
+            <a:pPr algn="ctr"/>
+            <a:r>
+              <a:rPr lang="en-US" b="1" dirty="0" smtClean="0"/>
+              <a:t>User</a:t>
+            </a:r>
+            <a:endParaRPr lang="en-US" b="1" dirty="0"/>
+          </a:p>
+        </p:txBody>
+      </p:sp>
+      <p:sp>
+        <p:nvSpPr>
+          <p:cNvPr id="15" name="TextBox 14"/>
+          <p:cNvSpPr txBox="1"/>
+          <p:nvPr/>
+        </p:nvSpPr>
+        <p:spPr>
+          <a:xfrm>
+            <a:off x="2994890" y="1133766"/>
+            <a:ext cx="1923473" cy="378690"/>
+          </a:xfrm>
+          <a:prstGeom prst="rect">
+            <a:avLst/>
+          </a:prstGeom>
+          <a:noFill/>
+        </p:spPr>
+        <p:txBody>
+          <a:bodyPr wrap="square" rtlCol="0">
+            <a:spAutoFit/>
+          </a:bodyPr>
+          <a:lstStyle/>
+          <a:p>
+            <a:pPr algn="ctr"/>
+            <a:r>
+              <a:rPr lang="en-US" b="1" dirty="0" smtClean="0"/>
+              <a:t>Your Server</a:t>
+            </a:r>
+            <a:endParaRPr lang="en-US" b="1" dirty="0"/>
+          </a:p>
+        </p:txBody>
+      </p:sp>
+      <p:pic>
+        <p:nvPicPr>
+          <p:cNvPr id="16" name="Picture 15" descr="server-icon.png"/>
+          <p:cNvPicPr>
+            <a:picLocks noChangeAspect="1"/>
+          </p:cNvPicPr>
+          <p:nvPr/>
+        </p:nvPicPr>
+        <p:blipFill>
+          <a:blip r:embed="rId2">
+            <a:extLst>
+              <a:ext uri="{28A0092B-C50C-407E-A947-70E740481C1C}">
+                <a14:useLocalDpi xmlns:a14="http://schemas.microsoft.com/office/drawing/2010/main" val="0"/>
+              </a:ext>
+            </a:extLst>
+          </a:blip>
+          <a:stretch>
+            <a:fillRect/>
+          </a:stretch>
+        </p:blipFill>
+        <p:spPr>
+          <a:xfrm>
+            <a:off x="7052289" y="1893674"/>
+            <a:ext cx="798946" cy="798946"/>
+          </a:xfrm>
+          <a:prstGeom prst="rect">
+            <a:avLst/>
+          </a:prstGeom>
+        </p:spPr>
+      </p:pic>
+      <p:sp>
+        <p:nvSpPr>
+          <p:cNvPr id="17" name="TextBox 16"/>
+          <p:cNvSpPr txBox="1"/>
+          <p:nvPr/>
+        </p:nvSpPr>
+        <p:spPr>
+          <a:xfrm>
+            <a:off x="6419273" y="1112983"/>
+            <a:ext cx="2032001" cy="369332"/>
+          </a:xfrm>
+          <a:prstGeom prst="rect">
+            <a:avLst/>
+          </a:prstGeom>
+          <a:noFill/>
+        </p:spPr>
+        <p:txBody>
+          <a:bodyPr wrap="square" rtlCol="0">
+            <a:spAutoFit/>
+          </a:bodyPr>
+          <a:lstStyle/>
+          <a:p>
+            <a:pPr algn="ctr"/>
+            <a:r>
+              <a:rPr lang="en-US" b="1" dirty="0" smtClean="0"/>
+              <a:t>PayPal Server</a:t>
+            </a:r>
+            <a:endParaRPr lang="en-US" b="1" dirty="0"/>
+          </a:p>
+        </p:txBody>
+      </p:sp>
+      <p:sp>
+        <p:nvSpPr>
+          <p:cNvPr id="18" name="Right Arrow 17"/>
+          <p:cNvSpPr/>
+          <p:nvPr/>
+        </p:nvSpPr>
+        <p:spPr>
+          <a:xfrm flipH="1">
+            <a:off x="4941779" y="2236572"/>
+            <a:ext cx="1762216" cy="206663"/>
+          </a:xfrm>
+          <a:prstGeom prst="rightArrow">
+            <a:avLst/>
+          </a:prstGeom>
+        </p:spPr>
+        <p:style>
+          <a:lnRef idx="1">
+            <a:schemeClr val="accent1"/>
+          </a:lnRef>
+          <a:fillRef idx="3">
+            <a:schemeClr val="accent1"/>
+          </a:fillRef>
+          <a:effectRef idx="2">
+            <a:schemeClr val="accent1"/>
+          </a:effectRef>
+          <a:fontRef idx="minor">
+            <a:schemeClr val="lt1"/>
+          </a:fontRef>
+        </p:style>
+        <p:txBody>
+          <a:bodyPr rtlCol="0" anchor="ctr"/>
+          <a:lstStyle/>
+          <a:p>
+            <a:pPr algn="ctr"/>
+            <a:endParaRPr lang="en-US"/>
+          </a:p>
+        </p:txBody>
+      </p:sp>
+      <p:sp>
+        <p:nvSpPr>
+          <p:cNvPr id="19" name="TextBox 18"/>
+          <p:cNvSpPr txBox="1"/>
+          <p:nvPr/>
+        </p:nvSpPr>
+        <p:spPr>
+          <a:xfrm>
+            <a:off x="4329870" y="1902909"/>
+            <a:ext cx="2988553" cy="338554"/>
+          </a:xfrm>
+          <a:prstGeom prst="rect">
+            <a:avLst/>
+          </a:prstGeom>
+          <a:noFill/>
+        </p:spPr>
+        <p:txBody>
+          <a:bodyPr wrap="square" rtlCol="0">
+            <a:spAutoFit/>
+          </a:bodyPr>
+          <a:lstStyle/>
+          <a:p>
+            <a:pPr algn="ctr"/>
+            <a:r>
+              <a:rPr lang="en-US" sz="1600" b="1" dirty="0" smtClean="0"/>
+              <a:t>Token &amp; </a:t>
+            </a:r>
+            <a:r>
+              <a:rPr lang="en-US" sz="1600" b="1" dirty="0" err="1" smtClean="0"/>
+              <a:t>PayerId</a:t>
+            </a:r>
+            <a:endParaRPr lang="en-US" sz="1600" b="1" dirty="0"/>
+          </a:p>
+        </p:txBody>
+      </p:sp>
+      <p:pic>
+        <p:nvPicPr>
+          <p:cNvPr id="21" name="Picture 20" descr="server-icon.png"/>
+          <p:cNvPicPr>
+            <a:picLocks noChangeAspect="1"/>
+          </p:cNvPicPr>
+          <p:nvPr/>
+        </p:nvPicPr>
+        <p:blipFill>
+          <a:blip r:embed="rId2">
+            <a:extLst>
+              <a:ext uri="{28A0092B-C50C-407E-A947-70E740481C1C}">
+                <a14:useLocalDpi xmlns:a14="http://schemas.microsoft.com/office/drawing/2010/main" val="0"/>
+              </a:ext>
+            </a:extLst>
+          </a:blip>
+          <a:stretch>
+            <a:fillRect/>
+          </a:stretch>
+        </p:blipFill>
+        <p:spPr>
+          <a:xfrm>
+            <a:off x="3553692" y="3124202"/>
+            <a:ext cx="798946" cy="798946"/>
+          </a:xfrm>
+          <a:prstGeom prst="rect">
+            <a:avLst/>
+          </a:prstGeom>
+        </p:spPr>
+      </p:pic>
+      <p:pic>
+        <p:nvPicPr>
+          <p:cNvPr id="23" name="Picture 22" descr="server-icon.png"/>
+          <p:cNvPicPr>
+            <a:picLocks noChangeAspect="1"/>
+          </p:cNvPicPr>
+          <p:nvPr/>
+        </p:nvPicPr>
+        <p:blipFill>
+          <a:blip r:embed="rId2">
+            <a:extLst>
+              <a:ext uri="{28A0092B-C50C-407E-A947-70E740481C1C}">
+                <a14:useLocalDpi xmlns:a14="http://schemas.microsoft.com/office/drawing/2010/main" val="0"/>
+              </a:ext>
+            </a:extLst>
+          </a:blip>
+          <a:stretch>
+            <a:fillRect/>
+          </a:stretch>
+        </p:blipFill>
+        <p:spPr>
+          <a:xfrm>
+            <a:off x="7054274" y="3124202"/>
+            <a:ext cx="798946" cy="798946"/>
+          </a:xfrm>
+          <a:prstGeom prst="rect">
+            <a:avLst/>
+          </a:prstGeom>
+        </p:spPr>
+      </p:pic>
+      <p:sp>
+        <p:nvSpPr>
+          <p:cNvPr id="24" name="Right Arrow 23"/>
+          <p:cNvSpPr/>
+          <p:nvPr/>
+        </p:nvSpPr>
+        <p:spPr>
+          <a:xfrm>
+            <a:off x="4932219" y="3394364"/>
+            <a:ext cx="1762216" cy="221673"/>
+          </a:xfrm>
+          <a:prstGeom prst="rightArrow">
+            <a:avLst/>
+          </a:prstGeom>
+        </p:spPr>
+        <p:style>
+          <a:lnRef idx="1">
+            <a:schemeClr val="accent1"/>
+          </a:lnRef>
+          <a:fillRef idx="3">
+            <a:schemeClr val="accent1"/>
+          </a:fillRef>
+          <a:effectRef idx="2">
+            <a:schemeClr val="accent1"/>
+          </a:effectRef>
+          <a:fontRef idx="minor">
+            <a:schemeClr val="lt1"/>
+          </a:fontRef>
+        </p:style>
+        <p:txBody>
+          <a:bodyPr rtlCol="0" anchor="ctr"/>
+          <a:lstStyle/>
+          <a:p>
+            <a:pPr algn="ctr"/>
+            <a:endParaRPr lang="en-US"/>
+          </a:p>
+        </p:txBody>
+      </p:sp>
+      <p:sp>
+        <p:nvSpPr>
+          <p:cNvPr id="26" name="TextBox 25"/>
+          <p:cNvSpPr txBox="1"/>
+          <p:nvPr/>
+        </p:nvSpPr>
+        <p:spPr>
+          <a:xfrm>
+            <a:off x="4178518" y="2841230"/>
+            <a:ext cx="3109377" cy="307777"/>
+          </a:xfrm>
+          <a:prstGeom prst="rect">
+            <a:avLst/>
+          </a:prstGeom>
+          <a:noFill/>
+        </p:spPr>
+        <p:txBody>
+          <a:bodyPr wrap="square" rtlCol="0">
+            <a:spAutoFit/>
+          </a:bodyPr>
+          <a:lstStyle/>
+          <a:p>
+            <a:pPr algn="ctr"/>
+            <a:r>
+              <a:rPr lang="en-US" sz="1400" b="1" dirty="0" err="1" smtClean="0"/>
+              <a:t>DoExpressCheckoutPayment</a:t>
+            </a:r>
+            <a:endParaRPr lang="en-US" sz="1400" b="1" dirty="0"/>
+          </a:p>
+        </p:txBody>
+      </p:sp>
+      <p:pic>
+        <p:nvPicPr>
+          <p:cNvPr id="28" name="Picture 27" descr="iPhone-front-black-icon.png"/>
+          <p:cNvPicPr>
+            <a:picLocks noChangeAspect="1"/>
+          </p:cNvPicPr>
+          <p:nvPr/>
+        </p:nvPicPr>
+        <p:blipFill>
+          <a:blip r:embed="rId3">
+            <a:extLst>
+              <a:ext uri="{28A0092B-C50C-407E-A947-70E740481C1C}">
+                <a14:useLocalDpi xmlns:a14="http://schemas.microsoft.com/office/drawing/2010/main" val="0"/>
+              </a:ext>
+            </a:extLst>
+          </a:blip>
+          <a:stretch>
+            <a:fillRect/>
+          </a:stretch>
+        </p:blipFill>
+        <p:spPr>
+          <a:xfrm>
+            <a:off x="489527" y="4403438"/>
+            <a:ext cx="851988" cy="851988"/>
+          </a:xfrm>
+          <a:prstGeom prst="rect">
+            <a:avLst/>
+          </a:prstGeom>
+        </p:spPr>
+      </p:pic>
+      <p:sp>
+        <p:nvSpPr>
+          <p:cNvPr id="29" name="TextBox 28"/>
+          <p:cNvSpPr txBox="1"/>
+          <p:nvPr/>
+        </p:nvSpPr>
+        <p:spPr>
+          <a:xfrm>
+            <a:off x="2022764" y="4435763"/>
+            <a:ext cx="4177145" cy="338554"/>
+          </a:xfrm>
+          <a:prstGeom prst="rect">
+            <a:avLst/>
+          </a:prstGeom>
+          <a:noFill/>
+        </p:spPr>
+        <p:txBody>
+          <a:bodyPr wrap="square" rtlCol="0">
+            <a:spAutoFit/>
+          </a:bodyPr>
+          <a:lstStyle/>
+          <a:p>
+            <a:pPr algn="ctr"/>
+            <a:r>
+              <a:rPr lang="en-US" sz="1600" b="1" dirty="0" smtClean="0"/>
+              <a:t>Redirected </a:t>
+            </a:r>
+            <a:r>
+              <a:rPr lang="en-US" sz="1600" b="1" dirty="0" smtClean="0"/>
+              <a:t>back to </a:t>
+            </a:r>
+            <a:r>
+              <a:rPr lang="en-US" sz="1600" b="1" dirty="0" err="1" smtClean="0"/>
+              <a:t>Sencha</a:t>
+            </a:r>
+            <a:endParaRPr lang="en-US" sz="1600" b="1" dirty="0"/>
+          </a:p>
+        </p:txBody>
+      </p:sp>
+      <p:pic>
+        <p:nvPicPr>
+          <p:cNvPr id="30" name="Picture 29" descr="server-icon.png"/>
+          <p:cNvPicPr>
+            <a:picLocks noChangeAspect="1"/>
+          </p:cNvPicPr>
+          <p:nvPr/>
+        </p:nvPicPr>
+        <p:blipFill>
+          <a:blip r:embed="rId2">
+            <a:extLst>
+              <a:ext uri="{28A0092B-C50C-407E-A947-70E740481C1C}">
+                <a14:useLocalDpi xmlns:a14="http://schemas.microsoft.com/office/drawing/2010/main" val="0"/>
+              </a:ext>
+            </a:extLst>
+          </a:blip>
+          <a:stretch>
+            <a:fillRect/>
+          </a:stretch>
+        </p:blipFill>
+        <p:spPr>
+          <a:xfrm>
+            <a:off x="7054274" y="4440383"/>
+            <a:ext cx="798946" cy="798946"/>
+          </a:xfrm>
+          <a:prstGeom prst="rect">
+            <a:avLst/>
+          </a:prstGeom>
+        </p:spPr>
+      </p:pic>
+      <p:sp>
+        <p:nvSpPr>
+          <p:cNvPr id="33" name="Right Arrow 32"/>
+          <p:cNvSpPr/>
+          <p:nvPr/>
+        </p:nvSpPr>
+        <p:spPr>
+          <a:xfrm flipH="1">
+            <a:off x="1540164" y="4785591"/>
+            <a:ext cx="5237018" cy="167409"/>
+          </a:xfrm>
+          <a:prstGeom prst="rightArrow">
+            <a:avLst/>
+          </a:prstGeom>
+        </p:spPr>
+        <p:style>
+          <a:lnRef idx="1">
+            <a:schemeClr val="accent1"/>
+          </a:lnRef>
+          <a:fillRef idx="3">
+            <a:schemeClr val="accent1"/>
+          </a:fillRef>
+          <a:effectRef idx="2">
+            <a:schemeClr val="accent1"/>
+          </a:effectRef>
+          <a:fontRef idx="minor">
+            <a:schemeClr val="lt1"/>
+          </a:fontRef>
+        </p:style>
+        <p:txBody>
+          <a:bodyPr rtlCol="0" anchor="ctr"/>
+          <a:lstStyle/>
+          <a:p>
+            <a:pPr algn="ctr"/>
+            <a:endParaRPr lang="en-US"/>
+          </a:p>
+        </p:txBody>
+      </p:sp>
+    </p:spTree>
+    <p:extLst>
+      <p:ext uri="{BB962C8B-B14F-4D97-AF65-F5344CB8AC3E}">
+        <p14:creationId xmlns:p14="http://schemas.microsoft.com/office/powerpoint/2010/main" val="3311928456"/>
+      </p:ext>
+    </p:extLst>
+  </p:cSld>
+  <p:clrMapOvr>
+    <a:masterClrMapping/>
+  </p:clrMapOvr>
+  <p:transition xmlns:p14="http://schemas.microsoft.com/office/powerpoint/2010/main">
+    <p:fade/>
+  </p:transition>
+  <p:timing>
+    <p:tnLst>
+      <p:par>
+        <p:cTn xmlns:p14="http://schemas.microsoft.com/office/powerpoint/2010/main" id="1" dur="indefinite" restart="never" nodeType="tmRoot"/>
+      </p:par>
+    </p:tnLst>
+  </p:timing>
+</p:sld>
+</file>
+
+<file path=ppt/slides/slide12.xml><?xml version="1.0" encoding="utf-8"?>
+<p:sld xmlns:a="http://schemas.openxmlformats.org/drawingml/2006/main" xmlns:r="http://schemas.openxmlformats.org/officeDocument/2006/relationships" xmlns:p="http://schemas.openxmlformats.org/presentationml/2006/main">
+  <p:cSld>
+    <p:spTree>
+      <p:nvGrpSpPr>
+        <p:cNvPr id="1" name=""/>
+        <p:cNvGrpSpPr/>
+        <p:nvPr/>
+      </p:nvGrpSpPr>
+      <p:grpSpPr>
+        <a:xfrm>
+          <a:off x="0" y="0"/>
+          <a:ext cx="0" cy="0"/>
+          <a:chOff x="0" y="0"/>
+          <a:chExt cx="0" cy="0"/>
+        </a:xfrm>
+      </p:grpSpPr>
+      <p:sp>
+        <p:nvSpPr>
+          <p:cNvPr id="2" name="Title 1"/>
+          <p:cNvSpPr>
+            <a:spLocks noGrp="1"/>
+          </p:cNvSpPr>
+          <p:nvPr>
+            <p:ph type="title"/>
+          </p:nvPr>
+        </p:nvSpPr>
+        <p:spPr/>
+        <p:txBody>
+          <a:bodyPr/>
+          <a:lstStyle/>
+          <a:p>
+            <a:r>
+              <a:rPr lang="en-US" dirty="0" err="1" smtClean="0"/>
+              <a:t>Checkout.cfm</a:t>
+            </a:r>
+            <a:r>
+              <a:rPr lang="en-US" dirty="0" smtClean="0"/>
+              <a:t> on Server</a:t>
+            </a:r>
+            <a:endParaRPr lang="en-US" dirty="0"/>
+          </a:p>
+        </p:txBody>
+      </p:sp>
+      <p:sp>
+        <p:nvSpPr>
+          <p:cNvPr id="4" name="Date Placeholder 3"/>
+          <p:cNvSpPr>
+            <a:spLocks noGrp="1"/>
+          </p:cNvSpPr>
+          <p:nvPr>
+            <p:ph type="dt" sz="half" idx="10"/>
+          </p:nvPr>
+        </p:nvSpPr>
+        <p:spPr/>
+        <p:txBody>
+          <a:bodyPr/>
+          <a:lstStyle/>
+          <a:p>
+            <a:fld id="{D6EF8E95-D1D2-F54A-A955-ED5416A540FB}" type="datetime1">
+              <a:rPr lang="en-US" smtClean="0"/>
+              <a:t>3/31/11</a:t>
+            </a:fld>
+            <a:endParaRPr lang="en-US"/>
+          </a:p>
+        </p:txBody>
+      </p:sp>
+      <p:sp>
+        <p:nvSpPr>
+          <p:cNvPr id="5" name="Footer Placeholder 4"/>
+          <p:cNvSpPr>
+            <a:spLocks noGrp="1"/>
+          </p:cNvSpPr>
+          <p:nvPr>
+            <p:ph type="ftr" sz="quarter" idx="11"/>
+          </p:nvPr>
+        </p:nvSpPr>
+        <p:spPr/>
+        <p:txBody>
+          <a:bodyPr/>
+          <a:lstStyle/>
+          <a:p>
+            <a:r>
+              <a:rPr lang="en-US" smtClean="0"/>
+              <a:t>Sencha Touch BYOL Workshop</a:t>
+            </a:r>
+            <a:endParaRPr lang="en-US"/>
+          </a:p>
+        </p:txBody>
+      </p:sp>
+      <p:sp>
+        <p:nvSpPr>
+          <p:cNvPr id="6" name="Slide Number Placeholder 5"/>
+          <p:cNvSpPr>
+            <a:spLocks noGrp="1"/>
+          </p:cNvSpPr>
+          <p:nvPr>
+            <p:ph type="sldNum" sz="quarter" idx="12"/>
+          </p:nvPr>
+        </p:nvSpPr>
+        <p:spPr/>
+        <p:txBody>
+          <a:bodyPr/>
+          <a:lstStyle/>
+          <a:p>
+            <a:fld id="{F5C38DA7-C5E7-4EC6-A4E8-D73C0420CA09}" type="slidenum">
+              <a:rPr lang="en-US" smtClean="0"/>
+              <a:pPr/>
+              <a:t>12</a:t>
+            </a:fld>
+            <a:endParaRPr lang="en-US"/>
+          </a:p>
+        </p:txBody>
+      </p:sp>
+      <p:sp>
+        <p:nvSpPr>
+          <p:cNvPr id="10" name="Content Placeholder 2"/>
+          <p:cNvSpPr>
+            <a:spLocks noGrp="1"/>
+          </p:cNvSpPr>
+          <p:nvPr>
+            <p:ph idx="1"/>
+          </p:nvPr>
+        </p:nvSpPr>
+        <p:spPr>
+          <a:xfrm>
+            <a:off x="152400" y="1485900"/>
+            <a:ext cx="8877300" cy="4525963"/>
+          </a:xfrm>
+        </p:spPr>
+        <p:txBody>
+          <a:bodyPr/>
+          <a:lstStyle/>
+          <a:p>
+            <a:r>
+              <a:rPr lang="en-US" dirty="0" smtClean="0"/>
+              <a:t>Duplicate of </a:t>
+            </a:r>
+            <a:r>
+              <a:rPr lang="en-US" dirty="0" err="1" smtClean="0"/>
+              <a:t>Order.cfm</a:t>
+            </a:r>
+            <a:r>
+              <a:rPr lang="en-US" dirty="0" smtClean="0"/>
+              <a:t> with a few tweaks</a:t>
+            </a:r>
+            <a:endParaRPr lang="en-US" dirty="0"/>
+          </a:p>
+          <a:p>
+            <a:pPr marL="3175" lvl="1" indent="0">
+              <a:buNone/>
+            </a:pPr>
+            <a:endParaRPr lang="en-US" b="1" dirty="0" smtClean="0"/>
+          </a:p>
+          <a:p>
+            <a:pPr marL="3175" lvl="1" indent="0">
+              <a:buNone/>
+            </a:pPr>
+            <a:r>
+              <a:rPr lang="en-US" b="1" dirty="0" smtClean="0"/>
+              <a:t>Set Method, Token and </a:t>
+            </a:r>
+            <a:r>
+              <a:rPr lang="en-US" b="1" dirty="0" err="1" smtClean="0"/>
+              <a:t>PayerId</a:t>
+            </a:r>
+            <a:endParaRPr lang="en-US" b="1" dirty="0" smtClean="0"/>
+          </a:p>
+          <a:p>
+            <a:pPr marL="3175" lvl="1" indent="0">
+              <a:buNone/>
+            </a:pPr>
+            <a:endParaRPr lang="en-US" b="1" dirty="0"/>
+          </a:p>
+          <a:p>
+            <a:pPr marL="3175" lvl="1" indent="0">
+              <a:buNone/>
+            </a:pPr>
+            <a:r>
+              <a:rPr lang="en-US" b="1" dirty="0" smtClean="0"/>
+              <a:t>Set </a:t>
+            </a:r>
+            <a:r>
+              <a:rPr lang="en-US" b="1" dirty="0" err="1" smtClean="0"/>
+              <a:t>returnURLPath</a:t>
+            </a:r>
+            <a:endParaRPr lang="en-US" b="1" dirty="0" smtClean="0"/>
+          </a:p>
+          <a:p>
+            <a:pPr marL="3175" lvl="1" indent="0">
+              <a:buNone/>
+            </a:pPr>
+            <a:endParaRPr lang="en-US" b="1" dirty="0"/>
+          </a:p>
+          <a:p>
+            <a:pPr marL="3175" lvl="1" indent="0">
+              <a:buNone/>
+            </a:pPr>
+            <a:r>
+              <a:rPr lang="en-US" b="1" dirty="0" smtClean="0"/>
+              <a:t>Redirect back to your </a:t>
+            </a:r>
+            <a:r>
+              <a:rPr lang="en-US" b="1" dirty="0" err="1" smtClean="0"/>
+              <a:t>Sencha</a:t>
+            </a:r>
+            <a:r>
+              <a:rPr lang="en-US" b="1" dirty="0" smtClean="0"/>
+              <a:t> App</a:t>
+            </a:r>
+          </a:p>
+          <a:p>
+            <a:pPr marL="3175" lvl="1" indent="0">
+              <a:buNone/>
+            </a:pPr>
+            <a:endParaRPr lang="en-US" b="1" dirty="0"/>
+          </a:p>
+          <a:p>
+            <a:pPr marL="3175" lvl="1" indent="0">
+              <a:buNone/>
+            </a:pPr>
+            <a:r>
+              <a:rPr lang="en-US" b="1" dirty="0" smtClean="0"/>
+              <a:t>Let’s review the code</a:t>
+            </a:r>
+            <a:endParaRPr lang="en-US" b="1" dirty="0"/>
+          </a:p>
+          <a:p>
+            <a:pPr marL="3175" lvl="1" indent="0">
+              <a:buNone/>
+            </a:pPr>
+            <a:endParaRPr lang="en-US" dirty="0"/>
+          </a:p>
+          <a:p>
+            <a:pPr lvl="1">
+              <a:buFont typeface="Arial" pitchFamily="34" charset="0"/>
+              <a:buChar char="•"/>
+            </a:pPr>
+            <a:endParaRPr lang="en-US" dirty="0" smtClean="0"/>
+          </a:p>
+          <a:p>
+            <a:pPr lvl="1">
+              <a:buFont typeface="Arial" pitchFamily="34" charset="0"/>
+              <a:buChar char="•"/>
+            </a:pPr>
+            <a:endParaRPr lang="en-US" dirty="0" smtClean="0"/>
+          </a:p>
+        </p:txBody>
+      </p:sp>
+    </p:spTree>
+    <p:extLst>
+      <p:ext uri="{BB962C8B-B14F-4D97-AF65-F5344CB8AC3E}">
+        <p14:creationId xmlns:p14="http://schemas.microsoft.com/office/powerpoint/2010/main" val="984582625"/>
+      </p:ext>
+    </p:extLst>
+  </p:cSld>
+  <p:clrMapOvr>
+    <a:masterClrMapping/>
+  </p:clrMapOvr>
+  <p:transition xmlns:p14="http://schemas.microsoft.com/office/powerpoint/2010/main">
+    <p:fade/>
+  </p:transition>
+  <p:timing>
+    <p:tnLst>
+      <p:par>
+        <p:cTn xmlns:p14="http://schemas.microsoft.com/office/powerpoint/2010/main" id="1" dur="indefinite" restart="never" nodeType="tmRoot"/>
+      </p:par>
+    </p:tnLst>
+  </p:timing>
+</p:sld>
+</file>
+
+<file path=ppt/slides/slide13.xml><?xml version="1.0" encoding="utf-8"?>
+<p:sld xmlns:a="http://schemas.openxmlformats.org/drawingml/2006/main" xmlns:r="http://schemas.openxmlformats.org/officeDocument/2006/relationships" xmlns:p="http://schemas.openxmlformats.org/presentationml/2006/main">
+  <p:cSld>
+    <p:spTree>
+      <p:nvGrpSpPr>
+        <p:cNvPr id="1" name=""/>
+        <p:cNvGrpSpPr/>
+        <p:nvPr/>
+      </p:nvGrpSpPr>
+      <p:grpSpPr>
+        <a:xfrm>
+          <a:off x="0" y="0"/>
+          <a:ext cx="0" cy="0"/>
+          <a:chOff x="0" y="0"/>
+          <a:chExt cx="0" cy="0"/>
+        </a:xfrm>
+      </p:grpSpPr>
+      <p:sp>
+        <p:nvSpPr>
           <p:cNvPr id="11" name="Content Placeholder 10"/>
           <p:cNvSpPr>
             <a:spLocks noGrp="1"/>
@@ -21197,7 +21848,6 @@
               <a:rPr lang="en-US" sz="1800" dirty="0" smtClean="0"/>
               <a:t>Express Checkout will detect this and display the mobile friendly layout.</a:t>
             </a:r>
-            <a:endParaRPr lang="en-US" sz="1800" dirty="0" smtClean="0"/>
           </a:p>
         </p:txBody>
       </p:sp>
@@ -21241,7 +21891,7 @@
           <a:p>
             <a:r>
               <a:rPr lang="en-US" dirty="0" smtClean="0"/>
-              <a:t>One more thing …</a:t>
+              <a:t>Don’t forget …</a:t>
             </a:r>
             <a:endParaRPr lang="en-US" dirty="0"/>
           </a:p>
@@ -21264,7 +21914,7 @@
           <a:p>
             <a:fld id="{7CC8E713-5FB3-134B-8816-791D64F24C1E}" type="datetime1">
               <a:rPr lang="en-US" smtClean="0"/>
-              <a:t>3/30/11</a:t>
+              <a:t>3/31/11</a:t>
             </a:fld>
             <a:endParaRPr lang="en-US"/>
           </a:p>
@@ -21288,7 +21938,7 @@
             <a:fld id="{F5C38DA7-C5E7-4EC6-A4E8-D73C0420CA09}" type="slidenum">
               <a:rPr lang="en-US" smtClean="0"/>
               <a:pPr/>
-              <a:t>11</a:t>
+              <a:t>13</a:t>
             </a:fld>
             <a:endParaRPr lang="en-US" dirty="0"/>
           </a:p>
@@ -21342,6 +21992,242 @@
 </p:sld>
 </file>
 
+<file path=ppt/slides/slide14.xml><?xml version="1.0" encoding="utf-8"?>
+<p:sld xmlns:a="http://schemas.openxmlformats.org/drawingml/2006/main" xmlns:r="http://schemas.openxmlformats.org/officeDocument/2006/relationships" xmlns:p="http://schemas.openxmlformats.org/presentationml/2006/main">
+  <p:cSld>
+    <p:spTree>
+      <p:nvGrpSpPr>
+        <p:cNvPr id="1" name=""/>
+        <p:cNvGrpSpPr/>
+        <p:nvPr/>
+      </p:nvGrpSpPr>
+      <p:grpSpPr>
+        <a:xfrm>
+          <a:off x="0" y="0"/>
+          <a:ext cx="0" cy="0"/>
+          <a:chOff x="0" y="0"/>
+          <a:chExt cx="0" cy="0"/>
+        </a:xfrm>
+      </p:grpSpPr>
+      <p:sp>
+        <p:nvSpPr>
+          <p:cNvPr id="2" name="Content Placeholder 1"/>
+          <p:cNvSpPr>
+            <a:spLocks noGrp="1"/>
+          </p:cNvSpPr>
+          <p:nvPr>
+            <p:ph idx="16"/>
+          </p:nvPr>
+        </p:nvSpPr>
+        <p:spPr/>
+        <p:txBody>
+          <a:bodyPr/>
+          <a:lstStyle/>
+          <a:p>
+            <a:r>
+              <a:rPr lang="en-US" dirty="0"/>
+              <a:t>Use PayPal to integrate secure payments into your Android app and you could win $25,000, or $15,000, or $10,000. </a:t>
+            </a:r>
+            <a:endParaRPr lang="en-US" dirty="0" smtClean="0"/>
+          </a:p>
+          <a:p>
+            <a:endParaRPr lang="en-US" dirty="0"/>
+          </a:p>
+          <a:p>
+            <a:r>
+              <a:rPr lang="en-US" dirty="0" smtClean="0"/>
+              <a:t>More Information at</a:t>
+            </a:r>
+          </a:p>
+          <a:p>
+            <a:r>
+              <a:rPr lang="en-US" dirty="0"/>
+              <a:t>https://</a:t>
+            </a:r>
+            <a:r>
+              <a:rPr lang="en-US" dirty="0" err="1"/>
+              <a:t>www.x.com</a:t>
+            </a:r>
+            <a:r>
+              <a:rPr lang="en-US" dirty="0"/>
+              <a:t>/community/</a:t>
+            </a:r>
+            <a:r>
+              <a:rPr lang="en-US" dirty="0" err="1"/>
+              <a:t>ppx</a:t>
+            </a:r>
+            <a:r>
+              <a:rPr lang="en-US" dirty="0"/>
+              <a:t>/</a:t>
+            </a:r>
+            <a:r>
+              <a:rPr lang="en-US" dirty="0" err="1"/>
+              <a:t>devchallenge</a:t>
+            </a:r>
+            <a:endParaRPr lang="en-US" dirty="0"/>
+          </a:p>
+        </p:txBody>
+      </p:sp>
+      <p:sp>
+        <p:nvSpPr>
+          <p:cNvPr id="3" name="Footer Placeholder 2"/>
+          <p:cNvSpPr>
+            <a:spLocks noGrp="1"/>
+          </p:cNvSpPr>
+          <p:nvPr>
+            <p:ph type="ftr" sz="quarter" idx="11"/>
+          </p:nvPr>
+        </p:nvSpPr>
+        <p:spPr/>
+        <p:txBody>
+          <a:bodyPr/>
+          <a:lstStyle/>
+          <a:p>
+            <a:r>
+              <a:rPr lang="en-US" smtClean="0"/>
+              <a:t>Sencha Touch BYOL Workshop</a:t>
+            </a:r>
+            <a:endParaRPr lang="en-US" dirty="0"/>
+          </a:p>
+        </p:txBody>
+      </p:sp>
+      <p:sp>
+        <p:nvSpPr>
+          <p:cNvPr id="4" name="Title 3"/>
+          <p:cNvSpPr>
+            <a:spLocks noGrp="1"/>
+          </p:cNvSpPr>
+          <p:nvPr>
+            <p:ph type="title"/>
+          </p:nvPr>
+        </p:nvSpPr>
+        <p:spPr/>
+        <p:txBody>
+          <a:bodyPr/>
+          <a:lstStyle/>
+          <a:p>
+            <a:r>
+              <a:rPr lang="en-US" dirty="0" smtClean="0"/>
+              <a:t>Android </a:t>
+            </a:r>
+            <a:r>
+              <a:rPr lang="en-US" dirty="0" err="1" smtClean="0"/>
+              <a:t>DevChallenge</a:t>
+            </a:r>
+            <a:endParaRPr lang="en-US" dirty="0"/>
+          </a:p>
+        </p:txBody>
+      </p:sp>
+      <p:sp>
+        <p:nvSpPr>
+          <p:cNvPr id="5" name="Text Placeholder 4"/>
+          <p:cNvSpPr>
+            <a:spLocks noGrp="1"/>
+          </p:cNvSpPr>
+          <p:nvPr>
+            <p:ph type="body" sz="quarter" idx="14"/>
+          </p:nvPr>
+        </p:nvSpPr>
+        <p:spPr/>
+        <p:txBody>
+          <a:bodyPr/>
+          <a:lstStyle/>
+          <a:p>
+            <a:r>
+              <a:rPr lang="en-US" dirty="0" smtClean="0"/>
+              <a:t>Deadline to submit app is May 14th</a:t>
+            </a:r>
+            <a:endParaRPr lang="en-US" dirty="0"/>
+          </a:p>
+        </p:txBody>
+      </p:sp>
+      <p:sp>
+        <p:nvSpPr>
+          <p:cNvPr id="6" name="Date Placeholder 5"/>
+          <p:cNvSpPr>
+            <a:spLocks noGrp="1"/>
+          </p:cNvSpPr>
+          <p:nvPr>
+            <p:ph type="dt" sz="half" idx="10"/>
+          </p:nvPr>
+        </p:nvSpPr>
+        <p:spPr/>
+        <p:txBody>
+          <a:bodyPr/>
+          <a:lstStyle/>
+          <a:p>
+            <a:fld id="{9DD225AF-7903-1142-A1E7-25D3D9A616B9}" type="datetime1">
+              <a:rPr lang="en-US" smtClean="0"/>
+              <a:t>3/31/11</a:t>
+            </a:fld>
+            <a:endParaRPr lang="en-US"/>
+          </a:p>
+        </p:txBody>
+      </p:sp>
+      <p:sp>
+        <p:nvSpPr>
+          <p:cNvPr id="7" name="Slide Number Placeholder 6"/>
+          <p:cNvSpPr>
+            <a:spLocks noGrp="1"/>
+          </p:cNvSpPr>
+          <p:nvPr>
+            <p:ph type="sldNum" sz="quarter" idx="12"/>
+          </p:nvPr>
+        </p:nvSpPr>
+        <p:spPr/>
+        <p:txBody>
+          <a:bodyPr/>
+          <a:lstStyle/>
+          <a:p>
+            <a:fld id="{F5C38DA7-C5E7-4EC6-A4E8-D73C0420CA09}" type="slidenum">
+              <a:rPr lang="en-US" smtClean="0"/>
+              <a:pPr/>
+              <a:t>14</a:t>
+            </a:fld>
+            <a:endParaRPr lang="en-US"/>
+          </a:p>
+        </p:txBody>
+      </p:sp>
+      <p:pic>
+        <p:nvPicPr>
+          <p:cNvPr id="9" name="Picture Placeholder 8"/>
+          <p:cNvPicPr>
+            <a:picLocks noGrp="1" noChangeAspect="1"/>
+          </p:cNvPicPr>
+          <p:nvPr>
+            <p:ph type="pic" sz="quarter" idx="17"/>
+          </p:nvPr>
+        </p:nvPicPr>
+        <p:blipFill>
+          <a:blip r:embed="rId2"/>
+          <a:srcRect t="-91970" b="-91970"/>
+          <a:stretch>
+            <a:fillRect/>
+          </a:stretch>
+        </p:blipFill>
+        <p:spPr>
+          <a:xfrm>
+            <a:off x="400050" y="1660525"/>
+            <a:ext cx="4170363" cy="3292475"/>
+          </a:xfrm>
+        </p:spPr>
+      </p:pic>
+    </p:spTree>
+    <p:extLst>
+      <p:ext uri="{BB962C8B-B14F-4D97-AF65-F5344CB8AC3E}">
+        <p14:creationId xmlns:p14="http://schemas.microsoft.com/office/powerpoint/2010/main" val="3060219297"/>
+      </p:ext>
+    </p:extLst>
+  </p:cSld>
+  <p:clrMapOvr>
+    <a:masterClrMapping/>
+  </p:clrMapOvr>
+  <p:transition xmlns:p14="http://schemas.microsoft.com/office/powerpoint/2010/main">
+    <p:fade/>
+  </p:transition>
+</p:sld>
+</file>
+
 <file path=ppt/slides/slide2.xml><?xml version="1.0" encoding="utf-8"?>
 <p:sld xmlns:a="http://schemas.openxmlformats.org/drawingml/2006/main" xmlns:r="http://schemas.openxmlformats.org/officeDocument/2006/relationships" xmlns:p="http://schemas.openxmlformats.org/presentationml/2006/main">
   <p:cSld>
@@ -21376,7 +22262,7 @@
           <a:p>
             <a:r>
               <a:rPr lang="en-US" dirty="0" smtClean="0"/>
-              <a:t>Goals</a:t>
+              <a:t>What we’ll cover</a:t>
             </a:r>
             <a:endParaRPr lang="en-US" dirty="0"/>
           </a:p>
@@ -21401,54 +22287,62 @@
           <a:p>
             <a:r>
               <a:rPr lang="en-US" dirty="0" smtClean="0"/>
-              <a:t>Overview of </a:t>
-            </a:r>
-            <a:r>
-              <a:rPr lang="en-US" dirty="0" smtClean="0"/>
-              <a:t>Mobile Express Checkout</a:t>
-            </a:r>
+              <a:t>Overview of Mobile Express </a:t>
+            </a:r>
+            <a:r>
+              <a:rPr lang="en-US" dirty="0" smtClean="0"/>
+              <a:t>Checkout</a:t>
+            </a:r>
+          </a:p>
+          <a:p>
+            <a:r>
+              <a:rPr lang="en-US" dirty="0"/>
+              <a:t>Adding PayPal to </a:t>
+            </a:r>
+            <a:r>
+              <a:rPr lang="en-US" dirty="0" err="1"/>
+              <a:t>Sencha</a:t>
+            </a:r>
+            <a:r>
+              <a:rPr lang="en-US" dirty="0"/>
+              <a:t> </a:t>
+            </a:r>
+            <a:r>
+              <a:rPr lang="en-US" dirty="0" smtClean="0"/>
+              <a:t>Touch</a:t>
+            </a:r>
+            <a:endParaRPr lang="en-US" dirty="0" smtClean="0"/>
           </a:p>
           <a:p>
             <a:r>
               <a:rPr lang="en-US" dirty="0" smtClean="0"/>
               <a:t>Client/Server workflow</a:t>
             </a:r>
-            <a:endParaRPr lang="en-US" dirty="0" smtClean="0"/>
-          </a:p>
-          <a:p>
-            <a:r>
-              <a:rPr lang="en-US" dirty="0" smtClean="0"/>
-              <a:t>Working with the </a:t>
-            </a:r>
-            <a:r>
-              <a:rPr lang="en-US" dirty="0" smtClean="0"/>
-              <a:t>PayPal Sandbox</a:t>
-            </a:r>
-          </a:p>
-          <a:p>
-            <a:r>
-              <a:rPr lang="en-US" dirty="0" smtClean="0"/>
-              <a:t>Modify server-side code</a:t>
-            </a:r>
-            <a:endParaRPr lang="en-US" dirty="0" smtClean="0"/>
-          </a:p>
-          <a:p>
-            <a:r>
-              <a:rPr lang="en-US" dirty="0" smtClean="0"/>
-              <a:t>Adding </a:t>
-            </a:r>
-            <a:r>
-              <a:rPr lang="en-US" dirty="0" smtClean="0"/>
-              <a:t>PayPal to </a:t>
-            </a:r>
-            <a:r>
-              <a:rPr lang="en-US" dirty="0" err="1" smtClean="0"/>
-              <a:t>Sencha</a:t>
-            </a:r>
-            <a:r>
-              <a:rPr lang="en-US" dirty="0" smtClean="0"/>
-              <a:t> Touch</a:t>
-            </a:r>
+          </a:p>
+          <a:p>
+            <a:r>
+              <a:rPr lang="en-US" dirty="0" smtClean="0"/>
+              <a:t>Modify </a:t>
+            </a:r>
+            <a:r>
+              <a:rPr lang="en-US" dirty="0" smtClean="0"/>
+              <a:t>server-side </a:t>
+            </a:r>
+            <a:r>
+              <a:rPr lang="en-US" dirty="0" smtClean="0"/>
+              <a:t>code</a:t>
+            </a:r>
+          </a:p>
+          <a:p>
+            <a:r>
+              <a:rPr lang="en-US" dirty="0"/>
+              <a:t>Working with the PayPal </a:t>
+            </a:r>
+            <a:r>
+              <a:rPr lang="en-US" dirty="0" smtClean="0"/>
+              <a:t>Sandbox</a:t>
+            </a:r>
+            <a:endParaRPr lang="en-US" dirty="0"/>
           </a:p>
         </p:txBody>
       </p:sp>
@@ -21469,7 +22363,7 @@
           <a:p>
             <a:fld id="{B9E60A9B-640B-D74D-A1E8-E9199145DB09}" type="datetime1">
               <a:rPr lang="en-US" smtClean="0"/>
-              <a:t>3/30/11</a:t>
+              <a:t>3/31/11</a:t>
             </a:fld>
             <a:endParaRPr lang="en-US"/>
           </a:p>
@@ -21602,7 +22496,7 @@
           <a:p>
             <a:fld id="{F39608BD-FC4B-E543-8235-1AE653A2E769}" type="datetime1">
               <a:rPr lang="en-US" smtClean="0"/>
-              <a:t>3/30/11</a:t>
+              <a:t>3/31/11</a:t>
             </a:fld>
             <a:endParaRPr lang="en-US"/>
           </a:p>
@@ -21631,7 +22525,6 @@
               <a:rPr lang="en-US" dirty="0"/>
               <a:t> Touch BYOL Workshop</a:t>
             </a:r>
-            <a:endParaRPr lang="en-US" dirty="0"/>
           </a:p>
         </p:txBody>
       </p:sp>
@@ -22070,93 +22963,21 @@
           <a:p>
             <a:r>
               <a:rPr lang="en-US" dirty="0" smtClean="0"/>
-              <a:t> Client/Server Workflow</a:t>
+              <a:t>Olympics Donation App</a:t>
             </a:r>
             <a:endParaRPr lang="en-US" dirty="0"/>
-          </a:p>
-        </p:txBody>
-      </p:sp>
-      <p:sp>
-        <p:nvSpPr>
-          <p:cNvPr id="4" name="Date Placeholder 3"/>
-          <p:cNvSpPr>
-            <a:spLocks noGrp="1"/>
-          </p:cNvSpPr>
-          <p:nvPr>
-            <p:ph type="dt" sz="half" idx="10"/>
-          </p:nvPr>
-        </p:nvSpPr>
-        <p:spPr/>
-        <p:txBody>
-          <a:bodyPr/>
-          <a:lstStyle/>
-          <a:p>
-            <a:fld id="{0EA39F5F-9AD6-954F-88DD-849B40202F71}" type="datetime1">
-              <a:rPr lang="en-US" smtClean="0"/>
-              <a:t>3/30/11</a:t>
-            </a:fld>
-            <a:endParaRPr lang="en-US"/>
-          </a:p>
-        </p:txBody>
-      </p:sp>
-      <p:sp>
-        <p:nvSpPr>
-          <p:cNvPr id="5" name="Footer Placeholder 4"/>
-          <p:cNvSpPr>
-            <a:spLocks noGrp="1"/>
-          </p:cNvSpPr>
-          <p:nvPr>
-            <p:ph type="ftr" sz="quarter" idx="11"/>
-          </p:nvPr>
-        </p:nvSpPr>
-        <p:spPr/>
-        <p:txBody>
-          <a:bodyPr/>
-          <a:lstStyle/>
-          <a:p>
-            <a:r>
-              <a:rPr lang="en-US" dirty="0" err="1" smtClean="0"/>
-              <a:t>Sencha</a:t>
-            </a:r>
-            <a:r>
-              <a:rPr lang="en-US" dirty="0" smtClean="0"/>
-              <a:t> Touch BYOL Workshop</a:t>
-            </a:r>
-            <a:endParaRPr lang="en-US" dirty="0"/>
-          </a:p>
-        </p:txBody>
-      </p:sp>
-      <p:sp>
-        <p:nvSpPr>
-          <p:cNvPr id="6" name="Slide Number Placeholder 5"/>
-          <p:cNvSpPr>
-            <a:spLocks noGrp="1"/>
-          </p:cNvSpPr>
-          <p:nvPr>
-            <p:ph type="sldNum" sz="quarter" idx="12"/>
-          </p:nvPr>
-        </p:nvSpPr>
-        <p:spPr/>
-        <p:txBody>
-          <a:bodyPr/>
-          <a:lstStyle/>
-          <a:p>
-            <a:fld id="{F5C38DA7-C5E7-4EC6-A4E8-D73C0420CA09}" type="slidenum">
-              <a:rPr lang="en-US" smtClean="0"/>
-              <a:pPr/>
-              <a:t>4</a:t>
-            </a:fld>
-            <a:endParaRPr lang="en-US"/>
           </a:p>
         </p:txBody>
       </p:sp>
       <p:pic>
         <p:nvPicPr>
-          <p:cNvPr id="7" name="Picture 6" descr="server-icon.png"/>
+          <p:cNvPr id="7" name="Content Placeholder 6" descr="Screen shot 2011-03-30 at 2.41.27 PM.png"/>
           <p:cNvPicPr>
-            <a:picLocks noChangeAspect="1"/>
+            <a:picLocks noGrp="1" noChangeAspect="1"/>
           </p:cNvPicPr>
-          <p:nvPr/>
+          <p:nvPr>
+            <p:ph idx="1"/>
+          </p:nvPr>
         </p:nvPicPr>
         <p:blipFill>
           <a:blip r:embed="rId2">
@@ -22166,633 +22987,84 @@
               </a:ext>
             </a:extLst>
           </a:blip>
+          <a:srcRect l="-95754" r="-95754"/>
           <a:stretch>
             <a:fillRect/>
           </a:stretch>
         </p:blipFill>
         <p:spPr>
           <a:xfrm>
-            <a:off x="3539837" y="1632529"/>
-            <a:ext cx="798946" cy="798946"/>
-          </a:xfrm>
-          <a:prstGeom prst="rect">
-            <a:avLst/>
-          </a:prstGeom>
+            <a:off x="344171" y="1487668"/>
+            <a:ext cx="8199438" cy="4179888"/>
+          </a:xfrm>
         </p:spPr>
       </p:pic>
-      <p:pic>
-        <p:nvPicPr>
-          <p:cNvPr id="8" name="Picture 7" descr="iPhone-front-black-icon.png"/>
-          <p:cNvPicPr>
-            <a:picLocks noChangeAspect="1"/>
-          </p:cNvPicPr>
-          <p:nvPr/>
-        </p:nvPicPr>
-        <p:blipFill>
-          <a:blip r:embed="rId3">
-            <a:extLst>
-              <a:ext uri="{28A0092B-C50C-407E-A947-70E740481C1C}">
-                <a14:useLocalDpi xmlns:a14="http://schemas.microsoft.com/office/drawing/2010/main" val="0"/>
-              </a:ext>
-            </a:extLst>
-          </a:blip>
-          <a:stretch>
-            <a:fillRect/>
-          </a:stretch>
-        </p:blipFill>
-        <p:spPr>
-          <a:xfrm>
-            <a:off x="475672" y="1595584"/>
-            <a:ext cx="851988" cy="851988"/>
-          </a:xfrm>
-          <a:prstGeom prst="rect">
-            <a:avLst/>
-          </a:prstGeom>
-        </p:spPr>
-      </p:pic>
-      <p:sp>
-        <p:nvSpPr>
-          <p:cNvPr id="13" name="TextBox 12"/>
-          <p:cNvSpPr txBox="1"/>
-          <p:nvPr/>
-        </p:nvSpPr>
-        <p:spPr>
-          <a:xfrm>
-            <a:off x="1316182" y="1616364"/>
-            <a:ext cx="2074655" cy="338554"/>
-          </a:xfrm>
-          <a:prstGeom prst="rect">
-            <a:avLst/>
-          </a:prstGeom>
-          <a:noFill/>
-        </p:spPr>
-        <p:txBody>
-          <a:bodyPr wrap="square" rtlCol="0">
-            <a:spAutoFit/>
-          </a:bodyPr>
+      <p:sp>
+        <p:nvSpPr>
+          <p:cNvPr id="4" name="Date Placeholder 3"/>
+          <p:cNvSpPr>
+            <a:spLocks noGrp="1"/>
+          </p:cNvSpPr>
+          <p:nvPr>
+            <p:ph type="dt" sz="half" idx="10"/>
+          </p:nvPr>
+        </p:nvSpPr>
+        <p:spPr/>
+        <p:txBody>
+          <a:bodyPr/>
           <a:lstStyle/>
           <a:p>
-            <a:pPr algn="ctr"/>
-            <a:r>
-              <a:rPr lang="en-US" sz="1600" b="1" dirty="0" err="1" smtClean="0"/>
-              <a:t>Order.cfm</a:t>
-            </a:r>
-            <a:endParaRPr lang="en-US" sz="1600" b="1" dirty="0"/>
-          </a:p>
-        </p:txBody>
-      </p:sp>
-      <p:sp>
-        <p:nvSpPr>
-          <p:cNvPr id="14" name="TextBox 13"/>
-          <p:cNvSpPr txBox="1"/>
-          <p:nvPr/>
-        </p:nvSpPr>
-        <p:spPr>
-          <a:xfrm>
-            <a:off x="394855" y="1110674"/>
-            <a:ext cx="1106054" cy="369332"/>
-          </a:xfrm>
-          <a:prstGeom prst="rect">
-            <a:avLst/>
-          </a:prstGeom>
-          <a:noFill/>
-        </p:spPr>
-        <p:txBody>
-          <a:bodyPr wrap="square" rtlCol="0">
-            <a:spAutoFit/>
-          </a:bodyPr>
+            <a:fld id="{037CDD65-FFC3-7549-AB7F-54F248016DCA}" type="datetime1">
+              <a:rPr lang="en-US" smtClean="0"/>
+              <a:t>3/31/11</a:t>
+            </a:fld>
+            <a:endParaRPr lang="en-US" dirty="0"/>
+          </a:p>
+        </p:txBody>
+      </p:sp>
+      <p:sp>
+        <p:nvSpPr>
+          <p:cNvPr id="5" name="Footer Placeholder 4"/>
+          <p:cNvSpPr>
+            <a:spLocks noGrp="1"/>
+          </p:cNvSpPr>
+          <p:nvPr>
+            <p:ph type="ftr" sz="quarter" idx="11"/>
+          </p:nvPr>
+        </p:nvSpPr>
+        <p:spPr/>
+        <p:txBody>
+          <a:bodyPr/>
           <a:lstStyle/>
           <a:p>
-            <a:pPr algn="ctr"/>
-            <a:r>
-              <a:rPr lang="en-US" b="1" dirty="0" smtClean="0"/>
-              <a:t>User</a:t>
-            </a:r>
-            <a:endParaRPr lang="en-US" b="1" dirty="0"/>
-          </a:p>
-        </p:txBody>
-      </p:sp>
-      <p:sp>
-        <p:nvSpPr>
-          <p:cNvPr id="15" name="TextBox 14"/>
-          <p:cNvSpPr txBox="1"/>
-          <p:nvPr/>
-        </p:nvSpPr>
-        <p:spPr>
-          <a:xfrm>
-            <a:off x="2994890" y="1133766"/>
-            <a:ext cx="1923473" cy="378690"/>
-          </a:xfrm>
-          <a:prstGeom prst="rect">
-            <a:avLst/>
-          </a:prstGeom>
-          <a:noFill/>
-        </p:spPr>
-        <p:txBody>
-          <a:bodyPr wrap="square" rtlCol="0">
-            <a:spAutoFit/>
-          </a:bodyPr>
+            <a:r>
+              <a:rPr lang="en-US" smtClean="0"/>
+              <a:t>Sencha Touch BYOL Workshop</a:t>
+            </a:r>
+            <a:endParaRPr lang="en-US"/>
+          </a:p>
+        </p:txBody>
+      </p:sp>
+      <p:sp>
+        <p:nvSpPr>
+          <p:cNvPr id="6" name="Slide Number Placeholder 5"/>
+          <p:cNvSpPr>
+            <a:spLocks noGrp="1"/>
+          </p:cNvSpPr>
+          <p:nvPr>
+            <p:ph type="sldNum" sz="quarter" idx="12"/>
+          </p:nvPr>
+        </p:nvSpPr>
+        <p:spPr/>
+        <p:txBody>
+          <a:bodyPr/>
           <a:lstStyle/>
           <a:p>
-            <a:pPr algn="ctr"/>
-            <a:r>
-              <a:rPr lang="en-US" b="1" dirty="0" smtClean="0"/>
-              <a:t>Your Server</a:t>
-            </a:r>
-            <a:endParaRPr lang="en-US" b="1" dirty="0"/>
-          </a:p>
-        </p:txBody>
-      </p:sp>
-      <p:pic>
-        <p:nvPicPr>
-          <p:cNvPr id="16" name="Picture 15" descr="server-icon.png"/>
-          <p:cNvPicPr>
-            <a:picLocks noChangeAspect="1"/>
-          </p:cNvPicPr>
-          <p:nvPr/>
-        </p:nvPicPr>
-        <p:blipFill>
-          <a:blip r:embed="rId2">
-            <a:extLst>
-              <a:ext uri="{28A0092B-C50C-407E-A947-70E740481C1C}">
-                <a14:useLocalDpi xmlns:a14="http://schemas.microsoft.com/office/drawing/2010/main" val="0"/>
-              </a:ext>
-            </a:extLst>
-          </a:blip>
-          <a:stretch>
-            <a:fillRect/>
-          </a:stretch>
-        </p:blipFill>
-        <p:spPr>
-          <a:xfrm>
-            <a:off x="7040419" y="1632529"/>
-            <a:ext cx="798946" cy="798946"/>
-          </a:xfrm>
-          <a:prstGeom prst="rect">
-            <a:avLst/>
-          </a:prstGeom>
-        </p:spPr>
-      </p:pic>
-      <p:sp>
-        <p:nvSpPr>
-          <p:cNvPr id="17" name="TextBox 16"/>
-          <p:cNvSpPr txBox="1"/>
-          <p:nvPr/>
-        </p:nvSpPr>
-        <p:spPr>
-          <a:xfrm>
-            <a:off x="6419273" y="1112983"/>
-            <a:ext cx="2032001" cy="369332"/>
-          </a:xfrm>
-          <a:prstGeom prst="rect">
-            <a:avLst/>
-          </a:prstGeom>
-          <a:noFill/>
-        </p:spPr>
-        <p:txBody>
-          <a:bodyPr wrap="square" rtlCol="0">
-            <a:spAutoFit/>
-          </a:bodyPr>
-          <a:lstStyle/>
-          <a:p>
-            <a:pPr algn="ctr"/>
-            <a:r>
-              <a:rPr lang="en-US" b="1" dirty="0" smtClean="0"/>
-              <a:t>PayPal Server</a:t>
-            </a:r>
-            <a:endParaRPr lang="en-US" b="1" dirty="0"/>
-          </a:p>
-        </p:txBody>
-      </p:sp>
-      <p:sp>
-        <p:nvSpPr>
-          <p:cNvPr id="18" name="Right Arrow 17"/>
-          <p:cNvSpPr/>
-          <p:nvPr/>
-        </p:nvSpPr>
-        <p:spPr>
-          <a:xfrm>
-            <a:off x="4929909" y="1975427"/>
-            <a:ext cx="1762216" cy="206663"/>
-          </a:xfrm>
-          <a:prstGeom prst="rightArrow">
-            <a:avLst/>
-          </a:prstGeom>
-        </p:spPr>
-        <p:style>
-          <a:lnRef idx="1">
-            <a:schemeClr val="accent1"/>
-          </a:lnRef>
-          <a:fillRef idx="3">
-            <a:schemeClr val="accent1"/>
-          </a:fillRef>
-          <a:effectRef idx="2">
-            <a:schemeClr val="accent1"/>
-          </a:effectRef>
-          <a:fontRef idx="minor">
-            <a:schemeClr val="lt1"/>
-          </a:fontRef>
-        </p:style>
-        <p:txBody>
-          <a:bodyPr rtlCol="0" anchor="ctr"/>
-          <a:lstStyle/>
-          <a:p>
-            <a:pPr algn="ctr"/>
-            <a:endParaRPr lang="en-US"/>
-          </a:p>
-        </p:txBody>
-      </p:sp>
-      <p:sp>
-        <p:nvSpPr>
-          <p:cNvPr id="19" name="TextBox 18"/>
-          <p:cNvSpPr txBox="1"/>
-          <p:nvPr/>
-        </p:nvSpPr>
-        <p:spPr>
-          <a:xfrm>
-            <a:off x="4318000" y="1641764"/>
-            <a:ext cx="2988553" cy="338554"/>
-          </a:xfrm>
-          <a:prstGeom prst="rect">
-            <a:avLst/>
-          </a:prstGeom>
-          <a:noFill/>
-        </p:spPr>
-        <p:txBody>
-          <a:bodyPr wrap="square" rtlCol="0">
-            <a:spAutoFit/>
-          </a:bodyPr>
-          <a:lstStyle/>
-          <a:p>
-            <a:pPr algn="ctr"/>
-            <a:r>
-              <a:rPr lang="en-US" sz="1600" b="1" dirty="0" err="1" smtClean="0"/>
-              <a:t>www.paypal.com</a:t>
-            </a:r>
-            <a:endParaRPr lang="en-US" sz="1600" b="1" dirty="0"/>
-          </a:p>
-        </p:txBody>
-      </p:sp>
-      <p:sp>
-        <p:nvSpPr>
-          <p:cNvPr id="20" name="Right Arrow 19"/>
-          <p:cNvSpPr/>
-          <p:nvPr/>
-        </p:nvSpPr>
-        <p:spPr>
-          <a:xfrm>
-            <a:off x="1526309" y="1977737"/>
-            <a:ext cx="1762216" cy="169718"/>
-          </a:xfrm>
-          <a:prstGeom prst="rightArrow">
-            <a:avLst/>
-          </a:prstGeom>
-        </p:spPr>
-        <p:style>
-          <a:lnRef idx="1">
-            <a:schemeClr val="accent1"/>
-          </a:lnRef>
-          <a:fillRef idx="3">
-            <a:schemeClr val="accent1"/>
-          </a:fillRef>
-          <a:effectRef idx="2">
-            <a:schemeClr val="accent1"/>
-          </a:effectRef>
-          <a:fontRef idx="minor">
-            <a:schemeClr val="lt1"/>
-          </a:fontRef>
-        </p:style>
-        <p:txBody>
-          <a:bodyPr rtlCol="0" anchor="ctr"/>
-          <a:lstStyle/>
-          <a:p>
-            <a:pPr algn="ctr"/>
-            <a:endParaRPr lang="en-US"/>
-          </a:p>
-        </p:txBody>
-      </p:sp>
-      <p:pic>
-        <p:nvPicPr>
-          <p:cNvPr id="21" name="Picture 20" descr="server-icon.png"/>
-          <p:cNvPicPr>
-            <a:picLocks noChangeAspect="1"/>
-          </p:cNvPicPr>
-          <p:nvPr/>
-        </p:nvPicPr>
-        <p:blipFill>
-          <a:blip r:embed="rId2">
-            <a:extLst>
-              <a:ext uri="{28A0092B-C50C-407E-A947-70E740481C1C}">
-                <a14:useLocalDpi xmlns:a14="http://schemas.microsoft.com/office/drawing/2010/main" val="0"/>
-              </a:ext>
-            </a:extLst>
-          </a:blip>
-          <a:stretch>
-            <a:fillRect/>
-          </a:stretch>
-        </p:blipFill>
-        <p:spPr>
-          <a:xfrm>
-            <a:off x="3553692" y="3124202"/>
-            <a:ext cx="798946" cy="798946"/>
-          </a:xfrm>
-          <a:prstGeom prst="rect">
-            <a:avLst/>
-          </a:prstGeom>
-        </p:spPr>
-      </p:pic>
-      <p:pic>
-        <p:nvPicPr>
-          <p:cNvPr id="22" name="Picture 21" descr="iPhone-front-black-icon.png"/>
-          <p:cNvPicPr>
-            <a:picLocks noChangeAspect="1"/>
-          </p:cNvPicPr>
-          <p:nvPr/>
-        </p:nvPicPr>
-        <p:blipFill>
-          <a:blip r:embed="rId3">
-            <a:extLst>
-              <a:ext uri="{28A0092B-C50C-407E-A947-70E740481C1C}">
-                <a14:useLocalDpi xmlns:a14="http://schemas.microsoft.com/office/drawing/2010/main" val="0"/>
-              </a:ext>
-            </a:extLst>
-          </a:blip>
-          <a:stretch>
-            <a:fillRect/>
-          </a:stretch>
-        </p:blipFill>
-        <p:spPr>
-          <a:xfrm>
-            <a:off x="489527" y="3087257"/>
-            <a:ext cx="851988" cy="851988"/>
-          </a:xfrm>
-          <a:prstGeom prst="rect">
-            <a:avLst/>
-          </a:prstGeom>
-        </p:spPr>
-      </p:pic>
-      <p:pic>
-        <p:nvPicPr>
-          <p:cNvPr id="23" name="Picture 22" descr="server-icon.png"/>
-          <p:cNvPicPr>
-            <a:picLocks noChangeAspect="1"/>
-          </p:cNvPicPr>
-          <p:nvPr/>
-        </p:nvPicPr>
-        <p:blipFill>
-          <a:blip r:embed="rId2">
-            <a:extLst>
-              <a:ext uri="{28A0092B-C50C-407E-A947-70E740481C1C}">
-                <a14:useLocalDpi xmlns:a14="http://schemas.microsoft.com/office/drawing/2010/main" val="0"/>
-              </a:ext>
-            </a:extLst>
-          </a:blip>
-          <a:stretch>
-            <a:fillRect/>
-          </a:stretch>
-        </p:blipFill>
-        <p:spPr>
-          <a:xfrm>
-            <a:off x="7054274" y="3124202"/>
-            <a:ext cx="798946" cy="798946"/>
-          </a:xfrm>
-          <a:prstGeom prst="rect">
-            <a:avLst/>
-          </a:prstGeom>
-        </p:spPr>
-      </p:pic>
-      <p:sp>
-        <p:nvSpPr>
-          <p:cNvPr id="24" name="Right Arrow 23"/>
-          <p:cNvSpPr/>
-          <p:nvPr/>
-        </p:nvSpPr>
-        <p:spPr>
-          <a:xfrm flipH="1">
-            <a:off x="4932219" y="3394364"/>
-            <a:ext cx="1762216" cy="221673"/>
-          </a:xfrm>
-          <a:prstGeom prst="rightArrow">
-            <a:avLst/>
-          </a:prstGeom>
-        </p:spPr>
-        <p:style>
-          <a:lnRef idx="1">
-            <a:schemeClr val="accent1"/>
-          </a:lnRef>
-          <a:fillRef idx="3">
-            <a:schemeClr val="accent1"/>
-          </a:fillRef>
-          <a:effectRef idx="2">
-            <a:schemeClr val="accent1"/>
-          </a:effectRef>
-          <a:fontRef idx="minor">
-            <a:schemeClr val="lt1"/>
-          </a:fontRef>
-        </p:style>
-        <p:txBody>
-          <a:bodyPr rtlCol="0" anchor="ctr"/>
-          <a:lstStyle/>
-          <a:p>
-            <a:pPr algn="ctr"/>
-            <a:endParaRPr lang="en-US"/>
-          </a:p>
-        </p:txBody>
-      </p:sp>
-      <p:sp>
-        <p:nvSpPr>
-          <p:cNvPr id="25" name="Right Arrow 24"/>
-          <p:cNvSpPr/>
-          <p:nvPr/>
-        </p:nvSpPr>
-        <p:spPr>
-          <a:xfrm flipH="1">
-            <a:off x="1540164" y="3469409"/>
-            <a:ext cx="1762216" cy="225135"/>
-          </a:xfrm>
-          <a:prstGeom prst="rightArrow">
-            <a:avLst/>
-          </a:prstGeom>
-        </p:spPr>
-        <p:style>
-          <a:lnRef idx="1">
-            <a:schemeClr val="accent1"/>
-          </a:lnRef>
-          <a:fillRef idx="3">
-            <a:schemeClr val="accent1"/>
-          </a:fillRef>
-          <a:effectRef idx="2">
-            <a:schemeClr val="accent1"/>
-          </a:effectRef>
-          <a:fontRef idx="minor">
-            <a:schemeClr val="lt1"/>
-          </a:fontRef>
-        </p:style>
-        <p:txBody>
-          <a:bodyPr rtlCol="0" anchor="ctr"/>
-          <a:lstStyle/>
-          <a:p>
-            <a:pPr algn="ctr"/>
-            <a:endParaRPr lang="en-US"/>
-          </a:p>
-        </p:txBody>
-      </p:sp>
-      <p:sp>
-        <p:nvSpPr>
-          <p:cNvPr id="26" name="TextBox 25"/>
-          <p:cNvSpPr txBox="1"/>
-          <p:nvPr/>
-        </p:nvSpPr>
-        <p:spPr>
-          <a:xfrm>
-            <a:off x="4297218" y="2971800"/>
-            <a:ext cx="2988553" cy="338554"/>
-          </a:xfrm>
-          <a:prstGeom prst="rect">
-            <a:avLst/>
-          </a:prstGeom>
-          <a:noFill/>
-        </p:spPr>
-        <p:txBody>
-          <a:bodyPr wrap="square" rtlCol="0">
-            <a:spAutoFit/>
-          </a:bodyPr>
-          <a:lstStyle/>
-          <a:p>
-            <a:pPr algn="ctr"/>
-            <a:r>
-              <a:rPr lang="en-US" sz="1600" b="1" dirty="0" smtClean="0"/>
-              <a:t>Token returned</a:t>
-            </a:r>
-            <a:endParaRPr lang="en-US" sz="1600" b="1" dirty="0"/>
-          </a:p>
-        </p:txBody>
-      </p:sp>
-      <p:pic>
-        <p:nvPicPr>
-          <p:cNvPr id="28" name="Picture 27" descr="iPhone-front-black-icon.png"/>
-          <p:cNvPicPr>
-            <a:picLocks noChangeAspect="1"/>
-          </p:cNvPicPr>
-          <p:nvPr/>
-        </p:nvPicPr>
-        <p:blipFill>
-          <a:blip r:embed="rId3">
-            <a:extLst>
-              <a:ext uri="{28A0092B-C50C-407E-A947-70E740481C1C}">
-                <a14:useLocalDpi xmlns:a14="http://schemas.microsoft.com/office/drawing/2010/main" val="0"/>
-              </a:ext>
-            </a:extLst>
-          </a:blip>
-          <a:stretch>
-            <a:fillRect/>
-          </a:stretch>
-        </p:blipFill>
-        <p:spPr>
-          <a:xfrm>
-            <a:off x="489527" y="4403438"/>
-            <a:ext cx="851988" cy="851988"/>
-          </a:xfrm>
-          <a:prstGeom prst="rect">
-            <a:avLst/>
-          </a:prstGeom>
-        </p:spPr>
-      </p:pic>
-      <p:sp>
-        <p:nvSpPr>
-          <p:cNvPr id="29" name="TextBox 28"/>
-          <p:cNvSpPr txBox="1"/>
-          <p:nvPr/>
-        </p:nvSpPr>
-        <p:spPr>
-          <a:xfrm>
-            <a:off x="2022764" y="4435763"/>
-            <a:ext cx="4177145" cy="338554"/>
-          </a:xfrm>
-          <a:prstGeom prst="rect">
-            <a:avLst/>
-          </a:prstGeom>
-          <a:noFill/>
-        </p:spPr>
-        <p:txBody>
-          <a:bodyPr wrap="square" rtlCol="0">
-            <a:spAutoFit/>
-          </a:bodyPr>
-          <a:lstStyle/>
-          <a:p>
-            <a:pPr algn="ctr"/>
-            <a:r>
-              <a:rPr lang="en-US" sz="1600" b="1" dirty="0" smtClean="0"/>
-              <a:t>Redirected to PayPal Login</a:t>
-            </a:r>
-            <a:endParaRPr lang="en-US" sz="1600" b="1" dirty="0"/>
-          </a:p>
-        </p:txBody>
-      </p:sp>
-      <p:pic>
-        <p:nvPicPr>
-          <p:cNvPr id="30" name="Picture 29" descr="server-icon.png"/>
-          <p:cNvPicPr>
-            <a:picLocks noChangeAspect="1"/>
-          </p:cNvPicPr>
-          <p:nvPr/>
-        </p:nvPicPr>
-        <p:blipFill>
-          <a:blip r:embed="rId2">
-            <a:extLst>
-              <a:ext uri="{28A0092B-C50C-407E-A947-70E740481C1C}">
-                <a14:useLocalDpi xmlns:a14="http://schemas.microsoft.com/office/drawing/2010/main" val="0"/>
-              </a:ext>
-            </a:extLst>
-          </a:blip>
-          <a:stretch>
-            <a:fillRect/>
-          </a:stretch>
-        </p:blipFill>
-        <p:spPr>
-          <a:xfrm>
-            <a:off x="7054274" y="4440383"/>
-            <a:ext cx="798946" cy="798946"/>
-          </a:xfrm>
-          <a:prstGeom prst="rect">
-            <a:avLst/>
-          </a:prstGeom>
-        </p:spPr>
-      </p:pic>
-      <p:sp>
-        <p:nvSpPr>
-          <p:cNvPr id="33" name="Right Arrow 32"/>
-          <p:cNvSpPr/>
-          <p:nvPr/>
-        </p:nvSpPr>
-        <p:spPr>
-          <a:xfrm>
-            <a:off x="1540164" y="4785591"/>
-            <a:ext cx="5237018" cy="167409"/>
-          </a:xfrm>
-          <a:prstGeom prst="rightArrow">
-            <a:avLst/>
-          </a:prstGeom>
-        </p:spPr>
-        <p:style>
-          <a:lnRef idx="1">
-            <a:schemeClr val="accent1"/>
-          </a:lnRef>
-          <a:fillRef idx="3">
-            <a:schemeClr val="accent1"/>
-          </a:fillRef>
-          <a:effectRef idx="2">
-            <a:schemeClr val="accent1"/>
-          </a:effectRef>
-          <a:fontRef idx="minor">
-            <a:schemeClr val="lt1"/>
-          </a:fontRef>
-        </p:style>
-        <p:txBody>
-          <a:bodyPr rtlCol="0" anchor="ctr"/>
-          <a:lstStyle/>
-          <a:p>
-            <a:pPr algn="ctr"/>
+            <a:fld id="{F5C38DA7-C5E7-4EC6-A4E8-D73C0420CA09}" type="slidenum">
+              <a:rPr lang="en-US" smtClean="0"/>
+              <a:pPr/>
+              <a:t>4</a:t>
+            </a:fld>
             <a:endParaRPr lang="en-US"/>
           </a:p>
         </p:txBody>
@@ -22800,7 +23072,7 @@
     </p:spTree>
     <p:extLst>
       <p:ext uri="{BB962C8B-B14F-4D97-AF65-F5344CB8AC3E}">
-        <p14:creationId xmlns:p14="http://schemas.microsoft.com/office/powerpoint/2010/main" val="1489179703"/>
+        <p14:creationId xmlns:p14="http://schemas.microsoft.com/office/powerpoint/2010/main" val="674698304"/>
       </p:ext>
     </p:extLst>
   </p:cSld>
@@ -22854,7 +23126,11 @@
           <a:p>
             <a:r>
               <a:rPr lang="en-US" dirty="0" smtClean="0"/>
-              <a:t>How to use PayPal Sandbox</a:t>
+              <a:t>Add Donate button in </a:t>
+            </a:r>
+            <a:r>
+              <a:rPr lang="en-US" dirty="0" err="1" smtClean="0"/>
+              <a:t>Sencha</a:t>
             </a:r>
             <a:endParaRPr lang="en-US" dirty="0"/>
           </a:p>
@@ -22870,27 +23146,187 @@
             <p:ph idx="1"/>
           </p:nvPr>
         </p:nvSpPr>
-        <p:spPr/>
+        <p:spPr>
+          <a:xfrm>
+            <a:off x="152399" y="1405081"/>
+            <a:ext cx="8877300" cy="4525963"/>
+          </a:xfrm>
+        </p:spPr>
         <p:txBody>
           <a:bodyPr/>
           <a:lstStyle/>
           <a:p>
             <a:r>
-              <a:rPr lang="en-US" dirty="0" smtClean="0"/>
-              <a:t>Signup</a:t>
-            </a:r>
-            <a:endParaRPr lang="en-US" dirty="0" smtClean="0"/>
-          </a:p>
-          <a:p>
-            <a:pPr lvl="1">
-              <a:buFont typeface="Arial" pitchFamily="34" charset="0"/>
-              <a:buChar char="•"/>
-            </a:pPr>
-            <a:r>
-              <a:rPr lang="en-US" dirty="0" err="1" smtClean="0"/>
-              <a:t>developer.paypal.com</a:t>
-            </a:r>
-            <a:endParaRPr lang="en-US" dirty="0" smtClean="0"/>
+              <a:rPr lang="en-US" dirty="0" err="1" smtClean="0">
+                <a:latin typeface="Courier"/>
+                <a:cs typeface="Courier"/>
+              </a:rPr>
+              <a:t>var</a:t>
+            </a:r>
+            <a:r>
+              <a:rPr lang="en-US" dirty="0" smtClean="0">
+                <a:latin typeface="Courier"/>
+                <a:cs typeface="Courier"/>
+              </a:rPr>
+              <a:t> </a:t>
+            </a:r>
+            <a:r>
+              <a:rPr lang="en-US" dirty="0" err="1" smtClean="0">
+                <a:latin typeface="Courier"/>
+                <a:cs typeface="Courier"/>
+              </a:rPr>
+              <a:t>donateButton</a:t>
+            </a:r>
+            <a:r>
+              <a:rPr lang="en-US" dirty="0" smtClean="0">
+                <a:latin typeface="Courier"/>
+                <a:cs typeface="Courier"/>
+              </a:rPr>
+              <a:t> </a:t>
+            </a:r>
+            <a:r>
+              <a:rPr lang="en-US" dirty="0">
+                <a:latin typeface="Courier"/>
+                <a:cs typeface="Courier"/>
+              </a:rPr>
+              <a:t>= new </a:t>
+            </a:r>
+            <a:r>
+              <a:rPr lang="en-US" dirty="0" err="1">
+                <a:latin typeface="Courier"/>
+                <a:cs typeface="Courier"/>
+              </a:rPr>
+              <a:t>Ext.Button</a:t>
+            </a:r>
+            <a:r>
+              <a:rPr lang="en-US" dirty="0">
+                <a:latin typeface="Courier"/>
+                <a:cs typeface="Courier"/>
+              </a:rPr>
+              <a:t>({</a:t>
+            </a:r>
+          </a:p>
+          <a:p>
+            <a:r>
+              <a:rPr lang="cs-CZ" dirty="0">
+                <a:latin typeface="Courier"/>
+                <a:cs typeface="Courier"/>
+              </a:rPr>
+              <a:t>	</a:t>
+            </a:r>
+            <a:r>
+              <a:rPr lang="cs-CZ" dirty="0" smtClean="0">
+                <a:latin typeface="Courier"/>
+                <a:cs typeface="Courier"/>
+              </a:rPr>
+              <a:t>text</a:t>
+            </a:r>
+            <a:r>
+              <a:rPr lang="cs-CZ" dirty="0">
+                <a:latin typeface="Courier"/>
+                <a:cs typeface="Courier"/>
+              </a:rPr>
+              <a:t>:"</a:t>
+            </a:r>
+            <a:r>
+              <a:rPr lang="cs-CZ" dirty="0" err="1">
+                <a:latin typeface="Courier"/>
+                <a:cs typeface="Courier"/>
+              </a:rPr>
+              <a:t>Donate</a:t>
+            </a:r>
+            <a:r>
+              <a:rPr lang="cs-CZ" dirty="0">
+                <a:latin typeface="Courier"/>
+                <a:cs typeface="Courier"/>
+              </a:rPr>
+              <a:t> $10",</a:t>
+            </a:r>
+          </a:p>
+          <a:p>
+            <a:r>
+              <a:rPr lang="en-US" dirty="0">
+                <a:latin typeface="Courier"/>
+                <a:cs typeface="Courier"/>
+              </a:rPr>
+              <a:t>	</a:t>
+            </a:r>
+            <a:r>
+              <a:rPr lang="en-US" dirty="0" err="1" smtClean="0">
+                <a:latin typeface="Courier"/>
+                <a:cs typeface="Courier"/>
+              </a:rPr>
+              <a:t>ui</a:t>
+            </a:r>
+            <a:r>
+              <a:rPr lang="en-US" dirty="0">
+                <a:latin typeface="Courier"/>
+                <a:cs typeface="Courier"/>
+              </a:rPr>
+              <a:t>:"round",</a:t>
+            </a:r>
+          </a:p>
+          <a:p>
+            <a:r>
+              <a:rPr lang="en-US" dirty="0">
+                <a:latin typeface="Courier"/>
+                <a:cs typeface="Courier"/>
+              </a:rPr>
+              <a:t>	</a:t>
+            </a:r>
+            <a:r>
+              <a:rPr lang="en-US" dirty="0" smtClean="0">
+                <a:latin typeface="Courier"/>
+                <a:cs typeface="Courier"/>
+              </a:rPr>
+              <a:t>handler</a:t>
+            </a:r>
+            <a:r>
+              <a:rPr lang="en-US" dirty="0">
+                <a:latin typeface="Courier"/>
+                <a:cs typeface="Courier"/>
+              </a:rPr>
+              <a:t>: </a:t>
+            </a:r>
+            <a:r>
+              <a:rPr lang="en-US" dirty="0" err="1">
+                <a:latin typeface="Courier"/>
+                <a:cs typeface="Courier"/>
+              </a:rPr>
+              <a:t>makeAjaxRequest</a:t>
+            </a:r>
+            <a:r>
+              <a:rPr lang="en-US" dirty="0">
+                <a:latin typeface="Courier"/>
+                <a:cs typeface="Courier"/>
+              </a:rPr>
+              <a:t>,</a:t>
+            </a:r>
+          </a:p>
+          <a:p>
+            <a:r>
+              <a:rPr lang="en-US" dirty="0">
+                <a:latin typeface="Courier"/>
+                <a:cs typeface="Courier"/>
+              </a:rPr>
+              <a:t>	width:150,</a:t>
+            </a:r>
+          </a:p>
+          <a:p>
+            <a:r>
+              <a:rPr lang="en-US" dirty="0" smtClean="0">
+                <a:latin typeface="Courier"/>
+                <a:cs typeface="Courier"/>
+              </a:rPr>
+              <a:t>}</a:t>
+            </a:r>
+            <a:r>
+              <a:rPr lang="en-US" dirty="0">
+                <a:latin typeface="Courier"/>
+                <a:cs typeface="Courier"/>
+              </a:rPr>
+              <a:t>)</a:t>
+            </a:r>
           </a:p>
           <a:p>
             <a:pPr lvl="1">
@@ -22900,75 +23336,6 @@
             <a:endParaRPr lang="en-US" dirty="0"/>
           </a:p>
           <a:p>
-            <a:r>
-              <a:rPr lang="en-US" dirty="0" smtClean="0"/>
-              <a:t>Create Test Accounts</a:t>
-            </a:r>
-            <a:endParaRPr lang="en-US" dirty="0"/>
-          </a:p>
-          <a:p>
-            <a:pPr lvl="1">
-              <a:buFont typeface="Arial" pitchFamily="34" charset="0"/>
-              <a:buChar char="•"/>
-            </a:pPr>
-            <a:r>
-              <a:rPr lang="en-US" dirty="0" smtClean="0"/>
-              <a:t>Seller, Buyer</a:t>
-            </a:r>
-          </a:p>
-          <a:p>
-            <a:pPr lvl="1">
-              <a:buFont typeface="Arial" pitchFamily="34" charset="0"/>
-              <a:buChar char="•"/>
-            </a:pPr>
-            <a:endParaRPr lang="en-US" dirty="0"/>
-          </a:p>
-          <a:p>
-            <a:r>
-              <a:rPr lang="en-US" dirty="0" smtClean="0"/>
-              <a:t>Get API Credentials</a:t>
-            </a:r>
-            <a:endParaRPr lang="en-US" dirty="0"/>
-          </a:p>
-          <a:p>
-            <a:pPr lvl="1">
-              <a:buFont typeface="Arial" pitchFamily="34" charset="0"/>
-              <a:buChar char="•"/>
-            </a:pPr>
-            <a:r>
-              <a:rPr lang="en-US" dirty="0" smtClean="0"/>
-              <a:t>API username</a:t>
-            </a:r>
-          </a:p>
-          <a:p>
-            <a:pPr lvl="1">
-              <a:buFont typeface="Arial" pitchFamily="34" charset="0"/>
-              <a:buChar char="•"/>
-            </a:pPr>
-            <a:r>
-              <a:rPr lang="en-US" dirty="0" smtClean="0"/>
-              <a:t>API password</a:t>
-            </a:r>
-          </a:p>
-          <a:p>
-            <a:pPr lvl="1">
-              <a:buFont typeface="Arial" pitchFamily="34" charset="0"/>
-              <a:buChar char="•"/>
-            </a:pPr>
-            <a:r>
-              <a:rPr lang="en-US" dirty="0" smtClean="0"/>
-              <a:t>Signature</a:t>
-            </a:r>
-            <a:endParaRPr lang="en-US" dirty="0"/>
-          </a:p>
-          <a:p>
-            <a:pPr lvl="1">
-              <a:buFont typeface="Arial" pitchFamily="34" charset="0"/>
-              <a:buChar char="•"/>
-            </a:pPr>
-            <a:endParaRPr lang="en-US" dirty="0"/>
-          </a:p>
-          <a:p>
             <a:pPr lvl="1">
               <a:buFont typeface="Arial" pitchFamily="34" charset="0"/>
               <a:buChar char="•"/>
@@ -22999,9 +23366,9 @@
           <a:bodyPr/>
           <a:lstStyle/>
           <a:p>
-            <a:fld id="{B9F05405-D534-5247-A084-19FAD97E7569}" type="datetime1">
+            <a:fld id="{A18F856E-14B7-3043-A040-D1323E32FBFA}" type="datetime1">
               <a:rPr lang="en-US" smtClean="0"/>
-              <a:t>3/30/11</a:t>
+              <a:t>3/31/11</a:t>
             </a:fld>
             <a:endParaRPr lang="en-US"/>
           </a:p>
@@ -23023,14 +23390,10 @@
           <a:lstStyle/>
           <a:p>
             <a:r>
-              <a:rPr lang="en-US" dirty="0" err="1" smtClean="0"/>
-              <a:t>Sencha</a:t>
-            </a:r>
-            <a:r>
-              <a:rPr lang="en-US" dirty="0" smtClean="0"/>
-              <a:t> Touch BYOL Workshop</a:t>
-            </a:r>
-            <a:endParaRPr lang="en-US" dirty="0"/>
+              <a:rPr lang="en-US" smtClean="0"/>
+              <a:t>Sencha Touch BYOL Workshop</a:t>
+            </a:r>
+            <a:endParaRPr lang="en-US"/>
           </a:p>
         </p:txBody>
       </p:sp>
@@ -23061,7 +23424,7 @@
     </p:spTree>
     <p:extLst>
       <p:ext uri="{BB962C8B-B14F-4D97-AF65-F5344CB8AC3E}">
-        <p14:creationId xmlns:p14="http://schemas.microsoft.com/office/powerpoint/2010/main" val="866745885"/>
+        <p14:creationId xmlns:p14="http://schemas.microsoft.com/office/powerpoint/2010/main" val="2924931128"/>
       </p:ext>
     </p:extLst>
   </p:cSld>
@@ -23100,97 +23463,457 @@
       </p:grpSpPr>
       <p:sp>
         <p:nvSpPr>
-          <p:cNvPr id="11" name="Content Placeholder 10"/>
-          <p:cNvSpPr>
-            <a:spLocks noGrp="1"/>
-          </p:cNvSpPr>
-          <p:nvPr>
-            <p:ph idx="16"/>
+          <p:cNvPr id="2" name="Title 1"/>
+          <p:cNvSpPr>
+            <a:spLocks noGrp="1"/>
+          </p:cNvSpPr>
+          <p:nvPr>
+            <p:ph type="title"/>
           </p:nvPr>
         </p:nvSpPr>
         <p:spPr/>
         <p:txBody>
+          <a:bodyPr/>
+          <a:lstStyle/>
+          <a:p>
+            <a:r>
+              <a:rPr lang="en-US" dirty="0" smtClean="0"/>
+              <a:t>Add </a:t>
+            </a:r>
+            <a:r>
+              <a:rPr lang="en-US" dirty="0" err="1" smtClean="0"/>
+              <a:t>ajax</a:t>
+            </a:r>
+            <a:r>
+              <a:rPr lang="en-US" dirty="0" smtClean="0"/>
+              <a:t> request in </a:t>
+            </a:r>
+            <a:r>
+              <a:rPr lang="en-US" dirty="0" err="1" smtClean="0"/>
+              <a:t>Sencha</a:t>
+            </a:r>
+            <a:endParaRPr lang="en-US" dirty="0"/>
+          </a:p>
+        </p:txBody>
+      </p:sp>
+      <p:sp>
+        <p:nvSpPr>
+          <p:cNvPr id="3" name="Content Placeholder 2"/>
+          <p:cNvSpPr>
+            <a:spLocks noGrp="1"/>
+          </p:cNvSpPr>
+          <p:nvPr>
+            <p:ph idx="1"/>
+          </p:nvPr>
+        </p:nvSpPr>
+        <p:spPr/>
+        <p:txBody>
           <a:bodyPr>
-            <a:normAutofit fontScale="92500" lnSpcReduction="10000"/>
+            <a:normAutofit/>
           </a:bodyPr>
           <a:lstStyle/>
           <a:p>
             <a:r>
-              <a:rPr lang="en-US" sz="1800" dirty="0" smtClean="0"/>
-              <a:t>Code available for </a:t>
-            </a:r>
-          </a:p>
-          <a:p>
-            <a:pPr marL="2627313" indent="-285750">
-              <a:buFont typeface="Arial"/>
+              <a:rPr lang="en-US" sz="1800" dirty="0" err="1" smtClean="0">
+                <a:latin typeface="Courier"/>
+                <a:cs typeface="Courier"/>
+              </a:rPr>
+              <a:t>var</a:t>
+            </a:r>
+            <a:r>
+              <a:rPr lang="en-US" sz="1800" dirty="0" smtClean="0">
+                <a:latin typeface="Courier"/>
+                <a:cs typeface="Courier"/>
+              </a:rPr>
+              <a:t> </a:t>
+            </a:r>
+            <a:r>
+              <a:rPr lang="en-US" sz="1800" dirty="0" err="1" smtClean="0">
+                <a:latin typeface="Courier"/>
+                <a:cs typeface="Courier"/>
+              </a:rPr>
+              <a:t>makeAjaxRequest</a:t>
+            </a:r>
+            <a:r>
+              <a:rPr lang="en-US" sz="1800" dirty="0" smtClean="0">
+                <a:latin typeface="Courier"/>
+                <a:cs typeface="Courier"/>
+              </a:rPr>
+              <a:t> </a:t>
+            </a:r>
+            <a:r>
+              <a:rPr lang="en-US" sz="1800" dirty="0">
+                <a:latin typeface="Courier"/>
+                <a:cs typeface="Courier"/>
+              </a:rPr>
+              <a:t>= function() {</a:t>
+            </a:r>
+          </a:p>
+          <a:p>
+            <a:r>
+              <a:rPr lang="en-US" sz="1800" dirty="0">
+                <a:latin typeface="Courier"/>
+                <a:cs typeface="Courier"/>
+              </a:rPr>
+              <a:t>	</a:t>
+            </a:r>
+            <a:r>
+              <a:rPr lang="en-US" sz="1800" dirty="0" err="1" smtClean="0">
+                <a:latin typeface="Courier"/>
+                <a:cs typeface="Courier"/>
+              </a:rPr>
+              <a:t>Ext.getBody</a:t>
+            </a:r>
+            <a:r>
+              <a:rPr lang="en-US" sz="1800" dirty="0">
+                <a:latin typeface="Courier"/>
+                <a:cs typeface="Courier"/>
+              </a:rPr>
+              <a:t>().mask('Loading...', 'x-mask-loading', true);</a:t>
+            </a:r>
+          </a:p>
+          <a:p>
+            <a:r>
+              <a:rPr lang="en-US" sz="1800" dirty="0">
+                <a:latin typeface="Courier"/>
+                <a:cs typeface="Courier"/>
+              </a:rPr>
+              <a:t>	</a:t>
+            </a:r>
+            <a:r>
+              <a:rPr lang="en-US" sz="1800" dirty="0" err="1" smtClean="0">
+                <a:latin typeface="Courier"/>
+                <a:cs typeface="Courier"/>
+              </a:rPr>
+              <a:t>Ext.Ajax.request</a:t>
+            </a:r>
+            <a:r>
+              <a:rPr lang="en-US" sz="1800" dirty="0">
+                <a:latin typeface="Courier"/>
+                <a:cs typeface="Courier"/>
+              </a:rPr>
+              <a:t>({</a:t>
+            </a:r>
+          </a:p>
+          <a:p>
+            <a:r>
+              <a:rPr lang="fr-FR" sz="1800" dirty="0">
+                <a:latin typeface="Courier"/>
+                <a:cs typeface="Courier"/>
+              </a:rPr>
+              <a:t>	</a:t>
+            </a:r>
+            <a:r>
+              <a:rPr lang="fr-FR" sz="1800" dirty="0" smtClean="0">
+                <a:latin typeface="Courier"/>
+                <a:cs typeface="Courier"/>
+              </a:rPr>
+              <a:t>	url</a:t>
+            </a:r>
+            <a:r>
+              <a:rPr lang="fr-FR" sz="1800" dirty="0">
+                <a:latin typeface="Courier"/>
+                <a:cs typeface="Courier"/>
+              </a:rPr>
+              <a:t>: '</a:t>
+            </a:r>
+            <a:r>
+              <a:rPr lang="fr-FR" sz="1800" dirty="0" err="1">
+                <a:latin typeface="Courier"/>
+                <a:cs typeface="Courier"/>
+              </a:rPr>
+              <a:t>Order.cfm</a:t>
+            </a:r>
+            <a:r>
+              <a:rPr lang="fr-FR" sz="1800" dirty="0">
+                <a:latin typeface="Courier"/>
+                <a:cs typeface="Courier"/>
+              </a:rPr>
+              <a:t>',</a:t>
+            </a:r>
+          </a:p>
+          <a:p>
+            <a:r>
+              <a:rPr lang="fr-FR" sz="1800" dirty="0">
+                <a:latin typeface="Courier"/>
+                <a:cs typeface="Courier"/>
+              </a:rPr>
+              <a:t>		</a:t>
+            </a:r>
+            <a:r>
+              <a:rPr lang="fr-FR" sz="1800" dirty="0" err="1" smtClean="0">
+                <a:latin typeface="Courier"/>
+                <a:cs typeface="Courier"/>
+              </a:rPr>
+              <a:t>success</a:t>
+            </a:r>
+            <a:r>
+              <a:rPr lang="fr-FR" sz="1800" dirty="0">
+                <a:latin typeface="Courier"/>
+                <a:cs typeface="Courier"/>
+              </a:rPr>
+              <a:t>: </a:t>
+            </a:r>
+            <a:r>
+              <a:rPr lang="fr-FR" sz="1800" dirty="0" err="1">
+                <a:latin typeface="Courier"/>
+                <a:cs typeface="Courier"/>
+              </a:rPr>
+              <a:t>function</a:t>
+            </a:r>
+            <a:r>
+              <a:rPr lang="fr-FR" sz="1800" dirty="0">
+                <a:latin typeface="Courier"/>
+                <a:cs typeface="Courier"/>
+              </a:rPr>
+              <a:t>(</a:t>
+            </a:r>
+            <a:r>
+              <a:rPr lang="fr-FR" sz="1800" dirty="0" err="1">
+                <a:latin typeface="Courier"/>
+                <a:cs typeface="Courier"/>
+              </a:rPr>
+              <a:t>response</a:t>
+            </a:r>
+            <a:r>
+              <a:rPr lang="fr-FR" sz="1800" dirty="0">
+                <a:latin typeface="Courier"/>
+                <a:cs typeface="Courier"/>
+              </a:rPr>
+              <a:t>, </a:t>
+            </a:r>
+            <a:r>
+              <a:rPr lang="fr-FR" sz="1800" dirty="0" err="1">
+                <a:latin typeface="Courier"/>
+                <a:cs typeface="Courier"/>
+              </a:rPr>
+              <a:t>opts</a:t>
+            </a:r>
+            <a:r>
+              <a:rPr lang="fr-FR" sz="1800" dirty="0">
+                <a:latin typeface="Courier"/>
+                <a:cs typeface="Courier"/>
+              </a:rPr>
+              <a:t>) {</a:t>
+            </a:r>
+          </a:p>
+          <a:p>
+            <a:r>
+              <a:rPr lang="fr-FR" sz="1800" dirty="0" smtClean="0">
+                <a:latin typeface="Courier"/>
+                <a:cs typeface="Courier"/>
+              </a:rPr>
+              <a:t>	</a:t>
+            </a:r>
+            <a:r>
+              <a:rPr lang="fr-FR" sz="1800" dirty="0">
+                <a:latin typeface="Courier"/>
+                <a:cs typeface="Courier"/>
+              </a:rPr>
+              <a:t>		</a:t>
+            </a:r>
+            <a:r>
+              <a:rPr lang="fr-FR" sz="1800" dirty="0" smtClean="0">
+                <a:latin typeface="Courier"/>
+                <a:cs typeface="Courier"/>
+              </a:rPr>
+              <a:t>/</a:t>
+            </a:r>
+            <a:r>
+              <a:rPr lang="fr-FR" sz="1800" dirty="0">
+                <a:latin typeface="Courier"/>
+                <a:cs typeface="Courier"/>
+              </a:rPr>
+              <a:t>/ </a:t>
+            </a:r>
+            <a:r>
+              <a:rPr lang="fr-FR" sz="1800" dirty="0" err="1">
+                <a:latin typeface="Courier"/>
+                <a:cs typeface="Courier"/>
+              </a:rPr>
+              <a:t>redirect</a:t>
+            </a:r>
+            <a:r>
+              <a:rPr lang="fr-FR" sz="1800" dirty="0">
+                <a:latin typeface="Courier"/>
+                <a:cs typeface="Courier"/>
+              </a:rPr>
+              <a:t> to </a:t>
+            </a:r>
+            <a:r>
+              <a:rPr lang="fr-FR" sz="1800" dirty="0" err="1">
+                <a:latin typeface="Courier"/>
+                <a:cs typeface="Courier"/>
+              </a:rPr>
+              <a:t>PayPal</a:t>
+            </a:r>
+            <a:r>
+              <a:rPr lang="fr-FR" sz="1800" dirty="0">
+                <a:latin typeface="Courier"/>
+                <a:cs typeface="Courier"/>
+              </a:rPr>
+              <a:t> </a:t>
+            </a:r>
+            <a:r>
+              <a:rPr lang="fr-FR" sz="1800" dirty="0" err="1">
+                <a:latin typeface="Courier"/>
+                <a:cs typeface="Courier"/>
+              </a:rPr>
+              <a:t>with</a:t>
+            </a:r>
+            <a:r>
+              <a:rPr lang="fr-FR" sz="1800" dirty="0">
+                <a:latin typeface="Courier"/>
+                <a:cs typeface="Courier"/>
+              </a:rPr>
+              <a:t> </a:t>
+            </a:r>
+            <a:r>
+              <a:rPr lang="fr-FR" sz="1800" dirty="0" err="1">
+                <a:latin typeface="Courier"/>
+                <a:cs typeface="Courier"/>
+              </a:rPr>
+              <a:t>Token</a:t>
+            </a:r>
+            <a:endParaRPr lang="fr-FR" sz="1800" dirty="0">
+              <a:latin typeface="Courier"/>
+              <a:cs typeface="Courier"/>
+            </a:endParaRPr>
+          </a:p>
+          <a:p>
+            <a:r>
+              <a:rPr lang="fr-FR" sz="1800" dirty="0" smtClean="0">
+                <a:latin typeface="Courier"/>
+                <a:cs typeface="Courier"/>
+              </a:rPr>
+              <a:t>	</a:t>
+            </a:r>
+            <a:r>
+              <a:rPr lang="fr-FR" sz="1800" dirty="0">
+                <a:latin typeface="Courier"/>
+                <a:cs typeface="Courier"/>
+              </a:rPr>
+              <a:t>		</a:t>
+            </a:r>
+            <a:r>
+              <a:rPr lang="fr-FR" sz="1800" dirty="0" err="1" smtClean="0">
+                <a:latin typeface="Courier"/>
+                <a:cs typeface="Courier"/>
+              </a:rPr>
+              <a:t>window.location.href</a:t>
+            </a:r>
+            <a:r>
+              <a:rPr lang="fr-FR" sz="1800" dirty="0" smtClean="0">
+                <a:latin typeface="Courier"/>
+                <a:cs typeface="Courier"/>
+              </a:rPr>
+              <a:t> </a:t>
+            </a:r>
+            <a:r>
+              <a:rPr lang="fr-FR" sz="1800" dirty="0">
+                <a:latin typeface="Courier"/>
+                <a:cs typeface="Courier"/>
+              </a:rPr>
+              <a:t>= </a:t>
+            </a:r>
+            <a:r>
+              <a:rPr lang="fr-FR" sz="1800" dirty="0" err="1">
+                <a:latin typeface="Courier"/>
+                <a:cs typeface="Courier"/>
+              </a:rPr>
+              <a:t>response.responseText</a:t>
+            </a:r>
+            <a:r>
+              <a:rPr lang="fr-FR" sz="1800" dirty="0">
+                <a:latin typeface="Courier"/>
+                <a:cs typeface="Courier"/>
+              </a:rPr>
+              <a:t>;</a:t>
+            </a:r>
+          </a:p>
+          <a:p>
+            <a:r>
+              <a:rPr lang="fr-FR" sz="1800" dirty="0">
+                <a:latin typeface="Courier"/>
+                <a:cs typeface="Courier"/>
+              </a:rPr>
+              <a:t>		</a:t>
+            </a:r>
+            <a:r>
+              <a:rPr lang="fr-FR" sz="1800" dirty="0" smtClean="0">
+                <a:latin typeface="Courier"/>
+                <a:cs typeface="Courier"/>
+              </a:rPr>
+              <a:t>}</a:t>
+            </a:r>
+            <a:endParaRPr lang="fr-FR" sz="1800" dirty="0">
+              <a:latin typeface="Courier"/>
+              <a:cs typeface="Courier"/>
+            </a:endParaRPr>
+          </a:p>
+          <a:p>
+            <a:r>
+              <a:rPr lang="fr-FR" sz="1800" dirty="0">
+                <a:latin typeface="Courier"/>
+                <a:cs typeface="Courier"/>
+              </a:rPr>
+              <a:t>	</a:t>
+            </a:r>
+            <a:r>
+              <a:rPr lang="fr-FR" sz="1800" dirty="0" smtClean="0">
+                <a:latin typeface="Courier"/>
+                <a:cs typeface="Courier"/>
+              </a:rPr>
+              <a:t>}</a:t>
+            </a:r>
+            <a:r>
+              <a:rPr lang="fr-FR" sz="1800" dirty="0">
+                <a:latin typeface="Courier"/>
+                <a:cs typeface="Courier"/>
+              </a:rPr>
+              <a:t>);</a:t>
+            </a:r>
+          </a:p>
+          <a:p>
+            <a:r>
+              <a:rPr lang="fr-FR" sz="1800" dirty="0" smtClean="0">
+                <a:latin typeface="Courier"/>
+                <a:cs typeface="Courier"/>
+              </a:rPr>
+              <a:t>}</a:t>
+            </a:r>
+            <a:r>
+              <a:rPr lang="fr-FR" sz="1800" dirty="0">
+                <a:latin typeface="Courier"/>
+                <a:cs typeface="Courier"/>
+              </a:rPr>
+              <a:t>;</a:t>
+            </a:r>
+            <a:endParaRPr lang="en-US" sz="1800" dirty="0">
+              <a:latin typeface="Courier"/>
+              <a:cs typeface="Courier"/>
+            </a:endParaRPr>
+          </a:p>
+          <a:p>
+            <a:pPr lvl="1">
+              <a:buFont typeface="Arial" pitchFamily="34" charset="0"/>
               <a:buChar char="•"/>
             </a:pPr>
-            <a:r>
-              <a:rPr lang="en-US" sz="1800" dirty="0" smtClean="0"/>
-              <a:t>Java</a:t>
-            </a:r>
-          </a:p>
-          <a:p>
-            <a:pPr marL="2627313" indent="-285750">
-              <a:buFont typeface="Arial"/>
-              <a:buChar char="•"/>
-            </a:pPr>
-            <a:r>
-              <a:rPr lang="en-US" sz="1800" dirty="0" smtClean="0"/>
-              <a:t>ASP.NET</a:t>
-            </a:r>
-          </a:p>
-          <a:p>
-            <a:pPr marL="2627313" indent="-285750">
-              <a:buFont typeface="Arial"/>
-              <a:buChar char="•"/>
-            </a:pPr>
-            <a:r>
-              <a:rPr lang="en-US" sz="1800" dirty="0" smtClean="0"/>
-              <a:t>Ruby</a:t>
-            </a:r>
-          </a:p>
-          <a:p>
-            <a:pPr marL="2627313" indent="-285750">
-              <a:buFont typeface="Arial"/>
-              <a:buChar char="•"/>
-            </a:pPr>
-            <a:r>
-              <a:rPr lang="en-US" sz="1800" dirty="0" smtClean="0"/>
-              <a:t>ColdFusion</a:t>
-            </a:r>
-          </a:p>
-          <a:p>
-            <a:pPr marL="2627313" indent="-285750">
-              <a:buFont typeface="Arial"/>
-              <a:buChar char="•"/>
-            </a:pPr>
-            <a:r>
-              <a:rPr lang="en-US" sz="1800" dirty="0" smtClean="0"/>
-              <a:t>PHP</a:t>
-            </a:r>
-          </a:p>
-          <a:p>
-            <a:pPr marL="2627313" indent="-285750">
-              <a:buFont typeface="Arial"/>
-              <a:buChar char="•"/>
-            </a:pPr>
-            <a:r>
-              <a:rPr lang="en-US" sz="1800" dirty="0" smtClean="0"/>
-              <a:t>Classic ASP</a:t>
-            </a:r>
-            <a:endParaRPr lang="en-US" sz="1800" dirty="0" smtClean="0"/>
-          </a:p>
-        </p:txBody>
-      </p:sp>
-      <p:sp>
-        <p:nvSpPr>
-          <p:cNvPr id="4" name="Footer Placeholder 3"/>
-          <p:cNvSpPr>
-            <a:spLocks noGrp="1"/>
-          </p:cNvSpPr>
-          <p:nvPr>
-            <p:ph type="ftr" sz="quarter" idx="11"/>
+            <a:endParaRPr lang="en-US" dirty="0" smtClean="0">
+              <a:latin typeface="Courier"/>
+              <a:cs typeface="Courier"/>
+            </a:endParaRPr>
+          </a:p>
+        </p:txBody>
+      </p:sp>
+      <p:sp>
+        <p:nvSpPr>
+          <p:cNvPr id="4" name="Date Placeholder 3"/>
+          <p:cNvSpPr>
+            <a:spLocks noGrp="1"/>
+          </p:cNvSpPr>
+          <p:nvPr>
+            <p:ph type="dt" sz="half" idx="10"/>
           </p:nvPr>
         </p:nvSpPr>
         <p:spPr/>
@@ -23198,106 +23921,40 @@
           <a:bodyPr/>
           <a:lstStyle/>
           <a:p>
+            <a:fld id="{3D086FE5-AB69-7143-9DB8-A7A7CCD246B3}" type="datetime1">
+              <a:rPr lang="en-US" smtClean="0"/>
+              <a:t>3/31/11</a:t>
+            </a:fld>
+            <a:endParaRPr lang="en-US"/>
+          </a:p>
+        </p:txBody>
+      </p:sp>
+      <p:sp>
+        <p:nvSpPr>
+          <p:cNvPr id="5" name="Footer Placeholder 4"/>
+          <p:cNvSpPr>
+            <a:spLocks noGrp="1"/>
+          </p:cNvSpPr>
+          <p:nvPr>
+            <p:ph type="ftr" sz="quarter" idx="11"/>
+          </p:nvPr>
+        </p:nvSpPr>
+        <p:spPr/>
+        <p:txBody>
+          <a:bodyPr/>
+          <a:lstStyle/>
+          <a:p>
             <a:r>
               <a:rPr lang="en-US" smtClean="0"/>
               <a:t>Sencha Touch BYOL Workshop</a:t>
             </a:r>
-            <a:endParaRPr lang="en-US" dirty="0"/>
-          </a:p>
-        </p:txBody>
-      </p:sp>
-      <p:sp>
-        <p:nvSpPr>
-          <p:cNvPr id="9" name="Title 8"/>
-          <p:cNvSpPr>
-            <a:spLocks noGrp="1"/>
-          </p:cNvSpPr>
-          <p:nvPr>
-            <p:ph type="title"/>
-          </p:nvPr>
-        </p:nvSpPr>
-        <p:spPr/>
-        <p:txBody>
-          <a:bodyPr/>
-          <a:lstStyle/>
-          <a:p>
-            <a:r>
-              <a:rPr lang="en-US" dirty="0" smtClean="0"/>
-              <a:t>Get Express Checkout server-side code</a:t>
-            </a:r>
-            <a:endParaRPr lang="en-US" dirty="0"/>
-          </a:p>
-        </p:txBody>
-      </p:sp>
-      <p:sp>
-        <p:nvSpPr>
-          <p:cNvPr id="10" name="Text Placeholder 9"/>
-          <p:cNvSpPr>
-            <a:spLocks noGrp="1"/>
-          </p:cNvSpPr>
-          <p:nvPr>
-            <p:ph type="body" sz="quarter" idx="14"/>
-          </p:nvPr>
-        </p:nvSpPr>
-        <p:spPr/>
-        <p:txBody>
-          <a:bodyPr/>
-          <a:lstStyle/>
-          <a:p>
-            <a:r>
-              <a:rPr lang="en-US" dirty="0" err="1" smtClean="0"/>
-              <a:t>x.com</a:t>
-            </a:r>
-            <a:r>
-              <a:rPr lang="en-US" dirty="0" smtClean="0"/>
-              <a:t> </a:t>
-            </a:r>
-            <a:r>
-              <a:rPr lang="en-US" dirty="0"/>
-              <a:t>&gt;&gt; </a:t>
-            </a:r>
-            <a:r>
-              <a:rPr lang="en-US" dirty="0" smtClean="0"/>
-              <a:t>Under “</a:t>
-            </a:r>
-            <a:r>
-              <a:rPr lang="en-US" dirty="0" err="1" smtClean="0"/>
-              <a:t>DevTools</a:t>
-            </a:r>
-            <a:r>
-              <a:rPr lang="en-US" dirty="0" smtClean="0"/>
-              <a:t>” &gt;&gt; SDKs</a:t>
-            </a:r>
-            <a:endParaRPr lang="en-US" dirty="0" smtClean="0"/>
-          </a:p>
-        </p:txBody>
-      </p:sp>
-      <p:sp>
-        <p:nvSpPr>
-          <p:cNvPr id="3" name="Date Placeholder 2"/>
-          <p:cNvSpPr>
-            <a:spLocks noGrp="1"/>
-          </p:cNvSpPr>
-          <p:nvPr>
-            <p:ph type="dt" sz="half" idx="10"/>
-          </p:nvPr>
-        </p:nvSpPr>
-        <p:spPr/>
-        <p:txBody>
-          <a:bodyPr/>
-          <a:lstStyle/>
-          <a:p>
-            <a:fld id="{7D22BAEA-C64F-D24B-A5F8-4FF5D4AAE7C0}" type="datetime1">
-              <a:rPr lang="en-US" smtClean="0"/>
-              <a:t>3/30/11</a:t>
-            </a:fld>
             <a:endParaRPr lang="en-US"/>
           </a:p>
         </p:txBody>
       </p:sp>
       <p:sp>
         <p:nvSpPr>
-          <p:cNvPr id="5" name="Slide Number Placeholder 4"/>
+          <p:cNvPr id="6" name="Slide Number Placeholder 5"/>
           <p:cNvSpPr>
             <a:spLocks noGrp="1"/>
           </p:cNvSpPr>
@@ -23315,93 +23972,14 @@
               <a:pPr/>
               <a:t>6</a:t>
             </a:fld>
-            <a:endParaRPr lang="en-US" dirty="0"/>
-          </a:p>
-        </p:txBody>
-      </p:sp>
-      <p:pic>
-        <p:nvPicPr>
-          <p:cNvPr id="2" name="Picture Placeholder 1"/>
-          <p:cNvPicPr>
-            <a:picLocks noGrp="1" noChangeAspect="1"/>
-          </p:cNvPicPr>
-          <p:nvPr>
-            <p:ph type="pic" sz="quarter" idx="17"/>
-          </p:nvPr>
-        </p:nvPicPr>
-        <p:blipFill>
-          <a:blip r:embed="rId2">
-            <a:extLst>
-              <a:ext uri="{28A0092B-C50C-407E-A947-70E740481C1C}">
-                <a14:useLocalDpi xmlns:a14="http://schemas.microsoft.com/office/drawing/2010/main" val="0"/>
-              </a:ext>
-            </a:extLst>
-          </a:blip>
-          <a:stretch>
-            <a:fillRect/>
-          </a:stretch>
-        </p:blipFill>
-        <p:spPr>
-          <a:xfrm>
-            <a:off x="400749" y="2542424"/>
-            <a:ext cx="4169664" cy="1529312"/>
-          </a:xfrm>
-        </p:spPr>
-      </p:pic>
-      <p:sp>
-        <p:nvSpPr>
-          <p:cNvPr id="12" name="TextBox 11"/>
-          <p:cNvSpPr txBox="1"/>
-          <p:nvPr/>
-        </p:nvSpPr>
-        <p:spPr>
-          <a:xfrm>
-            <a:off x="1933480" y="4499661"/>
-            <a:ext cx="7210520" cy="369332"/>
-          </a:xfrm>
-          <a:prstGeom prst="rect">
-            <a:avLst/>
-          </a:prstGeom>
-          <a:noFill/>
-        </p:spPr>
-        <p:txBody>
-          <a:bodyPr wrap="square" rtlCol="0">
-            <a:spAutoFit/>
-          </a:bodyPr>
-          <a:lstStyle/>
-          <a:p>
-            <a:r>
-              <a:rPr lang="en-US" b="1" dirty="0"/>
-              <a:t>https://</a:t>
-            </a:r>
-            <a:r>
-              <a:rPr lang="en-US" b="1" dirty="0" err="1"/>
-              <a:t>www.x.com</a:t>
-            </a:r>
-            <a:r>
-              <a:rPr lang="en-US" b="1" dirty="0"/>
-              <a:t>/community/</a:t>
-            </a:r>
-            <a:r>
-              <a:rPr lang="en-US" b="1" dirty="0" err="1"/>
-              <a:t>ppx</a:t>
-            </a:r>
-            <a:r>
-              <a:rPr lang="en-US" b="1" dirty="0"/>
-              <a:t>/</a:t>
-            </a:r>
-            <a:r>
-              <a:rPr lang="en-US" b="1" dirty="0" err="1"/>
-              <a:t>sdks#NVP</a:t>
-            </a:r>
-            <a:endParaRPr lang="en-US" b="1" dirty="0"/>
+            <a:endParaRPr lang="en-US"/>
           </a:p>
         </p:txBody>
       </p:sp>
     </p:spTree>
     <p:extLst>
       <p:ext uri="{BB962C8B-B14F-4D97-AF65-F5344CB8AC3E}">
-        <p14:creationId xmlns:p14="http://schemas.microsoft.com/office/powerpoint/2010/main" val="2827251453"/>
+        <p14:creationId xmlns:p14="http://schemas.microsoft.com/office/powerpoint/2010/main" val="3060600757"/>
       </p:ext>
     </p:extLst>
   </p:cSld>
@@ -23454,20 +24032,8 @@
           <a:lstStyle/>
           <a:p>
             <a:r>
-              <a:rPr lang="en-US" dirty="0" err="1" smtClean="0"/>
-              <a:t>ReviewOrder</a:t>
-            </a:r>
-            <a:r>
-              <a:rPr lang="en-US" dirty="0" smtClean="0"/>
-              <a:t> &gt;&gt; </a:t>
-            </a:r>
-            <a:r>
-              <a:rPr lang="en-US" dirty="0" err="1" smtClean="0"/>
-              <a:t>Order.cfm</a:t>
-            </a:r>
-            <a:r>
-              <a:rPr lang="en-US" dirty="0" smtClean="0"/>
-              <a:t> on Server</a:t>
+              <a:rPr lang="en-US" dirty="0" smtClean="0"/>
+              <a:t>How to use PayPal Sandbox</a:t>
             </a:r>
             <a:endParaRPr lang="en-US" dirty="0"/>
           </a:p>
@@ -23475,12 +24041,12 @@
       </p:sp>
       <p:sp>
         <p:nvSpPr>
-          <p:cNvPr id="4" name="Date Placeholder 3"/>
-          <p:cNvSpPr>
-            <a:spLocks noGrp="1"/>
-          </p:cNvSpPr>
-          <p:nvPr>
-            <p:ph type="dt" sz="half" idx="10"/>
+          <p:cNvPr id="3" name="Content Placeholder 2"/>
+          <p:cNvSpPr>
+            <a:spLocks noGrp="1"/>
+          </p:cNvSpPr>
+          <p:nvPr>
+            <p:ph idx="1"/>
           </p:nvPr>
         </p:nvSpPr>
         <p:spPr/>
@@ -23488,9 +24054,132 @@
           <a:bodyPr/>
           <a:lstStyle/>
           <a:p>
-            <a:fld id="{FE0B9DFF-577E-9C45-BBBA-9E92D1A5A024}" type="datetime1">
+            <a:r>
+              <a:rPr lang="en-US" dirty="0" smtClean="0"/>
+              <a:t>Signup</a:t>
+            </a:r>
+          </a:p>
+          <a:p>
+            <a:pPr lvl="1">
+              <a:buFont typeface="Arial" pitchFamily="34" charset="0"/>
+              <a:buChar char="•"/>
+            </a:pPr>
+            <a:r>
+              <a:rPr lang="en-US" dirty="0" err="1" smtClean="0"/>
+              <a:t>developer.paypal.com</a:t>
+            </a:r>
+            <a:endParaRPr lang="en-US" dirty="0" smtClean="0"/>
+          </a:p>
+          <a:p>
+            <a:pPr lvl="1">
+              <a:buFont typeface="Arial" pitchFamily="34" charset="0"/>
+              <a:buChar char="•"/>
+            </a:pPr>
+            <a:endParaRPr lang="en-US" dirty="0"/>
+          </a:p>
+          <a:p>
+            <a:r>
+              <a:rPr lang="en-US" dirty="0" smtClean="0"/>
+              <a:t>Create Test Accounts</a:t>
+            </a:r>
+            <a:endParaRPr lang="en-US" dirty="0"/>
+          </a:p>
+          <a:p>
+            <a:pPr lvl="1">
+              <a:buFont typeface="Arial" pitchFamily="34" charset="0"/>
+              <a:buChar char="•"/>
+            </a:pPr>
+            <a:r>
+              <a:rPr lang="en-US" dirty="0" smtClean="0"/>
+              <a:t>Seller, Buyer</a:t>
+            </a:r>
+          </a:p>
+          <a:p>
+            <a:pPr lvl="1">
+              <a:buFont typeface="Arial" pitchFamily="34" charset="0"/>
+              <a:buChar char="•"/>
+            </a:pPr>
+            <a:endParaRPr lang="en-US" dirty="0"/>
+          </a:p>
+          <a:p>
+            <a:r>
+              <a:rPr lang="en-US" dirty="0" smtClean="0"/>
+              <a:t>Get API Credentials</a:t>
+            </a:r>
+            <a:endParaRPr lang="en-US" dirty="0"/>
+          </a:p>
+          <a:p>
+            <a:pPr lvl="1">
+              <a:buFont typeface="Arial" pitchFamily="34" charset="0"/>
+              <a:buChar char="•"/>
+            </a:pPr>
+            <a:r>
+              <a:rPr lang="en-US" dirty="0" smtClean="0"/>
+              <a:t>API username</a:t>
+            </a:r>
+          </a:p>
+          <a:p>
+            <a:pPr lvl="1">
+              <a:buFont typeface="Arial" pitchFamily="34" charset="0"/>
+              <a:buChar char="•"/>
+            </a:pPr>
+            <a:r>
+              <a:rPr lang="en-US" dirty="0" smtClean="0"/>
+              <a:t>API password</a:t>
+            </a:r>
+          </a:p>
+          <a:p>
+            <a:pPr lvl="1">
+              <a:buFont typeface="Arial" pitchFamily="34" charset="0"/>
+              <a:buChar char="•"/>
+            </a:pPr>
+            <a:r>
+              <a:rPr lang="en-US" dirty="0" smtClean="0"/>
+              <a:t>Signature</a:t>
+            </a:r>
+            <a:endParaRPr lang="en-US" dirty="0"/>
+          </a:p>
+          <a:p>
+            <a:pPr lvl="1">
+              <a:buFont typeface="Arial" pitchFamily="34" charset="0"/>
+              <a:buChar char="•"/>
+            </a:pPr>
+            <a:endParaRPr lang="en-US" dirty="0"/>
+          </a:p>
+          <a:p>
+            <a:pPr lvl="1">
+              <a:buFont typeface="Arial" pitchFamily="34" charset="0"/>
+              <a:buChar char="•"/>
+            </a:pPr>
+            <a:endParaRPr lang="en-US" dirty="0" smtClean="0"/>
+          </a:p>
+          <a:p>
+            <a:pPr lvl="1">
+              <a:buFont typeface="Arial" pitchFamily="34" charset="0"/>
+              <a:buChar char="•"/>
+            </a:pPr>
+            <a:endParaRPr lang="en-US" dirty="0" smtClean="0"/>
+          </a:p>
+        </p:txBody>
+      </p:sp>
+      <p:sp>
+        <p:nvSpPr>
+          <p:cNvPr id="4" name="Date Placeholder 3"/>
+          <p:cNvSpPr>
+            <a:spLocks noGrp="1"/>
+          </p:cNvSpPr>
+          <p:nvPr>
+            <p:ph type="dt" sz="half" idx="10"/>
+          </p:nvPr>
+        </p:nvSpPr>
+        <p:spPr/>
+        <p:txBody>
+          <a:bodyPr/>
+          <a:lstStyle/>
+          <a:p>
+            <a:fld id="{B9F05405-D534-5247-A084-19FAD97E7569}" type="datetime1">
               <a:rPr lang="en-US" smtClean="0"/>
-              <a:t>3/30/11</a:t>
+              <a:t>3/31/11</a:t>
             </a:fld>
             <a:endParaRPr lang="en-US"/>
           </a:p>
@@ -23512,10 +24201,14 @@
           <a:lstStyle/>
           <a:p>
             <a:r>
-              <a:rPr lang="en-US" smtClean="0"/>
-              <a:t>Sencha Touch BYOL Workshop</a:t>
-            </a:r>
-            <a:endParaRPr lang="en-US"/>
+              <a:rPr lang="en-US" dirty="0" err="1" smtClean="0"/>
+              <a:t>Sencha</a:t>
+            </a:r>
+            <a:r>
+              <a:rPr lang="en-US" dirty="0" smtClean="0"/>
+              <a:t> Touch BYOL Workshop</a:t>
+            </a:r>
+            <a:endParaRPr lang="en-US" dirty="0"/>
           </a:p>
         </p:txBody>
       </p:sp>
@@ -23543,148 +24236,10 @@
           </a:p>
         </p:txBody>
       </p:sp>
-      <p:sp>
-        <p:nvSpPr>
-          <p:cNvPr id="10" name="Content Placeholder 2"/>
-          <p:cNvSpPr>
-            <a:spLocks noGrp="1"/>
-          </p:cNvSpPr>
-          <p:nvPr>
-            <p:ph idx="1"/>
-          </p:nvPr>
-        </p:nvSpPr>
-        <p:spPr>
-          <a:xfrm>
-            <a:off x="152400" y="1485900"/>
-            <a:ext cx="8877300" cy="4525963"/>
-          </a:xfrm>
-        </p:spPr>
-        <p:txBody>
-          <a:bodyPr/>
-          <a:lstStyle/>
-          <a:p>
-            <a:r>
-              <a:rPr lang="en-US" dirty="0" smtClean="0"/>
-              <a:t>Add API </a:t>
-            </a:r>
-            <a:r>
-              <a:rPr lang="en-US" dirty="0" smtClean="0"/>
-              <a:t>Credentials</a:t>
-            </a:r>
-            <a:endParaRPr lang="en-US" dirty="0"/>
-          </a:p>
-          <a:p>
-            <a:pPr lvl="1">
-              <a:buFont typeface="Arial" pitchFamily="34" charset="0"/>
-              <a:buChar char="•"/>
-            </a:pPr>
-            <a:r>
-              <a:rPr lang="en-US" dirty="0" smtClean="0"/>
-              <a:t>API username</a:t>
-            </a:r>
-          </a:p>
-          <a:p>
-            <a:pPr lvl="1">
-              <a:buFont typeface="Arial" pitchFamily="34" charset="0"/>
-              <a:buChar char="•"/>
-            </a:pPr>
-            <a:r>
-              <a:rPr lang="en-US" dirty="0" smtClean="0"/>
-              <a:t>API password</a:t>
-            </a:r>
-          </a:p>
-          <a:p>
-            <a:pPr lvl="1">
-              <a:buFont typeface="Arial" pitchFamily="34" charset="0"/>
-              <a:buChar char="•"/>
-            </a:pPr>
-            <a:r>
-              <a:rPr lang="en-US" dirty="0" smtClean="0"/>
-              <a:t>Signature</a:t>
-            </a:r>
-            <a:endParaRPr lang="en-US" dirty="0"/>
-          </a:p>
-          <a:p>
-            <a:pPr lvl="1">
-              <a:buFont typeface="Arial" pitchFamily="34" charset="0"/>
-              <a:buChar char="•"/>
-            </a:pPr>
-            <a:endParaRPr lang="en-US" b="1" dirty="0" smtClean="0"/>
-          </a:p>
-          <a:p>
-            <a:pPr marL="3175" lvl="1" indent="0">
-              <a:buNone/>
-            </a:pPr>
-            <a:r>
-              <a:rPr lang="en-US" b="1" dirty="0" smtClean="0"/>
-              <a:t>Set Method, </a:t>
-            </a:r>
-            <a:r>
-              <a:rPr lang="en-US" b="1" dirty="0" err="1" smtClean="0"/>
-              <a:t>PaymentAction</a:t>
-            </a:r>
-            <a:r>
-              <a:rPr lang="en-US" b="1" dirty="0" smtClean="0"/>
-              <a:t>, &amp; Version</a:t>
-            </a:r>
-          </a:p>
-          <a:p>
-            <a:pPr marL="3175" lvl="1" indent="0">
-              <a:buNone/>
-            </a:pPr>
-            <a:endParaRPr lang="en-US" b="1" dirty="0"/>
-          </a:p>
-          <a:p>
-            <a:pPr marL="3175" lvl="1" indent="0">
-              <a:buNone/>
-            </a:pPr>
-            <a:r>
-              <a:rPr lang="en-US" b="1" dirty="0" smtClean="0"/>
-              <a:t>Change the redirect to just return the URL</a:t>
-            </a:r>
-          </a:p>
-          <a:p>
-            <a:pPr marL="3175" lvl="1" indent="0">
-              <a:buNone/>
-            </a:pPr>
-            <a:endParaRPr lang="en-US" b="1" dirty="0"/>
-          </a:p>
-          <a:p>
-            <a:pPr marL="3175" lvl="1" indent="0">
-              <a:buNone/>
-            </a:pPr>
-            <a:r>
-              <a:rPr lang="en-US" b="1" dirty="0" smtClean="0"/>
-              <a:t>Let’s review the code</a:t>
-            </a:r>
-            <a:endParaRPr lang="en-US" b="1" dirty="0"/>
-          </a:p>
-          <a:p>
-            <a:pPr marL="3175" lvl="1" indent="0">
-              <a:buNone/>
-            </a:pPr>
-            <a:endParaRPr lang="en-US" dirty="0"/>
-          </a:p>
-          <a:p>
-            <a:pPr lvl="1">
-              <a:buFont typeface="Arial" pitchFamily="34" charset="0"/>
-              <a:buChar char="•"/>
-            </a:pPr>
-            <a:endParaRPr lang="en-US" dirty="0" smtClean="0"/>
-          </a:p>
-          <a:p>
-            <a:pPr lvl="1">
-              <a:buFont typeface="Arial" pitchFamily="34" charset="0"/>
-              <a:buChar char="•"/>
-            </a:pPr>
-            <a:endParaRPr lang="en-US" dirty="0" smtClean="0"/>
-          </a:p>
-        </p:txBody>
-      </p:sp>
     </p:spTree>
     <p:extLst>
       <p:ext uri="{BB962C8B-B14F-4D97-AF65-F5344CB8AC3E}">
-        <p14:creationId xmlns:p14="http://schemas.microsoft.com/office/powerpoint/2010/main" val="3156770728"/>
+        <p14:creationId xmlns:p14="http://schemas.microsoft.com/office/powerpoint/2010/main" val="866745885"/>
       </p:ext>
     </p:extLst>
   </p:cSld>
@@ -23723,12 +24278,96 @@
       </p:grpSpPr>
       <p:sp>
         <p:nvSpPr>
-          <p:cNvPr id="2" name="Title 1"/>
-          <p:cNvSpPr>
-            <a:spLocks noGrp="1"/>
-          </p:cNvSpPr>
-          <p:nvPr>
-            <p:ph type="title"/>
+          <p:cNvPr id="11" name="Content Placeholder 10"/>
+          <p:cNvSpPr>
+            <a:spLocks noGrp="1"/>
+          </p:cNvSpPr>
+          <p:nvPr>
+            <p:ph idx="16"/>
+          </p:nvPr>
+        </p:nvSpPr>
+        <p:spPr/>
+        <p:txBody>
+          <a:bodyPr>
+            <a:normAutofit fontScale="92500" lnSpcReduction="10000"/>
+          </a:bodyPr>
+          <a:lstStyle/>
+          <a:p>
+            <a:r>
+              <a:rPr lang="en-US" sz="1800" dirty="0" smtClean="0"/>
+              <a:t>Code available for </a:t>
+            </a:r>
+          </a:p>
+          <a:p>
+            <a:pPr marL="2627313" indent="-285750">
+              <a:buFont typeface="Arial"/>
+              <a:buChar char="•"/>
+            </a:pPr>
+            <a:r>
+              <a:rPr lang="en-US" sz="1800" dirty="0" smtClean="0"/>
+              <a:t>Java</a:t>
+            </a:r>
+          </a:p>
+          <a:p>
+            <a:pPr marL="2627313" indent="-285750">
+              <a:buFont typeface="Arial"/>
+              <a:buChar char="•"/>
+            </a:pPr>
+            <a:r>
+              <a:rPr lang="en-US" sz="1800" dirty="0" smtClean="0"/>
+              <a:t>ASP.NET</a:t>
+            </a:r>
+          </a:p>
+          <a:p>
+            <a:pPr marL="2627313" indent="-285750">
+              <a:buFont typeface="Arial"/>
+              <a:buChar char="•"/>
+            </a:pPr>
+            <a:r>
+              <a:rPr lang="en-US" sz="1800" dirty="0" smtClean="0"/>
+              <a:t>Ruby</a:t>
+            </a:r>
+          </a:p>
+          <a:p>
+            <a:pPr marL="2627313" indent="-285750">
+              <a:buFont typeface="Arial"/>
+              <a:buChar char="•"/>
+            </a:pPr>
+            <a:r>
+              <a:rPr lang="en-US" sz="1800" dirty="0" smtClean="0"/>
+              <a:t>ColdFusion</a:t>
+            </a:r>
+          </a:p>
+          <a:p>
+            <a:pPr marL="2627313" indent="-285750">
+              <a:buFont typeface="Arial"/>
+              <a:buChar char="•"/>
+            </a:pPr>
+            <a:r>
+              <a:rPr lang="en-US" sz="1800" dirty="0" smtClean="0"/>
+              <a:t>PHP</a:t>
+            </a:r>
+          </a:p>
+          <a:p>
+            <a:pPr marL="2627313" indent="-285750">
+              <a:buFont typeface="Arial"/>
+              <a:buChar char="•"/>
+            </a:pPr>
+            <a:r>
+              <a:rPr lang="en-US" sz="1800" dirty="0" smtClean="0"/>
+              <a:t>Classic ASP</a:t>
+            </a:r>
+          </a:p>
+        </p:txBody>
+      </p:sp>
+      <p:sp>
+        <p:nvSpPr>
+          <p:cNvPr id="4" name="Footer Placeholder 3"/>
+          <p:cNvSpPr>
+            <a:spLocks noGrp="1"/>
+          </p:cNvSpPr>
+          <p:nvPr>
+            <p:ph type="ftr" sz="quarter" idx="11"/>
           </p:nvPr>
         </p:nvSpPr>
         <p:spPr/>
@@ -23737,12 +24376,8 @@
           <a:lstStyle/>
           <a:p>
             <a:r>
-              <a:rPr lang="en-US" dirty="0" err="1" smtClean="0"/>
-              <a:t>Checkout.cfm</a:t>
-            </a:r>
-            <a:r>
-              <a:rPr lang="en-US" dirty="0" smtClean="0"/>
-              <a:t> on Server</a:t>
+              <a:rPr lang="en-US" smtClean="0"/>
+              <a:t>Sencha Touch BYOL Workshop</a:t>
             </a:r>
             <a:endParaRPr lang="en-US" dirty="0"/>
           </a:p>
@@ -23750,12 +24385,12 @@
       </p:sp>
       <p:sp>
         <p:nvSpPr>
-          <p:cNvPr id="4" name="Date Placeholder 3"/>
-          <p:cNvSpPr>
-            <a:spLocks noGrp="1"/>
-          </p:cNvSpPr>
-          <p:nvPr>
-            <p:ph type="dt" sz="half" idx="10"/>
+          <p:cNvPr id="9" name="Title 8"/>
+          <p:cNvSpPr>
+            <a:spLocks noGrp="1"/>
+          </p:cNvSpPr>
+          <p:nvPr>
+            <p:ph type="title"/>
           </p:nvPr>
         </p:nvSpPr>
         <p:spPr/>
@@ -23763,9 +24398,74 @@
           <a:bodyPr/>
           <a:lstStyle/>
           <a:p>
-            <a:fld id="{D6EF8E95-D1D2-F54A-A955-ED5416A540FB}" type="datetime1">
+            <a:r>
+              <a:rPr lang="en-US" dirty="0" smtClean="0"/>
+              <a:t>Get Express Checkout server-side code</a:t>
+            </a:r>
+            <a:endParaRPr lang="en-US" dirty="0"/>
+          </a:p>
+        </p:txBody>
+      </p:sp>
+      <p:sp>
+        <p:nvSpPr>
+          <p:cNvPr id="10" name="Text Placeholder 9"/>
+          <p:cNvSpPr>
+            <a:spLocks noGrp="1"/>
+          </p:cNvSpPr>
+          <p:nvPr>
+            <p:ph type="body" sz="quarter" idx="14"/>
+          </p:nvPr>
+        </p:nvSpPr>
+        <p:spPr/>
+        <p:txBody>
+          <a:bodyPr/>
+          <a:lstStyle/>
+          <a:p>
+            <a:r>
+              <a:rPr lang="en-US" dirty="0" err="1" smtClean="0"/>
+              <a:t>x.com</a:t>
+            </a:r>
+            <a:r>
+              <a:rPr lang="en-US" dirty="0" smtClean="0"/>
+              <a:t> </a:t>
+            </a:r>
+            <a:r>
+              <a:rPr lang="en-US" dirty="0"/>
+              <a:t>&gt;&gt; </a:t>
+            </a:r>
+            <a:r>
+              <a:rPr lang="en-US" dirty="0" smtClean="0"/>
+              <a:t>Under “</a:t>
+            </a:r>
+            <a:r>
+              <a:rPr lang="en-US" dirty="0" err="1" smtClean="0"/>
+              <a:t>DevTools</a:t>
+            </a:r>
+            <a:r>
+              <a:rPr lang="en-US" dirty="0" smtClean="0"/>
+              <a:t>” &gt;&gt; SDKs</a:t>
+            </a:r>
+          </a:p>
+        </p:txBody>
+      </p:sp>
+      <p:sp>
+        <p:nvSpPr>
+          <p:cNvPr id="3" name="Date Placeholder 2"/>
+          <p:cNvSpPr>
+            <a:spLocks noGrp="1"/>
+          </p:cNvSpPr>
+          <p:nvPr>
+            <p:ph type="dt" sz="half" idx="10"/>
+          </p:nvPr>
+        </p:nvSpPr>
+        <p:spPr/>
+        <p:txBody>
+          <a:bodyPr/>
+          <a:lstStyle/>
+          <a:p>
+            <a:fld id="{7D22BAEA-C64F-D24B-A5F8-4FF5D4AAE7C0}" type="datetime1">
               <a:rPr lang="en-US" smtClean="0"/>
-              <a:t>3/30/11</a:t>
+              <a:t>3/31/11</a:t>
             </a:fld>
             <a:endParaRPr lang="en-US"/>
           </a:p>
@@ -23773,30 +24473,7 @@
       </p:sp>
       <p:sp>
         <p:nvSpPr>
-          <p:cNvPr id="5" name="Footer Placeholder 4"/>
-          <p:cNvSpPr>
-            <a:spLocks noGrp="1"/>
-          </p:cNvSpPr>
-          <p:nvPr>
-            <p:ph type="ftr" sz="quarter" idx="11"/>
-          </p:nvPr>
-        </p:nvSpPr>
-        <p:spPr/>
-        <p:txBody>
-          <a:bodyPr/>
-          <a:lstStyle/>
-          <a:p>
-            <a:r>
-              <a:rPr lang="en-US" smtClean="0"/>
-              <a:t>Sencha Touch BYOL Workshop</a:t>
-            </a:r>
-            <a:endParaRPr lang="en-US"/>
-          </a:p>
-        </p:txBody>
-      </p:sp>
-      <p:sp>
-        <p:nvSpPr>
-          <p:cNvPr id="6" name="Slide Number Placeholder 5"/>
+          <p:cNvPr id="5" name="Slide Number Placeholder 4"/>
           <p:cNvSpPr>
             <a:spLocks noGrp="1"/>
           </p:cNvSpPr>
@@ -23814,149 +24491,93 @@
               <a:pPr/>
               <a:t>8</a:t>
             </a:fld>
-            <a:endParaRPr lang="en-US"/>
-          </a:p>
-        </p:txBody>
-      </p:sp>
-      <p:sp>
-        <p:nvSpPr>
-          <p:cNvPr id="10" name="Content Placeholder 2"/>
-          <p:cNvSpPr>
-            <a:spLocks noGrp="1"/>
-          </p:cNvSpPr>
-          <p:nvPr>
-            <p:ph idx="1"/>
-          </p:nvPr>
-        </p:nvSpPr>
-        <p:spPr>
-          <a:xfrm>
-            <a:off x="152400" y="1485900"/>
-            <a:ext cx="8877300" cy="4525963"/>
-          </a:xfrm>
-        </p:spPr>
-        <p:txBody>
-          <a:bodyPr/>
+            <a:endParaRPr lang="en-US" dirty="0"/>
+          </a:p>
+        </p:txBody>
+      </p:sp>
+      <p:pic>
+        <p:nvPicPr>
+          <p:cNvPr id="2" name="Picture Placeholder 1"/>
+          <p:cNvPicPr>
+            <a:picLocks noGrp="1" noChangeAspect="1"/>
+          </p:cNvPicPr>
+          <p:nvPr>
+            <p:ph type="pic" sz="quarter" idx="17"/>
+          </p:nvPr>
+        </p:nvPicPr>
+        <p:blipFill>
+          <a:blip r:embed="rId2">
+            <a:extLst>
+              <a:ext uri="{28A0092B-C50C-407E-A947-70E740481C1C}">
+                <a14:useLocalDpi xmlns:a14="http://schemas.microsoft.com/office/drawing/2010/main" val="0"/>
+              </a:ext>
+            </a:extLst>
+          </a:blip>
+          <a:stretch>
+            <a:fillRect/>
+          </a:stretch>
+        </p:blipFill>
+        <p:spPr>
+          <a:xfrm>
+            <a:off x="400749" y="2542424"/>
+            <a:ext cx="4169664" cy="1529312"/>
+          </a:xfrm>
+        </p:spPr>
+      </p:pic>
+      <p:sp>
+        <p:nvSpPr>
+          <p:cNvPr id="12" name="TextBox 11"/>
+          <p:cNvSpPr txBox="1"/>
+          <p:nvPr/>
+        </p:nvSpPr>
+        <p:spPr>
+          <a:xfrm>
+            <a:off x="1933480" y="4499661"/>
+            <a:ext cx="7210520" cy="369332"/>
+          </a:xfrm>
+          <a:prstGeom prst="rect">
+            <a:avLst/>
+          </a:prstGeom>
+          <a:noFill/>
+        </p:spPr>
+        <p:txBody>
+          <a:bodyPr wrap="square" rtlCol="0">
+            <a:spAutoFit/>
+          </a:bodyPr>
           <a:lstStyle/>
           <a:p>
             <a:r>
-              <a:rPr lang="en-US" dirty="0" smtClean="0"/>
-              <a:t>Duplicate of </a:t>
-            </a:r>
-            <a:r>
-              <a:rPr lang="en-US" dirty="0" err="1" smtClean="0"/>
-              <a:t>Order.cfm</a:t>
-            </a:r>
-            <a:r>
-              <a:rPr lang="en-US" dirty="0" smtClean="0"/>
-              <a:t> with a few tweaks</a:t>
-            </a:r>
-            <a:endParaRPr lang="en-US" dirty="0"/>
-          </a:p>
-          <a:p>
-            <a:pPr marL="3175" lvl="1" indent="0">
-              <a:buNone/>
-            </a:pPr>
-            <a:endParaRPr lang="en-US" b="1" dirty="0" smtClean="0"/>
-          </a:p>
-          <a:p>
-            <a:pPr marL="3175" lvl="1" indent="0">
-              <a:buNone/>
-            </a:pPr>
-            <a:r>
-              <a:rPr lang="en-US" b="1" dirty="0" smtClean="0"/>
-              <a:t>Set Method, Token and </a:t>
-            </a:r>
-            <a:r>
-              <a:rPr lang="en-US" b="1" dirty="0" err="1" smtClean="0"/>
-              <a:t>PayerId</a:t>
-            </a:r>
-            <a:endParaRPr lang="en-US" b="1" dirty="0" smtClean="0"/>
-          </a:p>
-          <a:p>
-            <a:pPr marL="3175" lvl="1" indent="0">
-              <a:buNone/>
-            </a:pPr>
+              <a:rPr lang="en-US" b="1" dirty="0"/>
+              <a:t>https://</a:t>
+            </a:r>
+            <a:r>
+              <a:rPr lang="en-US" b="1" dirty="0" err="1"/>
+              <a:t>www.x.com</a:t>
+            </a:r>
+            <a:r>
+              <a:rPr lang="en-US" b="1" dirty="0"/>
+              <a:t>/community/</a:t>
+            </a:r>
+            <a:r>
+              <a:rPr lang="en-US" b="1" dirty="0" err="1"/>
+              <a:t>ppx</a:t>
+            </a:r>
+            <a:r>
+              <a:rPr lang="en-US" b="1" dirty="0"/>
+              <a:t>/</a:t>
+            </a:r>
+            <a:r>
+              <a:rPr lang="en-US" b="1" dirty="0" err="1"/>
+              <a:t>sdks#NVP</a:t>
+            </a:r>
             <a:endParaRPr lang="en-US" b="1" dirty="0"/>
-          </a:p>
-          <a:p>
-            <a:pPr marL="3175" lvl="1" indent="0">
-              <a:buNone/>
-            </a:pPr>
-            <a:r>
-              <a:rPr lang="en-US" b="1" dirty="0" smtClean="0"/>
-              <a:t>Set </a:t>
-            </a:r>
-            <a:r>
-              <a:rPr lang="en-US" b="1" dirty="0" err="1" smtClean="0"/>
-              <a:t>returnURLPath</a:t>
-            </a:r>
-            <a:endParaRPr lang="en-US" b="1" dirty="0" smtClean="0"/>
-          </a:p>
-          <a:p>
-            <a:pPr marL="3175" lvl="1" indent="0">
-              <a:buNone/>
-            </a:pPr>
-            <a:endParaRPr lang="en-US" b="1" dirty="0"/>
-          </a:p>
-          <a:p>
-            <a:pPr marL="3175" lvl="1" indent="0">
-              <a:buNone/>
-            </a:pPr>
-            <a:r>
-              <a:rPr lang="en-US" b="1" dirty="0" smtClean="0"/>
-              <a:t>Redirect back to your </a:t>
-            </a:r>
-            <a:r>
-              <a:rPr lang="en-US" b="1" dirty="0" err="1" smtClean="0"/>
-              <a:t>Sencha</a:t>
-            </a:r>
-            <a:r>
-              <a:rPr lang="en-US" b="1" dirty="0" smtClean="0"/>
-              <a:t> App</a:t>
-            </a:r>
-          </a:p>
-          <a:p>
-            <a:pPr marL="3175" lvl="1" indent="0">
-              <a:buNone/>
-            </a:pPr>
-            <a:endParaRPr lang="en-US" b="1" dirty="0"/>
-          </a:p>
-          <a:p>
-            <a:pPr marL="3175" lvl="1" indent="0">
-              <a:buNone/>
-            </a:pPr>
-            <a:r>
-              <a:rPr lang="en-US" b="1" dirty="0" smtClean="0"/>
-              <a:t>Let’s review the code</a:t>
-            </a:r>
-            <a:endParaRPr lang="en-US" b="1" dirty="0"/>
-          </a:p>
-          <a:p>
-            <a:pPr marL="3175" lvl="1" indent="0">
-              <a:buNone/>
-            </a:pPr>
-            <a:endParaRPr lang="en-US" dirty="0"/>
-          </a:p>
-          <a:p>
-            <a:pPr lvl="1">
-              <a:buFont typeface="Arial" pitchFamily="34" charset="0"/>
-              <a:buChar char="•"/>
-            </a:pPr>
-            <a:endParaRPr lang="en-US" dirty="0" smtClean="0"/>
-          </a:p>
-          <a:p>
-            <a:pPr lvl="1">
-              <a:buFont typeface="Arial" pitchFamily="34" charset="0"/>
-              <a:buChar char="•"/>
-            </a:pPr>
-            <a:endParaRPr lang="en-US" dirty="0" smtClean="0"/>
           </a:p>
         </p:txBody>
       </p:sp>
     </p:spTree>
     <p:extLst>
       <p:ext uri="{BB962C8B-B14F-4D97-AF65-F5344CB8AC3E}">
-        <p14:creationId xmlns:p14="http://schemas.microsoft.com/office/powerpoint/2010/main" val="984582625"/>
+        <p14:creationId xmlns:p14="http://schemas.microsoft.com/office/powerpoint/2010/main" val="2827251453"/>
       </p:ext>
     </p:extLst>
   </p:cSld>
@@ -24010,278 +24631,59 @@
           <a:p>
             <a:r>
               <a:rPr lang="en-US" dirty="0" smtClean="0"/>
-              <a:t>Add Donate button in </a:t>
-            </a:r>
+              <a:t> Client/Server Workflow</a:t>
+            </a:r>
+            <a:endParaRPr lang="en-US" dirty="0"/>
+          </a:p>
+        </p:txBody>
+      </p:sp>
+      <p:sp>
+        <p:nvSpPr>
+          <p:cNvPr id="4" name="Date Placeholder 3"/>
+          <p:cNvSpPr>
+            <a:spLocks noGrp="1"/>
+          </p:cNvSpPr>
+          <p:nvPr>
+            <p:ph type="dt" sz="half" idx="10"/>
+          </p:nvPr>
+        </p:nvSpPr>
+        <p:spPr/>
+        <p:txBody>
+          <a:bodyPr/>
+          <a:lstStyle/>
+          <a:p>
+            <a:fld id="{0EA39F5F-9AD6-954F-88DD-849B40202F71}" type="datetime1">
+              <a:rPr lang="en-US" smtClean="0"/>
+              <a:t>3/31/11</a:t>
+            </a:fld>
+            <a:endParaRPr lang="en-US"/>
+          </a:p>
+        </p:txBody>
+      </p:sp>
+      <p:sp>
+        <p:nvSpPr>
+          <p:cNvPr id="5" name="Footer Placeholder 4"/>
+          <p:cNvSpPr>
+            <a:spLocks noGrp="1"/>
+          </p:cNvSpPr>
+          <p:nvPr>
+            <p:ph type="ftr" sz="quarter" idx="11"/>
+          </p:nvPr>
+        </p:nvSpPr>
+        <p:spPr/>
+        <p:txBody>
+          <a:bodyPr/>
+          <a:lstStyle/>
+          <a:p>
             <a:r>
               <a:rPr lang="en-US" dirty="0" err="1" smtClean="0"/>
               <a:t>Sencha</a:t>
             </a:r>
+            <a:r>
+              <a:rPr lang="en-US" dirty="0" smtClean="0"/>
+              <a:t> Touch BYOL Workshop</a:t>
+            </a:r>
             <a:endParaRPr lang="en-US" dirty="0"/>
-          </a:p>
-        </p:txBody>
-      </p:sp>
-      <p:sp>
-        <p:nvSpPr>
-          <p:cNvPr id="3" name="Content Placeholder 2"/>
-          <p:cNvSpPr>
-            <a:spLocks noGrp="1"/>
-          </p:cNvSpPr>
-          <p:nvPr>
-            <p:ph idx="1"/>
-          </p:nvPr>
-        </p:nvSpPr>
-        <p:spPr>
-          <a:xfrm>
-            <a:off x="152399" y="1405081"/>
-            <a:ext cx="8877300" cy="4525963"/>
-          </a:xfrm>
-        </p:spPr>
-        <p:txBody>
-          <a:bodyPr/>
-          <a:lstStyle/>
-          <a:p>
-            <a:r>
-              <a:rPr lang="en-US" dirty="0" err="1" smtClean="0">
-                <a:latin typeface="Courier"/>
-                <a:cs typeface="Courier"/>
-              </a:rPr>
-              <a:t>var</a:t>
-            </a:r>
-            <a:r>
-              <a:rPr lang="en-US" dirty="0" smtClean="0">
-                <a:latin typeface="Courier"/>
-                <a:cs typeface="Courier"/>
-              </a:rPr>
-              <a:t> </a:t>
-            </a:r>
-            <a:r>
-              <a:rPr lang="en-US" dirty="0" err="1" smtClean="0">
-                <a:latin typeface="Courier"/>
-                <a:cs typeface="Courier"/>
-              </a:rPr>
-              <a:t>donateButton</a:t>
-            </a:r>
-            <a:r>
-              <a:rPr lang="en-US" dirty="0" smtClean="0">
-                <a:latin typeface="Courier"/>
-                <a:cs typeface="Courier"/>
-              </a:rPr>
-              <a:t> </a:t>
-            </a:r>
-            <a:r>
-              <a:rPr lang="en-US" dirty="0">
-                <a:latin typeface="Courier"/>
-                <a:cs typeface="Courier"/>
-              </a:rPr>
-              <a:t>= new </a:t>
-            </a:r>
-            <a:r>
-              <a:rPr lang="en-US" dirty="0" err="1">
-                <a:latin typeface="Courier"/>
-                <a:cs typeface="Courier"/>
-              </a:rPr>
-              <a:t>Ext.Button</a:t>
-            </a:r>
-            <a:r>
-              <a:rPr lang="en-US" dirty="0">
-                <a:latin typeface="Courier"/>
-                <a:cs typeface="Courier"/>
-              </a:rPr>
-              <a:t>({</a:t>
-            </a:r>
-          </a:p>
-          <a:p>
-            <a:r>
-              <a:rPr lang="cs-CZ" dirty="0">
-                <a:latin typeface="Courier"/>
-                <a:cs typeface="Courier"/>
-              </a:rPr>
-              <a:t>	</a:t>
-            </a:r>
-            <a:r>
-              <a:rPr lang="cs-CZ" dirty="0" smtClean="0">
-                <a:latin typeface="Courier"/>
-                <a:cs typeface="Courier"/>
-              </a:rPr>
-              <a:t>text</a:t>
-            </a:r>
-            <a:r>
-              <a:rPr lang="cs-CZ" dirty="0">
-                <a:latin typeface="Courier"/>
-                <a:cs typeface="Courier"/>
-              </a:rPr>
-              <a:t>:"</a:t>
-            </a:r>
-            <a:r>
-              <a:rPr lang="cs-CZ" dirty="0" err="1">
-                <a:latin typeface="Courier"/>
-                <a:cs typeface="Courier"/>
-              </a:rPr>
-              <a:t>Donate</a:t>
-            </a:r>
-            <a:r>
-              <a:rPr lang="cs-CZ" dirty="0">
-                <a:latin typeface="Courier"/>
-                <a:cs typeface="Courier"/>
-              </a:rPr>
-              <a:t> $10",</a:t>
-            </a:r>
-          </a:p>
-          <a:p>
-            <a:r>
-              <a:rPr lang="en-US" dirty="0">
-                <a:latin typeface="Courier"/>
-                <a:cs typeface="Courier"/>
-              </a:rPr>
-              <a:t>	</a:t>
-            </a:r>
-            <a:r>
-              <a:rPr lang="en-US" dirty="0" err="1" smtClean="0">
-                <a:latin typeface="Courier"/>
-                <a:cs typeface="Courier"/>
-              </a:rPr>
-              <a:t>ui</a:t>
-            </a:r>
-            <a:r>
-              <a:rPr lang="en-US" dirty="0">
-                <a:latin typeface="Courier"/>
-                <a:cs typeface="Courier"/>
-              </a:rPr>
-              <a:t>:"round",</a:t>
-            </a:r>
-          </a:p>
-          <a:p>
-            <a:r>
-              <a:rPr lang="en-US" dirty="0">
-                <a:latin typeface="Courier"/>
-                <a:cs typeface="Courier"/>
-              </a:rPr>
-              <a:t>	</a:t>
-            </a:r>
-            <a:r>
-              <a:rPr lang="en-US" dirty="0" smtClean="0">
-                <a:latin typeface="Courier"/>
-                <a:cs typeface="Courier"/>
-              </a:rPr>
-              <a:t>handler</a:t>
-            </a:r>
-            <a:r>
-              <a:rPr lang="en-US" dirty="0">
-                <a:latin typeface="Courier"/>
-                <a:cs typeface="Courier"/>
-              </a:rPr>
-              <a:t>: </a:t>
-            </a:r>
-            <a:r>
-              <a:rPr lang="en-US" dirty="0" err="1">
-                <a:latin typeface="Courier"/>
-                <a:cs typeface="Courier"/>
-              </a:rPr>
-              <a:t>makeAjaxRequest</a:t>
-            </a:r>
-            <a:r>
-              <a:rPr lang="en-US" dirty="0">
-                <a:latin typeface="Courier"/>
-                <a:cs typeface="Courier"/>
-              </a:rPr>
-              <a:t>,</a:t>
-            </a:r>
-          </a:p>
-          <a:p>
-            <a:r>
-              <a:rPr lang="en-US" dirty="0">
-                <a:latin typeface="Courier"/>
-                <a:cs typeface="Courier"/>
-              </a:rPr>
-              <a:t>	width:150,</a:t>
-            </a:r>
-          </a:p>
-          <a:p>
-            <a:r>
-              <a:rPr lang="en-US" dirty="0" smtClean="0">
-                <a:latin typeface="Courier"/>
-                <a:cs typeface="Courier"/>
-              </a:rPr>
-              <a:t>}</a:t>
-            </a:r>
-            <a:r>
-              <a:rPr lang="en-US" dirty="0">
-                <a:latin typeface="Courier"/>
-                <a:cs typeface="Courier"/>
-              </a:rPr>
-              <a:t>)</a:t>
-            </a:r>
-            <a:endParaRPr lang="en-US" dirty="0">
-              <a:latin typeface="Courier"/>
-              <a:cs typeface="Courier"/>
-            </a:endParaRPr>
-          </a:p>
-          <a:p>
-            <a:pPr lvl="1">
-              <a:buFont typeface="Arial" pitchFamily="34" charset="0"/>
-              <a:buChar char="•"/>
-            </a:pPr>
-            <a:endParaRPr lang="en-US" dirty="0"/>
-          </a:p>
-          <a:p>
-            <a:pPr lvl="1">
-              <a:buFont typeface="Arial" pitchFamily="34" charset="0"/>
-              <a:buChar char="•"/>
-            </a:pPr>
-            <a:endParaRPr lang="en-US" dirty="0" smtClean="0"/>
-          </a:p>
-          <a:p>
-            <a:pPr lvl="1">
-              <a:buFont typeface="Arial" pitchFamily="34" charset="0"/>
-              <a:buChar char="•"/>
-            </a:pPr>
-            <a:endParaRPr lang="en-US" dirty="0" smtClean="0"/>
-          </a:p>
-        </p:txBody>
-      </p:sp>
-      <p:sp>
-        <p:nvSpPr>
-          <p:cNvPr id="4" name="Date Placeholder 3"/>
-          <p:cNvSpPr>
-            <a:spLocks noGrp="1"/>
-          </p:cNvSpPr>
-          <p:nvPr>
-            <p:ph type="dt" sz="half" idx="10"/>
-          </p:nvPr>
-        </p:nvSpPr>
-        <p:spPr/>
-        <p:txBody>
-          <a:bodyPr/>
-          <a:lstStyle/>
-          <a:p>
-            <a:fld id="{A18F856E-14B7-3043-A040-D1323E32FBFA}" type="datetime1">
-              <a:rPr lang="en-US" smtClean="0"/>
-              <a:t>3/30/11</a:t>
-            </a:fld>
-            <a:endParaRPr lang="en-US"/>
-          </a:p>
-        </p:txBody>
-      </p:sp>
-      <p:sp>
-        <p:nvSpPr>
-          <p:cNvPr id="5" name="Footer Placeholder 4"/>
-          <p:cNvSpPr>
-            <a:spLocks noGrp="1"/>
-          </p:cNvSpPr>
-          <p:nvPr>
-            <p:ph type="ftr" sz="quarter" idx="11"/>
-          </p:nvPr>
-        </p:nvSpPr>
-        <p:spPr/>
-        <p:txBody>
-          <a:bodyPr/>
-          <a:lstStyle/>
-          <a:p>
-            <a:r>
-              <a:rPr lang="en-US" smtClean="0"/>
-              <a:t>Sencha Touch BYOL Workshop</a:t>
-            </a:r>
-            <a:endParaRPr lang="en-US"/>
           </a:p>
         </p:txBody>
       </p:sp>
@@ -24309,10 +24711,657 @@
           </a:p>
         </p:txBody>
       </p:sp>
+      <p:pic>
+        <p:nvPicPr>
+          <p:cNvPr id="7" name="Picture 6" descr="server-icon.png"/>
+          <p:cNvPicPr>
+            <a:picLocks noChangeAspect="1"/>
+          </p:cNvPicPr>
+          <p:nvPr/>
+        </p:nvPicPr>
+        <p:blipFill>
+          <a:blip r:embed="rId2">
+            <a:extLst>
+              <a:ext uri="{28A0092B-C50C-407E-A947-70E740481C1C}">
+                <a14:useLocalDpi xmlns:a14="http://schemas.microsoft.com/office/drawing/2010/main" val="0"/>
+              </a:ext>
+            </a:extLst>
+          </a:blip>
+          <a:stretch>
+            <a:fillRect/>
+          </a:stretch>
+        </p:blipFill>
+        <p:spPr>
+          <a:xfrm>
+            <a:off x="3539837" y="1632529"/>
+            <a:ext cx="798946" cy="798946"/>
+          </a:xfrm>
+          <a:prstGeom prst="rect">
+            <a:avLst/>
+          </a:prstGeom>
+        </p:spPr>
+      </p:pic>
+      <p:pic>
+        <p:nvPicPr>
+          <p:cNvPr id="8" name="Picture 7" descr="iPhone-front-black-icon.png"/>
+          <p:cNvPicPr>
+            <a:picLocks noChangeAspect="1"/>
+          </p:cNvPicPr>
+          <p:nvPr/>
+        </p:nvPicPr>
+        <p:blipFill>
+          <a:blip r:embed="rId3">
+            <a:extLst>
+              <a:ext uri="{28A0092B-C50C-407E-A947-70E740481C1C}">
+                <a14:useLocalDpi xmlns:a14="http://schemas.microsoft.com/office/drawing/2010/main" val="0"/>
+              </a:ext>
+            </a:extLst>
+          </a:blip>
+          <a:stretch>
+            <a:fillRect/>
+          </a:stretch>
+        </p:blipFill>
+        <p:spPr>
+          <a:xfrm>
+            <a:off x="475672" y="1595584"/>
+            <a:ext cx="851988" cy="851988"/>
+          </a:xfrm>
+          <a:prstGeom prst="rect">
+            <a:avLst/>
+          </a:prstGeom>
+        </p:spPr>
+      </p:pic>
+      <p:sp>
+        <p:nvSpPr>
+          <p:cNvPr id="13" name="TextBox 12"/>
+          <p:cNvSpPr txBox="1"/>
+          <p:nvPr/>
+        </p:nvSpPr>
+        <p:spPr>
+          <a:xfrm>
+            <a:off x="1316182" y="1616364"/>
+            <a:ext cx="2074655" cy="338554"/>
+          </a:xfrm>
+          <a:prstGeom prst="rect">
+            <a:avLst/>
+          </a:prstGeom>
+          <a:noFill/>
+        </p:spPr>
+        <p:txBody>
+          <a:bodyPr wrap="square" rtlCol="0">
+            <a:spAutoFit/>
+          </a:bodyPr>
+          <a:lstStyle/>
+          <a:p>
+            <a:pPr algn="ctr"/>
+            <a:r>
+              <a:rPr lang="en-US" sz="1600" b="1" dirty="0" err="1" smtClean="0"/>
+              <a:t>Order.cfm</a:t>
+            </a:r>
+            <a:endParaRPr lang="en-US" sz="1600" b="1" dirty="0"/>
+          </a:p>
+        </p:txBody>
+      </p:sp>
+      <p:sp>
+        <p:nvSpPr>
+          <p:cNvPr id="14" name="TextBox 13"/>
+          <p:cNvSpPr txBox="1"/>
+          <p:nvPr/>
+        </p:nvSpPr>
+        <p:spPr>
+          <a:xfrm>
+            <a:off x="394855" y="1110674"/>
+            <a:ext cx="1106054" cy="369332"/>
+          </a:xfrm>
+          <a:prstGeom prst="rect">
+            <a:avLst/>
+          </a:prstGeom>
+          <a:noFill/>
+        </p:spPr>
+        <p:txBody>
+          <a:bodyPr wrap="square" rtlCol="0">
+            <a:spAutoFit/>
+          </a:bodyPr>
+          <a:lstStyle/>
+          <a:p>
+            <a:pPr algn="ctr"/>
+            <a:r>
+              <a:rPr lang="en-US" b="1" dirty="0" smtClean="0"/>
+              <a:t>User</a:t>
+            </a:r>
+            <a:endParaRPr lang="en-US" b="1" dirty="0"/>
+          </a:p>
+        </p:txBody>
+      </p:sp>
+      <p:sp>
+        <p:nvSpPr>
+          <p:cNvPr id="15" name="TextBox 14"/>
+          <p:cNvSpPr txBox="1"/>
+          <p:nvPr/>
+        </p:nvSpPr>
+        <p:spPr>
+          <a:xfrm>
+            <a:off x="2994890" y="1133766"/>
+            <a:ext cx="1923473" cy="378690"/>
+          </a:xfrm>
+          <a:prstGeom prst="rect">
+            <a:avLst/>
+          </a:prstGeom>
+          <a:noFill/>
+        </p:spPr>
+        <p:txBody>
+          <a:bodyPr wrap="square" rtlCol="0">
+            <a:spAutoFit/>
+          </a:bodyPr>
+          <a:lstStyle/>
+          <a:p>
+            <a:pPr algn="ctr"/>
+            <a:r>
+              <a:rPr lang="en-US" b="1" dirty="0" smtClean="0"/>
+              <a:t>Your Server</a:t>
+            </a:r>
+            <a:endParaRPr lang="en-US" b="1" dirty="0"/>
+          </a:p>
+        </p:txBody>
+      </p:sp>
+      <p:pic>
+        <p:nvPicPr>
+          <p:cNvPr id="16" name="Picture 15" descr="server-icon.png"/>
+          <p:cNvPicPr>
+            <a:picLocks noChangeAspect="1"/>
+          </p:cNvPicPr>
+          <p:nvPr/>
+        </p:nvPicPr>
+        <p:blipFill>
+          <a:blip r:embed="rId2">
+            <a:extLst>
+              <a:ext uri="{28A0092B-C50C-407E-A947-70E740481C1C}">
+                <a14:useLocalDpi xmlns:a14="http://schemas.microsoft.com/office/drawing/2010/main" val="0"/>
+              </a:ext>
+            </a:extLst>
+          </a:blip>
+          <a:stretch>
+            <a:fillRect/>
+          </a:stretch>
+        </p:blipFill>
+        <p:spPr>
+          <a:xfrm>
+            <a:off x="7040419" y="1632529"/>
+            <a:ext cx="798946" cy="798946"/>
+          </a:xfrm>
+          <a:prstGeom prst="rect">
+            <a:avLst/>
+          </a:prstGeom>
+        </p:spPr>
+      </p:pic>
+      <p:sp>
+        <p:nvSpPr>
+          <p:cNvPr id="17" name="TextBox 16"/>
+          <p:cNvSpPr txBox="1"/>
+          <p:nvPr/>
+        </p:nvSpPr>
+        <p:spPr>
+          <a:xfrm>
+            <a:off x="6419273" y="1112983"/>
+            <a:ext cx="2032001" cy="369332"/>
+          </a:xfrm>
+          <a:prstGeom prst="rect">
+            <a:avLst/>
+          </a:prstGeom>
+          <a:noFill/>
+        </p:spPr>
+        <p:txBody>
+          <a:bodyPr wrap="square" rtlCol="0">
+            <a:spAutoFit/>
+          </a:bodyPr>
+          <a:lstStyle/>
+          <a:p>
+            <a:pPr algn="ctr"/>
+            <a:r>
+              <a:rPr lang="en-US" b="1" dirty="0" smtClean="0"/>
+              <a:t>PayPal Server</a:t>
+            </a:r>
+            <a:endParaRPr lang="en-US" b="1" dirty="0"/>
+          </a:p>
+        </p:txBody>
+      </p:sp>
+      <p:sp>
+        <p:nvSpPr>
+          <p:cNvPr id="18" name="Right Arrow 17"/>
+          <p:cNvSpPr/>
+          <p:nvPr/>
+        </p:nvSpPr>
+        <p:spPr>
+          <a:xfrm>
+            <a:off x="4929909" y="1975427"/>
+            <a:ext cx="1762216" cy="206663"/>
+          </a:xfrm>
+          <a:prstGeom prst="rightArrow">
+            <a:avLst/>
+          </a:prstGeom>
+        </p:spPr>
+        <p:style>
+          <a:lnRef idx="1">
+            <a:schemeClr val="accent1"/>
+          </a:lnRef>
+          <a:fillRef idx="3">
+            <a:schemeClr val="accent1"/>
+          </a:fillRef>
+          <a:effectRef idx="2">
+            <a:schemeClr val="accent1"/>
+          </a:effectRef>
+          <a:fontRef idx="minor">
+            <a:schemeClr val="lt1"/>
+          </a:fontRef>
+        </p:style>
+        <p:txBody>
+          <a:bodyPr rtlCol="0" anchor="ctr"/>
+          <a:lstStyle/>
+          <a:p>
+            <a:pPr algn="ctr"/>
+            <a:endParaRPr lang="en-US"/>
+          </a:p>
+        </p:txBody>
+      </p:sp>
+      <p:sp>
+        <p:nvSpPr>
+          <p:cNvPr id="19" name="TextBox 18"/>
+          <p:cNvSpPr txBox="1"/>
+          <p:nvPr/>
+        </p:nvSpPr>
+        <p:spPr>
+          <a:xfrm>
+            <a:off x="4318000" y="1641764"/>
+            <a:ext cx="2988553" cy="338554"/>
+          </a:xfrm>
+          <a:prstGeom prst="rect">
+            <a:avLst/>
+          </a:prstGeom>
+          <a:noFill/>
+        </p:spPr>
+        <p:txBody>
+          <a:bodyPr wrap="square" rtlCol="0">
+            <a:spAutoFit/>
+          </a:bodyPr>
+          <a:lstStyle/>
+          <a:p>
+            <a:pPr algn="ctr"/>
+            <a:r>
+              <a:rPr lang="en-US" sz="1600" b="1" dirty="0" err="1" smtClean="0"/>
+              <a:t>www.paypal.com</a:t>
+            </a:r>
+            <a:endParaRPr lang="en-US" sz="1600" b="1" dirty="0"/>
+          </a:p>
+        </p:txBody>
+      </p:sp>
+      <p:sp>
+        <p:nvSpPr>
+          <p:cNvPr id="20" name="Right Arrow 19"/>
+          <p:cNvSpPr/>
+          <p:nvPr/>
+        </p:nvSpPr>
+        <p:spPr>
+          <a:xfrm>
+            <a:off x="1526309" y="1977737"/>
+            <a:ext cx="1762216" cy="169718"/>
+          </a:xfrm>
+          <a:prstGeom prst="rightArrow">
+            <a:avLst/>
+          </a:prstGeom>
+        </p:spPr>
+        <p:style>
+          <a:lnRef idx="1">
+            <a:schemeClr val="accent1"/>
+          </a:lnRef>
+          <a:fillRef idx="3">
+            <a:schemeClr val="accent1"/>
+          </a:fillRef>
+          <a:effectRef idx="2">
+            <a:schemeClr val="accent1"/>
+          </a:effectRef>
+          <a:fontRef idx="minor">
+            <a:schemeClr val="lt1"/>
+          </a:fontRef>
+        </p:style>
+        <p:txBody>
+          <a:bodyPr rtlCol="0" anchor="ctr"/>
+          <a:lstStyle/>
+          <a:p>
+            <a:pPr algn="ctr"/>
+            <a:endParaRPr lang="en-US"/>
+          </a:p>
+        </p:txBody>
+      </p:sp>
+      <p:pic>
+        <p:nvPicPr>
+          <p:cNvPr id="21" name="Picture 20" descr="server-icon.png"/>
+          <p:cNvPicPr>
+            <a:picLocks noChangeAspect="1"/>
+          </p:cNvPicPr>
+          <p:nvPr/>
+        </p:nvPicPr>
+        <p:blipFill>
+          <a:blip r:embed="rId2">
+            <a:extLst>
+              <a:ext uri="{28A0092B-C50C-407E-A947-70E740481C1C}">
+                <a14:useLocalDpi xmlns:a14="http://schemas.microsoft.com/office/drawing/2010/main" val="0"/>
+              </a:ext>
+            </a:extLst>
+          </a:blip>
+          <a:stretch>
+            <a:fillRect/>
+          </a:stretch>
+        </p:blipFill>
+        <p:spPr>
+          <a:xfrm>
+            <a:off x="3553692" y="3124202"/>
+            <a:ext cx="798946" cy="798946"/>
+          </a:xfrm>
+          <a:prstGeom prst="rect">
+            <a:avLst/>
+          </a:prstGeom>
+        </p:spPr>
+      </p:pic>
+      <p:pic>
+        <p:nvPicPr>
+          <p:cNvPr id="22" name="Picture 21" descr="iPhone-front-black-icon.png"/>
+          <p:cNvPicPr>
+            <a:picLocks noChangeAspect="1"/>
+          </p:cNvPicPr>
+          <p:nvPr/>
+        </p:nvPicPr>
+        <p:blipFill>
+          <a:blip r:embed="rId3">
+            <a:extLst>
+              <a:ext uri="{28A0092B-C50C-407E-A947-70E740481C1C}">
+                <a14:useLocalDpi xmlns:a14="http://schemas.microsoft.com/office/drawing/2010/main" val="0"/>
+              </a:ext>
+            </a:extLst>
+          </a:blip>
+          <a:stretch>
+            <a:fillRect/>
+          </a:stretch>
+        </p:blipFill>
+        <p:spPr>
+          <a:xfrm>
+            <a:off x="489527" y="3087257"/>
+            <a:ext cx="851988" cy="851988"/>
+          </a:xfrm>
+          <a:prstGeom prst="rect">
+            <a:avLst/>
+          </a:prstGeom>
+        </p:spPr>
+      </p:pic>
+      <p:pic>
+        <p:nvPicPr>
+          <p:cNvPr id="23" name="Picture 22" descr="server-icon.png"/>
+          <p:cNvPicPr>
+            <a:picLocks noChangeAspect="1"/>
+          </p:cNvPicPr>
+          <p:nvPr/>
+        </p:nvPicPr>
+        <p:blipFill>
+          <a:blip r:embed="rId2">
+            <a:extLst>
+              <a:ext uri="{28A0092B-C50C-407E-A947-70E740481C1C}">
+                <a14:useLocalDpi xmlns:a14="http://schemas.microsoft.com/office/drawing/2010/main" val="0"/>
+              </a:ext>
+            </a:extLst>
+          </a:blip>
+          <a:stretch>
+            <a:fillRect/>
+          </a:stretch>
+        </p:blipFill>
+        <p:spPr>
+          <a:xfrm>
+            <a:off x="7054274" y="3124202"/>
+            <a:ext cx="798946" cy="798946"/>
+          </a:xfrm>
+          <a:prstGeom prst="rect">
+            <a:avLst/>
+          </a:prstGeom>
+        </p:spPr>
+      </p:pic>
+      <p:sp>
+        <p:nvSpPr>
+          <p:cNvPr id="24" name="Right Arrow 23"/>
+          <p:cNvSpPr/>
+          <p:nvPr/>
+        </p:nvSpPr>
+        <p:spPr>
+          <a:xfrm flipH="1">
+            <a:off x="4932219" y="3394364"/>
+            <a:ext cx="1762216" cy="221673"/>
+          </a:xfrm>
+          <a:prstGeom prst="rightArrow">
+            <a:avLst/>
+          </a:prstGeom>
+        </p:spPr>
+        <p:style>
+          <a:lnRef idx="1">
+            <a:schemeClr val="accent1"/>
+          </a:lnRef>
+          <a:fillRef idx="3">
+            <a:schemeClr val="accent1"/>
+          </a:fillRef>
+          <a:effectRef idx="2">
+            <a:schemeClr val="accent1"/>
+          </a:effectRef>
+          <a:fontRef idx="minor">
+            <a:schemeClr val="lt1"/>
+          </a:fontRef>
+        </p:style>
+        <p:txBody>
+          <a:bodyPr rtlCol="0" anchor="ctr"/>
+          <a:lstStyle/>
+          <a:p>
+            <a:pPr algn="ctr"/>
+            <a:endParaRPr lang="en-US"/>
+          </a:p>
+        </p:txBody>
+      </p:sp>
+      <p:sp>
+        <p:nvSpPr>
+          <p:cNvPr id="25" name="Right Arrow 24"/>
+          <p:cNvSpPr/>
+          <p:nvPr/>
+        </p:nvSpPr>
+        <p:spPr>
+          <a:xfrm flipH="1">
+            <a:off x="1540164" y="3469409"/>
+            <a:ext cx="1762216" cy="225135"/>
+          </a:xfrm>
+          <a:prstGeom prst="rightArrow">
+            <a:avLst/>
+          </a:prstGeom>
+        </p:spPr>
+        <p:style>
+          <a:lnRef idx="1">
+            <a:schemeClr val="accent1"/>
+          </a:lnRef>
+          <a:fillRef idx="3">
+            <a:schemeClr val="accent1"/>
+          </a:fillRef>
+          <a:effectRef idx="2">
+            <a:schemeClr val="accent1"/>
+          </a:effectRef>
+          <a:fontRef idx="minor">
+            <a:schemeClr val="lt1"/>
+          </a:fontRef>
+        </p:style>
+        <p:txBody>
+          <a:bodyPr rtlCol="0" anchor="ctr"/>
+          <a:lstStyle/>
+          <a:p>
+            <a:pPr algn="ctr"/>
+            <a:endParaRPr lang="en-US"/>
+          </a:p>
+        </p:txBody>
+      </p:sp>
+      <p:sp>
+        <p:nvSpPr>
+          <p:cNvPr id="26" name="TextBox 25"/>
+          <p:cNvSpPr txBox="1"/>
+          <p:nvPr/>
+        </p:nvSpPr>
+        <p:spPr>
+          <a:xfrm>
+            <a:off x="4297218" y="2971800"/>
+            <a:ext cx="2988553" cy="338554"/>
+          </a:xfrm>
+          <a:prstGeom prst="rect">
+            <a:avLst/>
+          </a:prstGeom>
+          <a:noFill/>
+        </p:spPr>
+        <p:txBody>
+          <a:bodyPr wrap="square" rtlCol="0">
+            <a:spAutoFit/>
+          </a:bodyPr>
+          <a:lstStyle/>
+          <a:p>
+            <a:pPr algn="ctr"/>
+            <a:r>
+              <a:rPr lang="en-US" sz="1600" b="1" dirty="0" smtClean="0"/>
+              <a:t>Token returned</a:t>
+            </a:r>
+            <a:endParaRPr lang="en-US" sz="1600" b="1" dirty="0"/>
+          </a:p>
+        </p:txBody>
+      </p:sp>
+      <p:pic>
+        <p:nvPicPr>
+          <p:cNvPr id="28" name="Picture 27" descr="iPhone-front-black-icon.png"/>
+          <p:cNvPicPr>
+            <a:picLocks noChangeAspect="1"/>
+          </p:cNvPicPr>
+          <p:nvPr/>
+        </p:nvPicPr>
+        <p:blipFill>
+          <a:blip r:embed="rId3">
+            <a:extLst>
+              <a:ext uri="{28A0092B-C50C-407E-A947-70E740481C1C}">
+                <a14:useLocalDpi xmlns:a14="http://schemas.microsoft.com/office/drawing/2010/main" val="0"/>
+              </a:ext>
+            </a:extLst>
+          </a:blip>
+          <a:stretch>
+            <a:fillRect/>
+          </a:stretch>
+        </p:blipFill>
+        <p:spPr>
+          <a:xfrm>
+            <a:off x="489527" y="4403438"/>
+            <a:ext cx="851988" cy="851988"/>
+          </a:xfrm>
+          <a:prstGeom prst="rect">
+            <a:avLst/>
+          </a:prstGeom>
+        </p:spPr>
+      </p:pic>
+      <p:sp>
+        <p:nvSpPr>
+          <p:cNvPr id="29" name="TextBox 28"/>
+          <p:cNvSpPr txBox="1"/>
+          <p:nvPr/>
+        </p:nvSpPr>
+        <p:spPr>
+          <a:xfrm>
+            <a:off x="2022764" y="4435763"/>
+            <a:ext cx="4177145" cy="338554"/>
+          </a:xfrm>
+          <a:prstGeom prst="rect">
+            <a:avLst/>
+          </a:prstGeom>
+          <a:noFill/>
+        </p:spPr>
+        <p:txBody>
+          <a:bodyPr wrap="square" rtlCol="0">
+            <a:spAutoFit/>
+          </a:bodyPr>
+          <a:lstStyle/>
+          <a:p>
+            <a:pPr algn="ctr"/>
+            <a:r>
+              <a:rPr lang="en-US" sz="1600" b="1" dirty="0" smtClean="0"/>
+              <a:t>Redirected to PayPal Login</a:t>
+            </a:r>
+            <a:endParaRPr lang="en-US" sz="1600" b="1" dirty="0"/>
+          </a:p>
+        </p:txBody>
+      </p:sp>
+      <p:pic>
+        <p:nvPicPr>
+          <p:cNvPr id="30" name="Picture 29" descr="server-icon.png"/>
+          <p:cNvPicPr>
+            <a:picLocks noChangeAspect="1"/>
+          </p:cNvPicPr>
+          <p:nvPr/>
+        </p:nvPicPr>
+        <p:blipFill>
+          <a:blip r:embed="rId2">
+            <a:extLst>
+              <a:ext uri="{28A0092B-C50C-407E-A947-70E740481C1C}">
+                <a14:useLocalDpi xmlns:a14="http://schemas.microsoft.com/office/drawing/2010/main" val="0"/>
+              </a:ext>
+            </a:extLst>
+          </a:blip>
+          <a:stretch>
+            <a:fillRect/>
+          </a:stretch>
+        </p:blipFill>
+        <p:spPr>
+          <a:xfrm>
+            <a:off x="7054274" y="4440383"/>
+            <a:ext cx="798946" cy="798946"/>
+          </a:xfrm>
+          <a:prstGeom prst="rect">
+            <a:avLst/>
+          </a:prstGeom>
+        </p:spPr>
+      </p:pic>
+      <p:sp>
+        <p:nvSpPr>
+          <p:cNvPr id="33" name="Right Arrow 32"/>
+          <p:cNvSpPr/>
+          <p:nvPr/>
+        </p:nvSpPr>
+        <p:spPr>
+          <a:xfrm>
+            <a:off x="1540164" y="4785591"/>
+            <a:ext cx="5237018" cy="167409"/>
+          </a:xfrm>
+          <a:prstGeom prst="rightArrow">
+            <a:avLst/>
+          </a:prstGeom>
+        </p:spPr>
+        <p:style>
+          <a:lnRef idx="1">
+            <a:schemeClr val="accent1"/>
+          </a:lnRef>
+          <a:fillRef idx="3">
+            <a:schemeClr val="accent1"/>
+          </a:fillRef>
+          <a:effectRef idx="2">
+            <a:schemeClr val="accent1"/>
+          </a:effectRef>
+          <a:fontRef idx="minor">
+            <a:schemeClr val="lt1"/>
+          </a:fontRef>
+        </p:style>
+        <p:txBody>
+          <a:bodyPr rtlCol="0" anchor="ctr"/>
+          <a:lstStyle/>
+          <a:p>
+            <a:pPr algn="ctr"/>
+            <a:endParaRPr lang="en-US"/>
+          </a:p>
+        </p:txBody>
+      </p:sp>
     </p:spTree>
     <p:extLst>
       <p:ext uri="{BB962C8B-B14F-4D97-AF65-F5344CB8AC3E}">
-        <p14:creationId xmlns:p14="http://schemas.microsoft.com/office/powerpoint/2010/main" val="2924931128"/>
+        <p14:creationId xmlns:p14="http://schemas.microsoft.com/office/powerpoint/2010/main" val="1489179703"/>
       </p:ext>
     </p:extLst>
   </p:cSld>
